--- a/복습정리자료/spring 6주차 정리(kyungmin) .pptx
+++ b/복습정리자료/spring 6주차 정리(kyungmin) .pptx
@@ -5,7 +5,7 @@
     <p:sldMasterId id="2147483648" r:id="rId1"/>
   </p:sldMasterIdLst>
   <p:notesMasterIdLst>
-    <p:notesMasterId r:id="rId10"/>
+    <p:notesMasterId r:id="rId12"/>
   </p:notesMasterIdLst>
   <p:sldIdLst>
     <p:sldId id="260" r:id="rId2"/>
@@ -16,6 +16,8 @@
     <p:sldId id="265" r:id="rId7"/>
     <p:sldId id="266" r:id="rId8"/>
     <p:sldId id="267" r:id="rId9"/>
+    <p:sldId id="268" r:id="rId10"/>
+    <p:sldId id="269" r:id="rId11"/>
   </p:sldIdLst>
   <p:sldSz cx="12192000" cy="6858000"/>
   <p:notesSz cx="6858000" cy="9144000"/>
@@ -1051,6 +1053,174 @@
     <p:extLst>
       <p:ext uri="{BB962C8B-B14F-4D97-AF65-F5344CB8AC3E}">
         <p14:creationId xmlns:p14="http://schemas.microsoft.com/office/powerpoint/2010/main" val="3040301619"/>
+      </p:ext>
+    </p:extLst>
+  </p:cSld>
+  <p:clrMapOvr>
+    <a:masterClrMapping/>
+  </p:clrMapOvr>
+</p:notes>
+</file>
+
+<file path=ppt/notesSlides/notesSlide8.xml><?xml version="1.0" encoding="utf-8"?>
+<p:notes xmlns:a="http://schemas.openxmlformats.org/drawingml/2006/main" xmlns:r="http://schemas.openxmlformats.org/officeDocument/2006/relationships" xmlns:p="http://schemas.openxmlformats.org/presentationml/2006/main">
+  <p:cSld>
+    <p:spTree>
+      <p:nvGrpSpPr>
+        <p:cNvPr id="1" name=""/>
+        <p:cNvGrpSpPr/>
+        <p:nvPr/>
+      </p:nvGrpSpPr>
+      <p:grpSpPr>
+        <a:xfrm>
+          <a:off x="0" y="0"/>
+          <a:ext cx="0" cy="0"/>
+          <a:chOff x="0" y="0"/>
+          <a:chExt cx="0" cy="0"/>
+        </a:xfrm>
+      </p:grpSpPr>
+      <p:sp>
+        <p:nvSpPr>
+          <p:cNvPr id="2" name="슬라이드 이미지 개체 틀 1"/>
+          <p:cNvSpPr>
+            <a:spLocks noGrp="1" noRot="1" noChangeAspect="1"/>
+          </p:cNvSpPr>
+          <p:nvPr>
+            <p:ph type="sldImg"/>
+          </p:nvPr>
+        </p:nvSpPr>
+        <p:spPr/>
+      </p:sp>
+      <p:sp>
+        <p:nvSpPr>
+          <p:cNvPr id="3" name="슬라이드 노트 개체 틀 2"/>
+          <p:cNvSpPr>
+            <a:spLocks noGrp="1"/>
+          </p:cNvSpPr>
+          <p:nvPr>
+            <p:ph type="body" idx="1"/>
+          </p:nvPr>
+        </p:nvSpPr>
+        <p:spPr/>
+        <p:txBody>
+          <a:bodyPr/>
+          <a:lstStyle/>
+          <a:p>
+            <a:endParaRPr kumimoji="1" lang="ko-Kore-KR" altLang="en-US" dirty="0"/>
+          </a:p>
+        </p:txBody>
+      </p:sp>
+      <p:sp>
+        <p:nvSpPr>
+          <p:cNvPr id="4" name="슬라이드 번호 개체 틀 3"/>
+          <p:cNvSpPr>
+            <a:spLocks noGrp="1"/>
+          </p:cNvSpPr>
+          <p:nvPr>
+            <p:ph type="sldNum" sz="quarter" idx="5"/>
+          </p:nvPr>
+        </p:nvSpPr>
+        <p:spPr/>
+        <p:txBody>
+          <a:bodyPr/>
+          <a:lstStyle/>
+          <a:p>
+            <a:fld id="{CAC402C4-917E-A146-AE27-5FCC575E3565}" type="slidenum">
+              <a:rPr kumimoji="1" lang="ko-Kore-KR" altLang="en-US" smtClean="0"/>
+              <a:t>9</a:t>
+            </a:fld>
+            <a:endParaRPr kumimoji="1" lang="ko-Kore-KR" altLang="en-US"/>
+          </a:p>
+        </p:txBody>
+      </p:sp>
+    </p:spTree>
+    <p:extLst>
+      <p:ext uri="{BB962C8B-B14F-4D97-AF65-F5344CB8AC3E}">
+        <p14:creationId xmlns:p14="http://schemas.microsoft.com/office/powerpoint/2010/main" val="1386910567"/>
+      </p:ext>
+    </p:extLst>
+  </p:cSld>
+  <p:clrMapOvr>
+    <a:masterClrMapping/>
+  </p:clrMapOvr>
+</p:notes>
+</file>
+
+<file path=ppt/notesSlides/notesSlide9.xml><?xml version="1.0" encoding="utf-8"?>
+<p:notes xmlns:a="http://schemas.openxmlformats.org/drawingml/2006/main" xmlns:r="http://schemas.openxmlformats.org/officeDocument/2006/relationships" xmlns:p="http://schemas.openxmlformats.org/presentationml/2006/main">
+  <p:cSld>
+    <p:spTree>
+      <p:nvGrpSpPr>
+        <p:cNvPr id="1" name=""/>
+        <p:cNvGrpSpPr/>
+        <p:nvPr/>
+      </p:nvGrpSpPr>
+      <p:grpSpPr>
+        <a:xfrm>
+          <a:off x="0" y="0"/>
+          <a:ext cx="0" cy="0"/>
+          <a:chOff x="0" y="0"/>
+          <a:chExt cx="0" cy="0"/>
+        </a:xfrm>
+      </p:grpSpPr>
+      <p:sp>
+        <p:nvSpPr>
+          <p:cNvPr id="2" name="슬라이드 이미지 개체 틀 1"/>
+          <p:cNvSpPr>
+            <a:spLocks noGrp="1" noRot="1" noChangeAspect="1"/>
+          </p:cNvSpPr>
+          <p:nvPr>
+            <p:ph type="sldImg"/>
+          </p:nvPr>
+        </p:nvSpPr>
+        <p:spPr/>
+      </p:sp>
+      <p:sp>
+        <p:nvSpPr>
+          <p:cNvPr id="3" name="슬라이드 노트 개체 틀 2"/>
+          <p:cNvSpPr>
+            <a:spLocks noGrp="1"/>
+          </p:cNvSpPr>
+          <p:nvPr>
+            <p:ph type="body" idx="1"/>
+          </p:nvPr>
+        </p:nvSpPr>
+        <p:spPr/>
+        <p:txBody>
+          <a:bodyPr/>
+          <a:lstStyle/>
+          <a:p>
+            <a:endParaRPr kumimoji="1" lang="ko-Kore-KR" altLang="en-US" dirty="0"/>
+          </a:p>
+        </p:txBody>
+      </p:sp>
+      <p:sp>
+        <p:nvSpPr>
+          <p:cNvPr id="4" name="슬라이드 번호 개체 틀 3"/>
+          <p:cNvSpPr>
+            <a:spLocks noGrp="1"/>
+          </p:cNvSpPr>
+          <p:nvPr>
+            <p:ph type="sldNum" sz="quarter" idx="5"/>
+          </p:nvPr>
+        </p:nvSpPr>
+        <p:spPr/>
+        <p:txBody>
+          <a:bodyPr/>
+          <a:lstStyle/>
+          <a:p>
+            <a:fld id="{CAC402C4-917E-A146-AE27-5FCC575E3565}" type="slidenum">
+              <a:rPr kumimoji="1" lang="ko-Kore-KR" altLang="en-US" smtClean="0"/>
+              <a:t>10</a:t>
+            </a:fld>
+            <a:endParaRPr kumimoji="1" lang="ko-Kore-KR" altLang="en-US"/>
+          </a:p>
+        </p:txBody>
+      </p:sp>
+    </p:spTree>
+    <p:extLst>
+      <p:ext uri="{BB962C8B-B14F-4D97-AF65-F5344CB8AC3E}">
+        <p14:creationId xmlns:p14="http://schemas.microsoft.com/office/powerpoint/2010/main" val="1255343646"/>
       </p:ext>
     </p:extLst>
   </p:cSld>
@@ -4437,6 +4607,158 @@
 </p:sld>
 </file>
 
+<file path=ppt/slides/slide10.xml><?xml version="1.0" encoding="utf-8"?>
+<p:sld xmlns:a="http://schemas.openxmlformats.org/drawingml/2006/main" xmlns:r="http://schemas.openxmlformats.org/officeDocument/2006/relationships" xmlns:p="http://schemas.openxmlformats.org/presentationml/2006/main">
+  <p:cSld>
+    <p:spTree>
+      <p:nvGrpSpPr>
+        <p:cNvPr id="1" name=""/>
+        <p:cNvGrpSpPr/>
+        <p:nvPr/>
+      </p:nvGrpSpPr>
+      <p:grpSpPr>
+        <a:xfrm>
+          <a:off x="0" y="0"/>
+          <a:ext cx="0" cy="0"/>
+          <a:chOff x="0" y="0"/>
+          <a:chExt cx="0" cy="0"/>
+        </a:xfrm>
+      </p:grpSpPr>
+      <p:sp>
+        <p:nvSpPr>
+          <p:cNvPr id="3" name="TextBox 2">
+            <a:extLst>
+              <a:ext uri="{FF2B5EF4-FFF2-40B4-BE49-F238E27FC236}">
+                <a16:creationId xmlns:a16="http://schemas.microsoft.com/office/drawing/2014/main" id="{7728754F-E2CC-A974-B8BB-E659813036CC}"/>
+              </a:ext>
+            </a:extLst>
+          </p:cNvPr>
+          <p:cNvSpPr txBox="1"/>
+          <p:nvPr/>
+        </p:nvSpPr>
+        <p:spPr>
+          <a:xfrm>
+            <a:off x="838201" y="2136299"/>
+            <a:ext cx="5981278" cy="3690551"/>
+          </a:xfrm>
+          <a:prstGeom prst="rect">
+            <a:avLst/>
+          </a:prstGeom>
+        </p:spPr>
+        <p:txBody>
+          <a:bodyPr vert="horz" lIns="91440" tIns="45720" rIns="91440" bIns="45720" rtlCol="0">
+            <a:normAutofit/>
+          </a:bodyPr>
+          <a:lstStyle/>
+          <a:p>
+            <a:pPr>
+              <a:lnSpc>
+                <a:spcPct val="90000"/>
+              </a:lnSpc>
+              <a:spcAft>
+                <a:spcPts val="600"/>
+              </a:spcAft>
+            </a:pPr>
+            <a:endParaRPr kumimoji="1" lang="en-US" altLang="ko-KR" sz="2000" dirty="0"/>
+          </a:p>
+          <a:p>
+            <a:pPr marL="342900" indent="-342900">
+              <a:lnSpc>
+                <a:spcPct val="90000"/>
+              </a:lnSpc>
+              <a:spcAft>
+                <a:spcPts val="600"/>
+              </a:spcAft>
+              <a:buFontTx/>
+              <a:buChar char="-"/>
+            </a:pPr>
+            <a:endParaRPr kumimoji="1" lang="en-US" altLang="en-US" sz="2000" dirty="0"/>
+          </a:p>
+        </p:txBody>
+      </p:sp>
+      <p:sp>
+        <p:nvSpPr>
+          <p:cNvPr id="2" name="TextBox 1">
+            <a:extLst>
+              <a:ext uri="{FF2B5EF4-FFF2-40B4-BE49-F238E27FC236}">
+                <a16:creationId xmlns:a16="http://schemas.microsoft.com/office/drawing/2014/main" id="{9E55D9DB-4102-9C4A-E21C-DEE97875A7A7}"/>
+              </a:ext>
+            </a:extLst>
+          </p:cNvPr>
+          <p:cNvSpPr txBox="1"/>
+          <p:nvPr/>
+        </p:nvSpPr>
+        <p:spPr>
+          <a:xfrm>
+            <a:off x="284658" y="0"/>
+            <a:ext cx="5981278" cy="1684638"/>
+          </a:xfrm>
+          <a:prstGeom prst="rect">
+            <a:avLst/>
+          </a:prstGeom>
+        </p:spPr>
+        <p:txBody>
+          <a:bodyPr vert="horz" lIns="91440" tIns="45720" rIns="91440" bIns="45720" rtlCol="0" anchor="ctr">
+            <a:normAutofit/>
+          </a:bodyPr>
+          <a:lstStyle/>
+          <a:p>
+            <a:pPr>
+              <a:lnSpc>
+                <a:spcPct val="90000"/>
+              </a:lnSpc>
+              <a:spcBef>
+                <a:spcPct val="0"/>
+              </a:spcBef>
+              <a:spcAft>
+                <a:spcPts val="600"/>
+              </a:spcAft>
+            </a:pPr>
+            <a:r>
+              <a:rPr kumimoji="1" lang="en-US" altLang="en-US" sz="4000" b="1" dirty="0">
+                <a:latin typeface="+mj-ea"/>
+                <a:ea typeface="+mj-ea"/>
+                <a:cs typeface="+mj-cs"/>
+              </a:rPr>
+              <a:t>Spring Security</a:t>
+            </a:r>
+            <a:r>
+              <a:rPr kumimoji="1" lang="ko-KR" altLang="en-US" sz="4000" b="1" dirty="0">
+                <a:latin typeface="+mj-ea"/>
+                <a:ea typeface="+mj-ea"/>
+                <a:cs typeface="+mj-cs"/>
+              </a:rPr>
+              <a:t> 란</a:t>
+            </a:r>
+            <a:r>
+              <a:rPr kumimoji="1" lang="en-US" altLang="ko-KR" sz="4000" b="1" dirty="0">
+                <a:latin typeface="+mj-ea"/>
+                <a:ea typeface="+mj-ea"/>
+                <a:cs typeface="+mj-cs"/>
+              </a:rPr>
+              <a:t>?</a:t>
+            </a:r>
+            <a:endParaRPr kumimoji="1" lang="en-US" altLang="en-US" sz="4000" b="1" dirty="0">
+              <a:latin typeface="+mj-ea"/>
+              <a:ea typeface="+mj-ea"/>
+              <a:cs typeface="+mj-cs"/>
+            </a:endParaRPr>
+          </a:p>
+        </p:txBody>
+      </p:sp>
+    </p:spTree>
+    <p:extLst>
+      <p:ext uri="{BB962C8B-B14F-4D97-AF65-F5344CB8AC3E}">
+        <p14:creationId xmlns:p14="http://schemas.microsoft.com/office/powerpoint/2010/main" val="1734018814"/>
+      </p:ext>
+    </p:extLst>
+  </p:cSld>
+  <p:clrMapOvr>
+    <a:masterClrMapping/>
+  </p:clrMapOvr>
+</p:sld>
+</file>
+
 <file path=ppt/slides/slide2.xml><?xml version="1.0" encoding="utf-8"?>
 <p:sld xmlns:a="http://schemas.openxmlformats.org/drawingml/2006/main" xmlns:r="http://schemas.openxmlformats.org/officeDocument/2006/relationships" xmlns:p="http://schemas.openxmlformats.org/presentationml/2006/main">
   <p:cSld>
@@ -4821,6 +5143,20 @@
           <a:lstStyle/>
           <a:p>
             <a:r>
+              <a:rPr lang="en-US" altLang="ko-KR" b="0" i="0" dirty="0">
+                <a:effectLst/>
+                <a:latin typeface="NanumBarunGothic"/>
+              </a:rPr>
+              <a:t>-</a:t>
+            </a:r>
+            <a:r>
+              <a:rPr lang="ko-KR" altLang="en-US" b="0" i="0" dirty="0">
+                <a:effectLst/>
+                <a:latin typeface="NanumBarunGothic"/>
+              </a:rPr>
+              <a:t> </a:t>
+            </a:r>
+            <a:r>
               <a:rPr lang="en" altLang="ko-Kore-KR" b="0" i="0" dirty="0">
                 <a:effectLst/>
                 <a:latin typeface="NanumBarunGothic"/>
@@ -5175,6 +5511,18 @@
           <a:lstStyle/>
           <a:p>
             <a:r>
+              <a:rPr lang="en-US" altLang="ko-KR" dirty="0">
+                <a:latin typeface="NanumBarunGothic"/>
+              </a:rPr>
+              <a:t>-</a:t>
+            </a:r>
+            <a:r>
+              <a:rPr lang="ko-KR" altLang="en-US" dirty="0">
+                <a:latin typeface="NanumBarunGothic"/>
+              </a:rPr>
+              <a:t> </a:t>
+            </a:r>
+            <a:r>
               <a:rPr lang="en" altLang="ko-Kore-KR" b="0" i="0" dirty="0">
                 <a:effectLst/>
                 <a:latin typeface="NanumBarunGothic"/>
@@ -5548,6 +5896,20 @@
           <a:lstStyle/>
           <a:p>
             <a:pPr algn="l"/>
+            <a:r>
+              <a:rPr lang="en-US" altLang="ko-KR" b="0" i="0" dirty="0">
+                <a:effectLst/>
+                <a:latin typeface="NanumBarunGothic"/>
+              </a:rPr>
+              <a:t>-</a:t>
+            </a:r>
+            <a:r>
+              <a:rPr lang="ko-KR" altLang="en-US" b="0" i="0" dirty="0">
+                <a:effectLst/>
+                <a:latin typeface="NanumBarunGothic"/>
+              </a:rPr>
+              <a:t> </a:t>
+            </a:r>
             <a:r>
               <a:rPr lang="en" altLang="ko-Kore-KR" b="0" i="0" dirty="0">
                 <a:effectLst/>
@@ -6085,14 +6447,14 @@
               <a:t>@</a:t>
             </a:r>
             <a:r>
-              <a:rPr lang="en" altLang="ko-Kore-KR" b="1" i="0">
+              <a:rPr lang="en" altLang="ko-Kore-KR" b="1" i="0" dirty="0" err="1">
                 <a:solidFill>
                   <a:srgbClr val="FF0000"/>
                 </a:solidFill>
                 <a:effectLst/>
                 <a:latin typeface="NanumBarunGothic"/>
               </a:rPr>
-              <a:t>RequetParam</a:t>
+              <a:t>RequestParam</a:t>
             </a:r>
             <a:endParaRPr lang="en" altLang="ko-Kore-KR" b="1" i="0" dirty="0">
               <a:solidFill>
@@ -6622,10 +6984,10 @@
       </p:sp>
       <p:sp>
         <p:nvSpPr>
-          <p:cNvPr id="2" name="TextBox 1">
+          <p:cNvPr id="6" name="TextBox 5">
             <a:extLst>
               <a:ext uri="{FF2B5EF4-FFF2-40B4-BE49-F238E27FC236}">
-                <a16:creationId xmlns:a16="http://schemas.microsoft.com/office/drawing/2014/main" id="{9E55D9DB-4102-9C4A-E21C-DEE97875A7A7}"/>
+                <a16:creationId xmlns:a16="http://schemas.microsoft.com/office/drawing/2014/main" id="{9EE4228E-76BD-F703-C2E6-11589B45CFE4}"/>
               </a:ext>
             </a:extLst>
           </p:cNvPr>
@@ -6634,59 +6996,1041 @@
         </p:nvSpPr>
         <p:spPr>
           <a:xfrm>
-            <a:off x="284658" y="0"/>
-            <a:ext cx="5981278" cy="1684638"/>
+            <a:off x="413137" y="485016"/>
+            <a:ext cx="11968050" cy="5632311"/>
           </a:xfrm>
           <a:prstGeom prst="rect">
             <a:avLst/>
           </a:prstGeom>
+          <a:noFill/>
         </p:spPr>
         <p:txBody>
-          <a:bodyPr vert="horz" lIns="91440" tIns="45720" rIns="91440" bIns="45720" rtlCol="0" anchor="ctr">
-            <a:normAutofit/>
+          <a:bodyPr wrap="square">
+            <a:spAutoFit/>
           </a:bodyPr>
           <a:lstStyle/>
           <a:p>
-            <a:pPr>
-              <a:lnSpc>
-                <a:spcPct val="90000"/>
-              </a:lnSpc>
-              <a:spcBef>
-                <a:spcPct val="0"/>
-              </a:spcBef>
-              <a:spcAft>
-                <a:spcPts val="600"/>
-              </a:spcAft>
-            </a:pPr>
-            <a:r>
-              <a:rPr kumimoji="1" lang="en-US" altLang="en-US" sz="4000" b="1" dirty="0">
-                <a:latin typeface="+mj-ea"/>
-                <a:ea typeface="+mj-ea"/>
-                <a:cs typeface="+mj-cs"/>
-              </a:rPr>
-              <a:t>Spring Security</a:t>
-            </a:r>
-            <a:r>
-              <a:rPr kumimoji="1" lang="ko-KR" altLang="en-US" sz="4000" b="1" dirty="0">
-                <a:latin typeface="+mj-ea"/>
-                <a:ea typeface="+mj-ea"/>
-                <a:cs typeface="+mj-cs"/>
-              </a:rPr>
-              <a:t> 란</a:t>
-            </a:r>
-            <a:r>
-              <a:rPr kumimoji="1" lang="en-US" altLang="ko-KR" sz="4000" b="1" dirty="0">
-                <a:latin typeface="+mj-ea"/>
-                <a:ea typeface="+mj-ea"/>
-                <a:cs typeface="+mj-cs"/>
-              </a:rPr>
-              <a:t>?</a:t>
-            </a:r>
-            <a:endParaRPr kumimoji="1" lang="en-US" altLang="en-US" sz="4000" b="1" dirty="0">
-              <a:latin typeface="+mj-ea"/>
-              <a:ea typeface="+mj-ea"/>
-              <a:cs typeface="+mj-cs"/>
+            <a:r>
+              <a:rPr lang="en" altLang="ko-Kore-KR" b="1" i="0" dirty="0">
+                <a:effectLst/>
+                <a:latin typeface="SFMono-Regular"/>
+              </a:rPr>
+              <a:t>@</a:t>
+            </a:r>
+            <a:r>
+              <a:rPr lang="en" altLang="ko-Kore-KR" b="1" i="0" dirty="0" err="1">
+                <a:effectLst/>
+                <a:latin typeface="SFMono-Regular"/>
+              </a:rPr>
+              <a:t>RestController</a:t>
+            </a:r>
+            <a:r>
+              <a:rPr lang="en" altLang="ko-Kore-KR" b="1" i="0" dirty="0">
+                <a:effectLst/>
+                <a:latin typeface="SFMono-Regular"/>
+              </a:rPr>
+              <a:t> </a:t>
+            </a:r>
+          </a:p>
+          <a:p>
+            <a:r>
+              <a:rPr lang="en" altLang="ko-Kore-KR" b="1" i="0" dirty="0">
+                <a:effectLst/>
+                <a:latin typeface="SFMono-Regular"/>
+              </a:rPr>
+              <a:t>@</a:t>
+            </a:r>
+            <a:r>
+              <a:rPr lang="en" altLang="ko-Kore-KR" b="1" i="0" dirty="0" err="1">
+                <a:effectLst/>
+                <a:latin typeface="SFMono-Regular"/>
+              </a:rPr>
+              <a:t>RequestMapping</a:t>
+            </a:r>
+            <a:r>
+              <a:rPr lang="en" altLang="ko-Kore-KR" b="1" i="0" dirty="0">
+                <a:effectLst/>
+                <a:latin typeface="SFMono-Regular"/>
+              </a:rPr>
+              <a:t>("/board")</a:t>
+            </a:r>
+          </a:p>
+          <a:p>
+            <a:r>
+              <a:rPr lang="en" altLang="ko-Kore-KR" b="1" i="0" dirty="0">
+                <a:effectLst/>
+                <a:latin typeface="SFMono-Regular"/>
+              </a:rPr>
+              <a:t> public class </a:t>
+            </a:r>
+            <a:r>
+              <a:rPr lang="en" altLang="ko-Kore-KR" b="1" i="0" dirty="0" err="1">
+                <a:effectLst/>
+                <a:latin typeface="SFMono-Regular"/>
+              </a:rPr>
+              <a:t>BoardController</a:t>
+            </a:r>
+            <a:r>
+              <a:rPr lang="en" altLang="ko-Kore-KR" b="1" i="0" dirty="0">
+                <a:effectLst/>
+                <a:latin typeface="SFMono-Regular"/>
+              </a:rPr>
+              <a:t> { </a:t>
+            </a:r>
+          </a:p>
+          <a:p>
+            <a:r>
+              <a:rPr lang="en" altLang="ko-Kore-KR" b="1" dirty="0">
+                <a:latin typeface="SFMono-Regular"/>
+              </a:rPr>
+              <a:t>	</a:t>
+            </a:r>
+            <a:r>
+              <a:rPr lang="en" altLang="ko-Kore-KR" b="1" i="0" dirty="0">
+                <a:effectLst/>
+                <a:latin typeface="SFMono-Regular"/>
+              </a:rPr>
+              <a:t>@</a:t>
+            </a:r>
+            <a:r>
+              <a:rPr lang="en" altLang="ko-Kore-KR" b="1" i="0" dirty="0" err="1">
+                <a:effectLst/>
+                <a:latin typeface="SFMono-Regular"/>
+              </a:rPr>
+              <a:t>PostMapping</a:t>
+            </a:r>
+            <a:r>
+              <a:rPr lang="en" altLang="ko-Kore-KR" b="1" i="0" dirty="0">
+                <a:effectLst/>
+                <a:latin typeface="SFMono-Regular"/>
+              </a:rPr>
+              <a:t>("/</a:t>
+            </a:r>
+            <a:r>
+              <a:rPr lang="en" altLang="ko-Kore-KR" b="1" i="0" dirty="0" err="1">
+                <a:effectLst/>
+                <a:latin typeface="SFMono-Regular"/>
+              </a:rPr>
+              <a:t>requestBody</a:t>
+            </a:r>
+            <a:r>
+              <a:rPr lang="en" altLang="ko-Kore-KR" b="1" i="0" dirty="0">
+                <a:effectLst/>
+                <a:latin typeface="SFMono-Regular"/>
+              </a:rPr>
+              <a:t>")</a:t>
+            </a:r>
+          </a:p>
+          <a:p>
+            <a:r>
+              <a:rPr lang="en" altLang="ko-Kore-KR" b="1" dirty="0">
+                <a:latin typeface="SFMono-Regular"/>
+              </a:rPr>
+              <a:t>	</a:t>
+            </a:r>
+            <a:r>
+              <a:rPr lang="en" altLang="ko-Kore-KR" b="1" i="0" dirty="0">
+                <a:effectLst/>
+                <a:latin typeface="SFMono-Regular"/>
+              </a:rPr>
+              <a:t> public </a:t>
+            </a:r>
+            <a:r>
+              <a:rPr lang="en" altLang="ko-Kore-KR" b="1" i="0" dirty="0" err="1">
+                <a:effectLst/>
+                <a:latin typeface="SFMono-Regular"/>
+              </a:rPr>
+              <a:t>ResponseEntity</a:t>
+            </a:r>
+            <a:r>
+              <a:rPr lang="en" altLang="ko-Kore-KR" b="1" i="0" dirty="0">
+                <a:effectLst/>
+                <a:latin typeface="SFMono-Regular"/>
+              </a:rPr>
+              <a:t>&lt;Board&gt; </a:t>
+            </a:r>
+            <a:r>
+              <a:rPr lang="en" altLang="ko-Kore-KR" b="1" i="0" dirty="0" err="1">
+                <a:effectLst/>
+                <a:latin typeface="SFMono-Regular"/>
+              </a:rPr>
+              <a:t>requestBody</a:t>
+            </a:r>
+            <a:r>
+              <a:rPr lang="en" altLang="ko-Kore-KR" b="1" i="0" dirty="0">
+                <a:solidFill>
+                  <a:srgbClr val="FF0000"/>
+                </a:solidFill>
+                <a:effectLst/>
+                <a:latin typeface="SFMono-Regular"/>
+              </a:rPr>
+              <a:t>(@</a:t>
+            </a:r>
+            <a:r>
+              <a:rPr lang="en" altLang="ko-Kore-KR" b="1" i="0" dirty="0" err="1">
+                <a:solidFill>
+                  <a:srgbClr val="FF0000"/>
+                </a:solidFill>
+                <a:effectLst/>
+                <a:latin typeface="SFMono-Regular"/>
+              </a:rPr>
+              <a:t>RequestBody</a:t>
+            </a:r>
+            <a:r>
+              <a:rPr lang="en" altLang="ko-Kore-KR" b="1" i="0" dirty="0">
+                <a:solidFill>
+                  <a:srgbClr val="FF0000"/>
+                </a:solidFill>
+                <a:effectLst/>
+                <a:latin typeface="SFMono-Regular"/>
+              </a:rPr>
+              <a:t> </a:t>
+            </a:r>
+            <a:r>
+              <a:rPr lang="en" altLang="ko-Kore-KR" b="1" i="0" dirty="0">
+                <a:effectLst/>
+                <a:latin typeface="SFMono-Regular"/>
+              </a:rPr>
+              <a:t>Board board) { </a:t>
+            </a:r>
+          </a:p>
+          <a:p>
+            <a:r>
+              <a:rPr lang="en" altLang="ko-Kore-KR" b="1" dirty="0">
+                <a:latin typeface="SFMono-Regular"/>
+              </a:rPr>
+              <a:t>	</a:t>
+            </a:r>
+            <a:r>
+              <a:rPr lang="en" altLang="ko-Kore-KR" b="1" i="1" dirty="0">
+                <a:effectLst/>
+                <a:highlight>
+                  <a:srgbClr val="FFFF00"/>
+                </a:highlight>
+                <a:latin typeface="SFMono-Regular"/>
+              </a:rPr>
+              <a:t>// </a:t>
+            </a:r>
+            <a:r>
+              <a:rPr lang="en" altLang="ko-Kore-KR" b="1" i="1" dirty="0">
+                <a:solidFill>
+                  <a:srgbClr val="FF0000"/>
+                </a:solidFill>
+                <a:effectLst/>
+                <a:highlight>
+                  <a:srgbClr val="FFFF00"/>
+                </a:highlight>
+                <a:latin typeface="SFMono-Regular"/>
+              </a:rPr>
+              <a:t>@</a:t>
+            </a:r>
+            <a:r>
+              <a:rPr lang="en" altLang="ko-Kore-KR" b="1" i="1" dirty="0" err="1">
+                <a:solidFill>
+                  <a:srgbClr val="FF0000"/>
+                </a:solidFill>
+                <a:effectLst/>
+                <a:highlight>
+                  <a:srgbClr val="FFFF00"/>
+                </a:highlight>
+                <a:latin typeface="SFMono-Regular"/>
+              </a:rPr>
+              <a:t>RequestBody</a:t>
+            </a:r>
+            <a:r>
+              <a:rPr lang="ko-KR" altLang="en-US" b="1" i="1" dirty="0">
+                <a:effectLst/>
+                <a:highlight>
+                  <a:srgbClr val="FFFF00"/>
+                </a:highlight>
+                <a:latin typeface="SFMono-Regular"/>
+              </a:rPr>
+              <a:t>는 </a:t>
+            </a:r>
+            <a:r>
+              <a:rPr lang="en" altLang="ko-Kore-KR" b="1" i="1" dirty="0" err="1">
+                <a:effectLst/>
+                <a:highlight>
+                  <a:srgbClr val="FFFF00"/>
+                </a:highlight>
+                <a:latin typeface="SFMono-Regular"/>
+              </a:rPr>
+              <a:t>MessageConverter</a:t>
+            </a:r>
+            <a:r>
+              <a:rPr lang="ko-KR" altLang="en-US" b="1" i="1" dirty="0" err="1">
+                <a:effectLst/>
+                <a:highlight>
+                  <a:srgbClr val="FFFF00"/>
+                </a:highlight>
+                <a:latin typeface="SFMono-Regular"/>
+              </a:rPr>
+              <a:t>를</a:t>
+            </a:r>
+            <a:r>
+              <a:rPr lang="ko-KR" altLang="en-US" b="1" i="1" dirty="0">
+                <a:effectLst/>
+                <a:highlight>
+                  <a:srgbClr val="FFFF00"/>
+                </a:highlight>
+                <a:latin typeface="SFMono-Regular"/>
+              </a:rPr>
+              <a:t> 통해 </a:t>
+            </a:r>
+            <a:r>
+              <a:rPr lang="en" altLang="ko-Kore-KR" b="1" i="1" dirty="0" err="1">
+                <a:effectLst/>
+                <a:highlight>
+                  <a:srgbClr val="FFFF00"/>
+                </a:highlight>
+                <a:latin typeface="SFMono-Regular"/>
+              </a:rPr>
+              <a:t>Json</a:t>
+            </a:r>
+            <a:r>
+              <a:rPr lang="en" altLang="ko-Kore-KR" b="1" i="1" dirty="0">
+                <a:effectLst/>
+                <a:highlight>
+                  <a:srgbClr val="FFFF00"/>
+                </a:highlight>
+                <a:latin typeface="SFMono-Regular"/>
+              </a:rPr>
+              <a:t> </a:t>
+            </a:r>
+            <a:r>
+              <a:rPr lang="ko-KR" altLang="en-US" b="1" i="1" dirty="0">
+                <a:effectLst/>
+                <a:highlight>
+                  <a:srgbClr val="FFFF00"/>
+                </a:highlight>
+                <a:latin typeface="SFMono-Regular"/>
+              </a:rPr>
+              <a:t>형태의 </a:t>
+            </a:r>
+            <a:r>
+              <a:rPr lang="en" altLang="ko-Kore-KR" b="1" i="1" dirty="0">
+                <a:effectLst/>
+                <a:highlight>
+                  <a:srgbClr val="FFFF00"/>
+                </a:highlight>
+                <a:latin typeface="SFMono-Regular"/>
+              </a:rPr>
+              <a:t>HTTP Body</a:t>
+            </a:r>
+            <a:r>
+              <a:rPr lang="ko-KR" altLang="en-US" b="1" i="1" dirty="0" err="1">
+                <a:effectLst/>
+                <a:highlight>
+                  <a:srgbClr val="FFFF00"/>
+                </a:highlight>
+                <a:latin typeface="SFMono-Regular"/>
+              </a:rPr>
+              <a:t>를</a:t>
+            </a:r>
+            <a:r>
+              <a:rPr lang="ko-KR" altLang="en-US" b="1" i="1" dirty="0">
+                <a:effectLst/>
+                <a:highlight>
+                  <a:srgbClr val="FFFF00"/>
+                </a:highlight>
+                <a:latin typeface="SFMono-Regular"/>
+              </a:rPr>
+              <a:t> </a:t>
+            </a:r>
+            <a:r>
+              <a:rPr lang="en" altLang="ko-Kore-KR" b="1" i="1" dirty="0">
+                <a:effectLst/>
+                <a:highlight>
+                  <a:srgbClr val="FFFF00"/>
+                </a:highlight>
+                <a:latin typeface="SFMono-Regular"/>
+              </a:rPr>
+              <a:t>Java </a:t>
+            </a:r>
+            <a:r>
+              <a:rPr lang="ko-KR" altLang="en-US" b="1" i="1" dirty="0">
+                <a:effectLst/>
+                <a:highlight>
+                  <a:srgbClr val="FFFF00"/>
+                </a:highlight>
+                <a:latin typeface="SFMono-Regular"/>
+              </a:rPr>
+              <a:t>객체로 변환시킨다</a:t>
+            </a:r>
+            <a:r>
+              <a:rPr lang="en-US" altLang="ko-KR" b="1" i="1" dirty="0">
+                <a:effectLst/>
+                <a:highlight>
+                  <a:srgbClr val="FFFF00"/>
+                </a:highlight>
+                <a:latin typeface="SFMono-Regular"/>
+              </a:rPr>
+              <a:t>.</a:t>
+            </a:r>
+            <a:r>
+              <a:rPr lang="ko-KR" altLang="en-US" b="1" i="0" dirty="0">
+                <a:effectLst/>
+                <a:highlight>
+                  <a:srgbClr val="FFFF00"/>
+                </a:highlight>
+                <a:latin typeface="SFMono-Regular"/>
+              </a:rPr>
+              <a:t> </a:t>
+            </a:r>
+            <a:endParaRPr lang="en-US" altLang="ko-KR" b="1" i="0" dirty="0">
+              <a:effectLst/>
+              <a:highlight>
+                <a:srgbClr val="FFFF00"/>
+              </a:highlight>
+              <a:latin typeface="SFMono-Regular"/>
             </a:endParaRPr>
+          </a:p>
+          <a:p>
+            <a:r>
+              <a:rPr lang="en" altLang="ko-Kore-KR" b="1" i="0" dirty="0">
+                <a:effectLst/>
+                <a:latin typeface="SFMono-Regular"/>
+              </a:rPr>
+              <a:t>	return </a:t>
+            </a:r>
+            <a:r>
+              <a:rPr lang="ko-KR" altLang="en-US" b="1" i="0" dirty="0">
+                <a:effectLst/>
+                <a:latin typeface="SFMono-Regular"/>
+              </a:rPr>
+              <a:t> </a:t>
+            </a:r>
+            <a:r>
+              <a:rPr lang="en" altLang="ko-Kore-KR" b="1" i="0" dirty="0" err="1">
+                <a:effectLst/>
+                <a:latin typeface="SFMono-Regular"/>
+              </a:rPr>
+              <a:t>ResponseEntity.ok</a:t>
+            </a:r>
+            <a:r>
+              <a:rPr lang="en" altLang="ko-Kore-KR" b="1" i="0" dirty="0">
+                <a:effectLst/>
+                <a:latin typeface="SFMono-Regular"/>
+              </a:rPr>
+              <a:t>(board); </a:t>
+            </a:r>
+          </a:p>
+          <a:p>
+            <a:r>
+              <a:rPr lang="en" altLang="ko-Kore-KR" b="1" i="0" dirty="0">
+                <a:effectLst/>
+                <a:latin typeface="SFMono-Regular"/>
+              </a:rPr>
+              <a:t>} </a:t>
+            </a:r>
+          </a:p>
+          <a:p>
+            <a:endParaRPr lang="en" altLang="ko-Kore-KR" b="1" i="0" dirty="0">
+              <a:effectLst/>
+              <a:latin typeface="SFMono-Regular"/>
+            </a:endParaRPr>
+          </a:p>
+          <a:p>
+            <a:r>
+              <a:rPr lang="en" altLang="ko-Kore-KR" b="1" i="0" dirty="0">
+                <a:effectLst/>
+                <a:latin typeface="SFMono-Regular"/>
+              </a:rPr>
+              <a:t>@</a:t>
+            </a:r>
+            <a:r>
+              <a:rPr lang="en" altLang="ko-Kore-KR" b="1" i="0" dirty="0" err="1">
+                <a:effectLst/>
+                <a:latin typeface="SFMono-Regular"/>
+              </a:rPr>
+              <a:t>PostMapping</a:t>
+            </a:r>
+            <a:r>
+              <a:rPr lang="en" altLang="ko-Kore-KR" b="1" i="0" dirty="0">
+                <a:effectLst/>
+                <a:latin typeface="SFMono-Regular"/>
+              </a:rPr>
+              <a:t>("/</a:t>
+            </a:r>
+            <a:r>
+              <a:rPr lang="en" altLang="ko-Kore-KR" b="1" i="0" dirty="0" err="1">
+                <a:effectLst/>
+                <a:latin typeface="SFMono-Regular"/>
+              </a:rPr>
+              <a:t>modelAttribute</a:t>
+            </a:r>
+            <a:r>
+              <a:rPr lang="en" altLang="ko-Kore-KR" b="1" i="0" dirty="0">
+                <a:effectLst/>
+                <a:latin typeface="SFMono-Regular"/>
+              </a:rPr>
+              <a:t>")</a:t>
+            </a:r>
+          </a:p>
+          <a:p>
+            <a:r>
+              <a:rPr lang="en" altLang="ko-Kore-KR" b="1" i="0" dirty="0">
+                <a:effectLst/>
+                <a:latin typeface="SFMono-Regular"/>
+              </a:rPr>
+              <a:t> public </a:t>
+            </a:r>
+            <a:r>
+              <a:rPr lang="en" altLang="ko-Kore-KR" b="1" i="0" dirty="0" err="1">
+                <a:effectLst/>
+                <a:latin typeface="SFMono-Regular"/>
+              </a:rPr>
+              <a:t>ResponseEntity</a:t>
+            </a:r>
+            <a:r>
+              <a:rPr lang="en" altLang="ko-Kore-KR" b="1" i="0" dirty="0">
+                <a:effectLst/>
+                <a:latin typeface="SFMono-Regular"/>
+              </a:rPr>
+              <a:t>&lt;Board&gt; </a:t>
+            </a:r>
+            <a:r>
+              <a:rPr lang="en" altLang="ko-Kore-KR" b="1" i="0" dirty="0" err="1">
+                <a:effectLst/>
+                <a:latin typeface="SFMono-Regular"/>
+              </a:rPr>
+              <a:t>modelAttribute</a:t>
+            </a:r>
+            <a:r>
+              <a:rPr lang="en" altLang="ko-Kore-KR" b="1" i="0" dirty="0">
+                <a:solidFill>
+                  <a:srgbClr val="FF0000"/>
+                </a:solidFill>
+                <a:effectLst/>
+                <a:latin typeface="SFMono-Regular"/>
+              </a:rPr>
+              <a:t>(@</a:t>
+            </a:r>
+            <a:r>
+              <a:rPr lang="en" altLang="ko-Kore-KR" b="1" i="0" dirty="0" err="1">
+                <a:solidFill>
+                  <a:srgbClr val="FF0000"/>
+                </a:solidFill>
+                <a:effectLst/>
+                <a:latin typeface="SFMono-Regular"/>
+              </a:rPr>
+              <a:t>ModelAttribute</a:t>
+            </a:r>
+            <a:r>
+              <a:rPr lang="en" altLang="ko-Kore-KR" b="1" i="0" dirty="0">
+                <a:solidFill>
+                  <a:srgbClr val="FF0000"/>
+                </a:solidFill>
+                <a:effectLst/>
+                <a:latin typeface="SFMono-Regular"/>
+              </a:rPr>
+              <a:t> </a:t>
+            </a:r>
+            <a:r>
+              <a:rPr lang="en" altLang="ko-Kore-KR" b="1" i="0" dirty="0">
+                <a:effectLst/>
+                <a:latin typeface="SFMono-Regular"/>
+              </a:rPr>
+              <a:t>Board board) { </a:t>
+            </a:r>
+          </a:p>
+          <a:p>
+            <a:r>
+              <a:rPr lang="en" altLang="ko-Kore-KR" b="1" dirty="0">
+                <a:latin typeface="SFMono-Regular"/>
+              </a:rPr>
+              <a:t>	</a:t>
+            </a:r>
+            <a:r>
+              <a:rPr lang="en" altLang="ko-Kore-KR" b="1" i="1" dirty="0">
+                <a:effectLst/>
+                <a:highlight>
+                  <a:srgbClr val="FFFF00"/>
+                </a:highlight>
+                <a:latin typeface="SFMono-Regular"/>
+              </a:rPr>
+              <a:t>// </a:t>
+            </a:r>
+            <a:r>
+              <a:rPr lang="en" altLang="ko-Kore-KR" b="1" i="1" dirty="0">
+                <a:solidFill>
+                  <a:srgbClr val="FF0000"/>
+                </a:solidFill>
+                <a:effectLst/>
+                <a:highlight>
+                  <a:srgbClr val="FFFF00"/>
+                </a:highlight>
+                <a:latin typeface="SFMono-Regular"/>
+              </a:rPr>
+              <a:t>@</a:t>
+            </a:r>
+            <a:r>
+              <a:rPr lang="en" altLang="ko-Kore-KR" b="1" i="1" dirty="0" err="1">
+                <a:solidFill>
+                  <a:srgbClr val="FF0000"/>
+                </a:solidFill>
+                <a:effectLst/>
+                <a:highlight>
+                  <a:srgbClr val="FFFF00"/>
+                </a:highlight>
+                <a:latin typeface="SFMono-Regular"/>
+              </a:rPr>
+              <a:t>ModelAttribute</a:t>
+            </a:r>
+            <a:r>
+              <a:rPr lang="ko-KR" altLang="en-US" b="1" i="1" dirty="0">
+                <a:effectLst/>
+                <a:highlight>
+                  <a:srgbClr val="FFFF00"/>
+                </a:highlight>
+                <a:latin typeface="SFMono-Regular"/>
+              </a:rPr>
+              <a:t>는 폼</a:t>
+            </a:r>
+            <a:r>
+              <a:rPr lang="en-US" altLang="ko-KR" b="1" i="1" dirty="0">
+                <a:effectLst/>
+                <a:highlight>
+                  <a:srgbClr val="FFFF00"/>
+                </a:highlight>
+                <a:latin typeface="SFMono-Regular"/>
+              </a:rPr>
+              <a:t>(</a:t>
+            </a:r>
+            <a:r>
+              <a:rPr lang="en" altLang="ko-Kore-KR" b="1" i="1" dirty="0">
+                <a:effectLst/>
+                <a:highlight>
+                  <a:srgbClr val="FFFF00"/>
+                </a:highlight>
+                <a:latin typeface="SFMono-Regular"/>
+              </a:rPr>
+              <a:t>form) </a:t>
+            </a:r>
+            <a:r>
+              <a:rPr lang="ko-KR" altLang="en-US" b="1" i="1" dirty="0">
+                <a:effectLst/>
+                <a:highlight>
+                  <a:srgbClr val="FFFF00"/>
+                </a:highlight>
+                <a:latin typeface="SFMono-Regular"/>
+              </a:rPr>
+              <a:t>형태의 </a:t>
+            </a:r>
+            <a:r>
+              <a:rPr lang="en" altLang="ko-Kore-KR" b="1" i="1" dirty="0">
+                <a:effectLst/>
+                <a:highlight>
+                  <a:srgbClr val="FFFF00"/>
+                </a:highlight>
+                <a:latin typeface="SFMono-Regular"/>
+              </a:rPr>
+              <a:t>HTTP Body</a:t>
+            </a:r>
+            <a:r>
+              <a:rPr lang="ko-KR" altLang="en-US" b="1" i="1" dirty="0">
+                <a:effectLst/>
+                <a:highlight>
+                  <a:srgbClr val="FFFF00"/>
+                </a:highlight>
+                <a:latin typeface="SFMono-Regular"/>
+              </a:rPr>
+              <a:t>와 요청 파라미터들을 객체에 </a:t>
+            </a:r>
+            <a:r>
+              <a:rPr lang="ko-KR" altLang="en-US" b="1" i="1" dirty="0" err="1">
+                <a:effectLst/>
+                <a:highlight>
+                  <a:srgbClr val="FFFF00"/>
+                </a:highlight>
+                <a:latin typeface="SFMono-Regular"/>
+              </a:rPr>
+              <a:t>바인딩시킨다</a:t>
+            </a:r>
+            <a:r>
+              <a:rPr lang="en-US" altLang="ko-KR" b="1" i="1" dirty="0">
+                <a:effectLst/>
+                <a:highlight>
+                  <a:srgbClr val="FFFF00"/>
+                </a:highlight>
+                <a:latin typeface="SFMono-Regular"/>
+              </a:rPr>
+              <a:t>.</a:t>
+            </a:r>
+            <a:r>
+              <a:rPr lang="ko-KR" altLang="en-US" b="1" i="0" dirty="0">
+                <a:effectLst/>
+                <a:highlight>
+                  <a:srgbClr val="FFFF00"/>
+                </a:highlight>
+                <a:latin typeface="SFMono-Regular"/>
+              </a:rPr>
+              <a:t> </a:t>
+            </a:r>
+            <a:endParaRPr lang="en-US" altLang="ko-KR" b="1" i="0" dirty="0">
+              <a:effectLst/>
+              <a:highlight>
+                <a:srgbClr val="FFFF00"/>
+              </a:highlight>
+              <a:latin typeface="SFMono-Regular"/>
+            </a:endParaRPr>
+          </a:p>
+          <a:p>
+            <a:r>
+              <a:rPr lang="ko-KR" altLang="en-US" b="1" dirty="0">
+                <a:latin typeface="SFMono-Regular"/>
+              </a:rPr>
+              <a:t>     </a:t>
+            </a:r>
+            <a:r>
+              <a:rPr lang="en-US" altLang="ko-KR" b="1" dirty="0">
+                <a:latin typeface="SFMono-Regular"/>
+              </a:rPr>
+              <a:t>	</a:t>
+            </a:r>
+            <a:r>
+              <a:rPr lang="en" altLang="ko-Kore-KR" b="1" i="0" dirty="0">
+                <a:effectLst/>
+                <a:latin typeface="SFMono-Regular"/>
+              </a:rPr>
+              <a:t>return </a:t>
+            </a:r>
+            <a:r>
+              <a:rPr lang="en" altLang="ko-Kore-KR" b="1" i="0" dirty="0" err="1">
+                <a:effectLst/>
+                <a:latin typeface="SFMono-Regular"/>
+              </a:rPr>
+              <a:t>ResponseEntity.ok</a:t>
+            </a:r>
+            <a:r>
+              <a:rPr lang="en" altLang="ko-Kore-KR" b="1" i="0" dirty="0">
+                <a:effectLst/>
+                <a:latin typeface="SFMono-Regular"/>
+              </a:rPr>
+              <a:t>(board); </a:t>
+            </a:r>
+          </a:p>
+          <a:p>
+            <a:r>
+              <a:rPr lang="en" altLang="ko-Kore-KR" b="1" i="0" dirty="0">
+                <a:effectLst/>
+                <a:latin typeface="SFMono-Regular"/>
+              </a:rPr>
+              <a:t>} </a:t>
+            </a:r>
+          </a:p>
+          <a:p>
+            <a:endParaRPr lang="en" altLang="ko-Kore-KR" b="1" i="0" dirty="0">
+              <a:effectLst/>
+              <a:latin typeface="SFMono-Regular"/>
+            </a:endParaRPr>
+          </a:p>
+          <a:p>
+            <a:r>
+              <a:rPr lang="en" altLang="ko-Kore-KR" b="1" i="0" dirty="0">
+                <a:effectLst/>
+                <a:latin typeface="SFMono-Regular"/>
+              </a:rPr>
+              <a:t>@</a:t>
+            </a:r>
+            <a:r>
+              <a:rPr lang="en" altLang="ko-Kore-KR" b="1" i="0" dirty="0" err="1">
+                <a:effectLst/>
+                <a:latin typeface="SFMono-Regular"/>
+              </a:rPr>
+              <a:t>GetMapping</a:t>
+            </a:r>
+            <a:r>
+              <a:rPr lang="en" altLang="ko-Kore-KR" b="1" i="0" dirty="0">
+                <a:effectLst/>
+                <a:latin typeface="SFMono-Regular"/>
+              </a:rPr>
+              <a:t>("/list")</a:t>
+            </a:r>
+            <a:r>
+              <a:rPr lang="ko-KR" altLang="en-US" b="1" dirty="0">
+                <a:latin typeface="SFMono-Regular"/>
+              </a:rPr>
+              <a:t> </a:t>
+            </a:r>
+            <a:endParaRPr lang="en-US" altLang="ko-KR" b="1" dirty="0">
+              <a:latin typeface="SFMono-Regular"/>
+            </a:endParaRPr>
+          </a:p>
+          <a:p>
+            <a:r>
+              <a:rPr lang="en" altLang="ko-Kore-KR" b="1" i="0" dirty="0">
+                <a:effectLst/>
+                <a:latin typeface="SFMono-Regular"/>
+              </a:rPr>
+              <a:t>public </a:t>
+            </a:r>
+            <a:r>
+              <a:rPr lang="en" altLang="ko-Kore-KR" b="1" i="0" dirty="0" err="1">
+                <a:effectLst/>
+                <a:latin typeface="SFMono-Regular"/>
+              </a:rPr>
+              <a:t>ResponseEntity</a:t>
+            </a:r>
+            <a:r>
+              <a:rPr lang="en" altLang="ko-Kore-KR" b="1" i="0" dirty="0">
+                <a:effectLst/>
+                <a:latin typeface="SFMono-Regular"/>
+              </a:rPr>
+              <a:t>&lt;List&lt;Board&gt;&gt; </a:t>
+            </a:r>
+            <a:r>
+              <a:rPr lang="en" altLang="ko-Kore-KR" b="1" i="0" dirty="0" err="1">
+                <a:effectLst/>
+                <a:latin typeface="SFMono-Regular"/>
+              </a:rPr>
+              <a:t>requestParam</a:t>
+            </a:r>
+            <a:r>
+              <a:rPr lang="en" altLang="ko-Kore-KR" b="1" i="0" dirty="0">
+                <a:effectLst/>
+                <a:latin typeface="SFMono-Regular"/>
+              </a:rPr>
+              <a:t>( </a:t>
+            </a:r>
+            <a:r>
+              <a:rPr lang="en" altLang="ko-Kore-KR" b="1" i="0" dirty="0">
+                <a:solidFill>
+                  <a:srgbClr val="FF0000"/>
+                </a:solidFill>
+                <a:effectLst/>
+                <a:latin typeface="SFMono-Regular"/>
+              </a:rPr>
+              <a:t>@</a:t>
+            </a:r>
+            <a:r>
+              <a:rPr lang="en" altLang="ko-Kore-KR" b="1" i="0" dirty="0" err="1">
+                <a:solidFill>
+                  <a:srgbClr val="FF0000"/>
+                </a:solidFill>
+                <a:effectLst/>
+                <a:latin typeface="SFMono-Regular"/>
+              </a:rPr>
+              <a:t>RequestParam</a:t>
+            </a:r>
+            <a:r>
+              <a:rPr lang="en" altLang="ko-Kore-KR" b="1" i="0" dirty="0">
+                <a:effectLst/>
+                <a:latin typeface="SFMono-Regular"/>
+              </a:rPr>
+              <a:t>(value = "searchKeyWord1", required = false, </a:t>
+            </a:r>
+            <a:r>
+              <a:rPr lang="en" altLang="ko-Kore-KR" b="1" i="0" dirty="0" err="1">
+                <a:effectLst/>
+                <a:latin typeface="SFMono-Regular"/>
+              </a:rPr>
+              <a:t>defaultValue</a:t>
+            </a:r>
+            <a:r>
+              <a:rPr lang="en" altLang="ko-Kore-KR" b="1" i="0" dirty="0">
+                <a:effectLst/>
+                <a:latin typeface="SFMono-Regular"/>
+              </a:rPr>
+              <a:t> = "</a:t>
+            </a:r>
+            <a:r>
+              <a:rPr lang="en" altLang="ko-Kore-KR" b="1" i="0" dirty="0" err="1">
+                <a:effectLst/>
+                <a:latin typeface="SFMono-Regular"/>
+              </a:rPr>
+              <a:t>MangKyu</a:t>
+            </a:r>
+            <a:r>
+              <a:rPr lang="en" altLang="ko-Kore-KR" b="1" i="0" dirty="0">
+                <a:effectLst/>
+                <a:latin typeface="SFMono-Regular"/>
+              </a:rPr>
+              <a:t>") String </a:t>
+            </a:r>
+            <a:r>
+              <a:rPr lang="en" altLang="ko-Kore-KR" b="1" i="0" dirty="0" err="1">
+                <a:effectLst/>
+                <a:latin typeface="SFMono-Regular"/>
+              </a:rPr>
+              <a:t>searchKeyWord</a:t>
+            </a:r>
+            <a:r>
+              <a:rPr lang="en" altLang="ko-Kore-KR" b="1" i="0" dirty="0">
+                <a:effectLst/>
+                <a:latin typeface="SFMono-Regular"/>
+              </a:rPr>
+              <a:t>) { </a:t>
+            </a:r>
+          </a:p>
+          <a:p>
+            <a:r>
+              <a:rPr lang="en" altLang="ko-Kore-KR" b="1" dirty="0">
+                <a:latin typeface="SFMono-Regular"/>
+              </a:rPr>
+              <a:t>	</a:t>
+            </a:r>
+            <a:r>
+              <a:rPr lang="en" altLang="ko-Kore-KR" b="1" i="1" dirty="0">
+                <a:effectLst/>
+                <a:highlight>
+                  <a:srgbClr val="FFFF00"/>
+                </a:highlight>
+                <a:latin typeface="SFMono-Regular"/>
+              </a:rPr>
+              <a:t>// </a:t>
+            </a:r>
+            <a:r>
+              <a:rPr lang="en" altLang="ko-Kore-KR" b="1" i="1" dirty="0" err="1">
+                <a:effectLst/>
+                <a:highlight>
+                  <a:srgbClr val="FFFF00"/>
+                </a:highlight>
+                <a:latin typeface="SFMono-Regular"/>
+              </a:rPr>
+              <a:t>searchKeyWord</a:t>
+            </a:r>
+            <a:r>
+              <a:rPr lang="ko-KR" altLang="en-US" b="1" i="1" dirty="0">
+                <a:effectLst/>
+                <a:highlight>
+                  <a:srgbClr val="FFFF00"/>
+                </a:highlight>
+                <a:latin typeface="SFMono-Regular"/>
+              </a:rPr>
+              <a:t>는 </a:t>
+            </a:r>
+            <a:r>
+              <a:rPr lang="en" altLang="ko-Kore-KR" b="1" i="1" dirty="0">
+                <a:effectLst/>
+                <a:highlight>
+                  <a:srgbClr val="FFFF00"/>
+                </a:highlight>
+                <a:latin typeface="SFMono-Regular"/>
+              </a:rPr>
+              <a:t>required</a:t>
+            </a:r>
+            <a:r>
+              <a:rPr lang="ko-KR" altLang="en-US" b="1" i="1" dirty="0">
+                <a:effectLst/>
+                <a:highlight>
+                  <a:srgbClr val="FFFF00"/>
+                </a:highlight>
+                <a:latin typeface="SFMono-Regular"/>
+              </a:rPr>
+              <a:t>가 </a:t>
+            </a:r>
+            <a:r>
+              <a:rPr lang="en" altLang="ko-Kore-KR" b="1" i="1" dirty="0">
+                <a:effectLst/>
+                <a:highlight>
+                  <a:srgbClr val="FFFF00"/>
+                </a:highlight>
+                <a:latin typeface="SFMono-Regular"/>
+              </a:rPr>
+              <a:t>false</a:t>
+            </a:r>
+            <a:r>
+              <a:rPr lang="ko-KR" altLang="en-US" b="1" i="1" dirty="0">
+                <a:effectLst/>
+                <a:highlight>
+                  <a:srgbClr val="FFFF00"/>
+                </a:highlight>
+                <a:latin typeface="SFMono-Regular"/>
+              </a:rPr>
+              <a:t>이기 때문에 없을 수도 있으므로</a:t>
+            </a:r>
+            <a:r>
+              <a:rPr lang="en-US" altLang="ko-KR" b="1" i="1" dirty="0">
+                <a:effectLst/>
+                <a:highlight>
+                  <a:srgbClr val="FFFF00"/>
+                </a:highlight>
+                <a:latin typeface="SFMono-Regular"/>
+              </a:rPr>
+              <a:t>, </a:t>
+            </a:r>
+            <a:r>
+              <a:rPr lang="ko-KR" altLang="en-US" b="1" i="1" dirty="0">
+                <a:effectLst/>
+                <a:highlight>
+                  <a:srgbClr val="FFFF00"/>
+                </a:highlight>
+                <a:latin typeface="SFMono-Regular"/>
+              </a:rPr>
+              <a:t>없다면 기본값이 할당된다</a:t>
+            </a:r>
+            <a:r>
+              <a:rPr lang="en-US" altLang="ko-KR" b="1" i="1" dirty="0">
+                <a:effectLst/>
+                <a:highlight>
+                  <a:srgbClr val="FFFF00"/>
+                </a:highlight>
+                <a:latin typeface="SFMono-Regular"/>
+              </a:rPr>
+              <a:t>.</a:t>
+            </a:r>
+            <a:r>
+              <a:rPr lang="ko-KR" altLang="en-US" b="1" i="0" dirty="0">
+                <a:effectLst/>
+                <a:highlight>
+                  <a:srgbClr val="FFFF00"/>
+                </a:highlight>
+                <a:latin typeface="SFMono-Regular"/>
+              </a:rPr>
+              <a:t> </a:t>
+            </a:r>
+            <a:endParaRPr lang="en-US" altLang="ko-KR" b="1" i="0" dirty="0">
+              <a:effectLst/>
+              <a:highlight>
+                <a:srgbClr val="FFFF00"/>
+              </a:highlight>
+              <a:latin typeface="SFMono-Regular"/>
+            </a:endParaRPr>
+          </a:p>
+          <a:p>
+            <a:r>
+              <a:rPr lang="en-US" altLang="ko-Kore-KR" b="1" dirty="0">
+                <a:latin typeface="SFMono-Regular"/>
+              </a:rPr>
+              <a:t>	</a:t>
+            </a:r>
+            <a:r>
+              <a:rPr lang="en" altLang="ko-Kore-KR" b="1" i="0" dirty="0">
+                <a:effectLst/>
+                <a:latin typeface="SFMono-Regular"/>
+              </a:rPr>
+              <a:t>return </a:t>
+            </a:r>
+            <a:r>
+              <a:rPr lang="en" altLang="ko-Kore-KR" b="1" i="0" dirty="0" err="1">
+                <a:effectLst/>
+                <a:latin typeface="SFMono-Regular"/>
+              </a:rPr>
+              <a:t>ResponseEntity.ok</a:t>
+            </a:r>
+            <a:r>
+              <a:rPr lang="en" altLang="ko-Kore-KR" b="1" i="0" dirty="0">
+                <a:effectLst/>
+                <a:latin typeface="SFMono-Regular"/>
+              </a:rPr>
+              <a:t>(</a:t>
+            </a:r>
+            <a:r>
+              <a:rPr lang="en" altLang="ko-Kore-KR" b="1" i="0" dirty="0" err="1">
+                <a:effectLst/>
+                <a:latin typeface="SFMono-Regular"/>
+              </a:rPr>
+              <a:t>boardService.getBoardList</a:t>
+            </a:r>
+            <a:r>
+              <a:rPr lang="en" altLang="ko-Kore-KR" b="1" i="0" dirty="0">
+                <a:effectLst/>
+                <a:latin typeface="SFMono-Regular"/>
+              </a:rPr>
+              <a:t>(searchKeyWord1)); } }</a:t>
+            </a:r>
+            <a:endParaRPr lang="ko-Kore-KR" altLang="en-US" b="1" dirty="0"/>
           </a:p>
         </p:txBody>
       </p:sp>
@@ -6963,28 +8307,20 @@
               </a:spcAft>
             </a:pPr>
             <a:r>
-              <a:rPr kumimoji="1" lang="en-US" altLang="en-US" sz="4000" b="1" dirty="0">
-                <a:latin typeface="+mj-ea"/>
-                <a:ea typeface="+mj-ea"/>
-                <a:cs typeface="+mj-cs"/>
-              </a:rPr>
-              <a:t>Spring Security</a:t>
-            </a:r>
-            <a:r>
-              <a:rPr kumimoji="1" lang="ko-KR" altLang="en-US" sz="4000" b="1" dirty="0">
-                <a:latin typeface="+mj-ea"/>
-                <a:ea typeface="+mj-ea"/>
-                <a:cs typeface="+mj-cs"/>
-              </a:rPr>
-              <a:t> 란</a:t>
-            </a:r>
-            <a:r>
               <a:rPr kumimoji="1" lang="en-US" altLang="ko-KR" sz="4000" b="1" dirty="0">
                 <a:latin typeface="+mj-ea"/>
                 <a:ea typeface="+mj-ea"/>
                 <a:cs typeface="+mj-cs"/>
               </a:rPr>
-              <a:t>?</a:t>
+              <a:t>@</a:t>
+            </a:r>
+            <a:r>
+              <a:rPr kumimoji="1" lang="en-US" altLang="ko-KR" sz="4000" b="1" dirty="0" err="1">
+                <a:latin typeface="+mj-ea"/>
+                <a:ea typeface="+mj-ea"/>
+                <a:cs typeface="+mj-cs"/>
+              </a:rPr>
+              <a:t>RequestBody</a:t>
             </a:r>
             <a:endParaRPr kumimoji="1" lang="en-US" altLang="en-US" sz="4000" b="1" dirty="0">
               <a:latin typeface="+mj-ea"/>
@@ -7150,6 +8486,150 @@
     <p:extLst>
       <p:ext uri="{BB962C8B-B14F-4D97-AF65-F5344CB8AC3E}">
         <p14:creationId xmlns:p14="http://schemas.microsoft.com/office/powerpoint/2010/main" val="1486487756"/>
+      </p:ext>
+    </p:extLst>
+  </p:cSld>
+  <p:clrMapOvr>
+    <a:masterClrMapping/>
+  </p:clrMapOvr>
+</p:sld>
+</file>
+
+<file path=ppt/slides/slide9.xml><?xml version="1.0" encoding="utf-8"?>
+<p:sld xmlns:a="http://schemas.openxmlformats.org/drawingml/2006/main" xmlns:r="http://schemas.openxmlformats.org/officeDocument/2006/relationships" xmlns:p="http://schemas.openxmlformats.org/presentationml/2006/main">
+  <p:cSld>
+    <p:spTree>
+      <p:nvGrpSpPr>
+        <p:cNvPr id="1" name=""/>
+        <p:cNvGrpSpPr/>
+        <p:nvPr/>
+      </p:nvGrpSpPr>
+      <p:grpSpPr>
+        <a:xfrm>
+          <a:off x="0" y="0"/>
+          <a:ext cx="0" cy="0"/>
+          <a:chOff x="0" y="0"/>
+          <a:chExt cx="0" cy="0"/>
+        </a:xfrm>
+      </p:grpSpPr>
+      <p:sp>
+        <p:nvSpPr>
+          <p:cNvPr id="3" name="TextBox 2">
+            <a:extLst>
+              <a:ext uri="{FF2B5EF4-FFF2-40B4-BE49-F238E27FC236}">
+                <a16:creationId xmlns:a16="http://schemas.microsoft.com/office/drawing/2014/main" id="{7728754F-E2CC-A974-B8BB-E659813036CC}"/>
+              </a:ext>
+            </a:extLst>
+          </p:cNvPr>
+          <p:cNvSpPr txBox="1"/>
+          <p:nvPr/>
+        </p:nvSpPr>
+        <p:spPr>
+          <a:xfrm>
+            <a:off x="838201" y="2136299"/>
+            <a:ext cx="5981278" cy="3690551"/>
+          </a:xfrm>
+          <a:prstGeom prst="rect">
+            <a:avLst/>
+          </a:prstGeom>
+        </p:spPr>
+        <p:txBody>
+          <a:bodyPr vert="horz" lIns="91440" tIns="45720" rIns="91440" bIns="45720" rtlCol="0">
+            <a:normAutofit/>
+          </a:bodyPr>
+          <a:lstStyle/>
+          <a:p>
+            <a:pPr>
+              <a:lnSpc>
+                <a:spcPct val="90000"/>
+              </a:lnSpc>
+              <a:spcAft>
+                <a:spcPts val="600"/>
+              </a:spcAft>
+            </a:pPr>
+            <a:endParaRPr kumimoji="1" lang="en-US" altLang="ko-KR" sz="2000" dirty="0"/>
+          </a:p>
+          <a:p>
+            <a:pPr marL="342900" indent="-342900">
+              <a:lnSpc>
+                <a:spcPct val="90000"/>
+              </a:lnSpc>
+              <a:spcAft>
+                <a:spcPts val="600"/>
+              </a:spcAft>
+              <a:buFontTx/>
+              <a:buChar char="-"/>
+            </a:pPr>
+            <a:endParaRPr kumimoji="1" lang="en-US" altLang="en-US" sz="2000" dirty="0"/>
+          </a:p>
+        </p:txBody>
+      </p:sp>
+      <p:sp>
+        <p:nvSpPr>
+          <p:cNvPr id="4" name="TextBox 3">
+            <a:extLst>
+              <a:ext uri="{FF2B5EF4-FFF2-40B4-BE49-F238E27FC236}">
+                <a16:creationId xmlns:a16="http://schemas.microsoft.com/office/drawing/2014/main" id="{8351BDA3-5227-F35B-9EEE-5B5238422C01}"/>
+              </a:ext>
+            </a:extLst>
+          </p:cNvPr>
+          <p:cNvSpPr txBox="1"/>
+          <p:nvPr/>
+        </p:nvSpPr>
+        <p:spPr>
+          <a:xfrm>
+            <a:off x="284658" y="0"/>
+            <a:ext cx="5981278" cy="1684638"/>
+          </a:xfrm>
+          <a:prstGeom prst="rect">
+            <a:avLst/>
+          </a:prstGeom>
+        </p:spPr>
+        <p:txBody>
+          <a:bodyPr vert="horz" lIns="91440" tIns="45720" rIns="91440" bIns="45720" rtlCol="0" anchor="ctr">
+            <a:normAutofit/>
+          </a:bodyPr>
+          <a:lstStyle/>
+          <a:p>
+            <a:pPr>
+              <a:lnSpc>
+                <a:spcPct val="90000"/>
+              </a:lnSpc>
+              <a:spcBef>
+                <a:spcPct val="0"/>
+              </a:spcBef>
+              <a:spcAft>
+                <a:spcPts val="600"/>
+              </a:spcAft>
+            </a:pPr>
+            <a:r>
+              <a:rPr kumimoji="1" lang="en-US" altLang="ko-KR" sz="4000" b="1" dirty="0">
+                <a:latin typeface="+mj-ea"/>
+                <a:ea typeface="+mj-ea"/>
+                <a:cs typeface="+mj-cs"/>
+              </a:rPr>
+              <a:t>@</a:t>
+            </a:r>
+            <a:r>
+              <a:rPr kumimoji="1" lang="en-US" altLang="ko-KR" sz="4000" b="1" dirty="0" err="1">
+                <a:latin typeface="+mj-ea"/>
+                <a:ea typeface="+mj-ea"/>
+                <a:cs typeface="+mj-cs"/>
+              </a:rPr>
+              <a:t>ModelAttribute</a:t>
+            </a:r>
+            <a:endParaRPr kumimoji="1" lang="en-US" altLang="en-US" sz="4000" b="1" dirty="0">
+              <a:latin typeface="+mj-ea"/>
+              <a:ea typeface="+mj-ea"/>
+              <a:cs typeface="+mj-cs"/>
+            </a:endParaRPr>
+          </a:p>
+        </p:txBody>
+      </p:sp>
+    </p:spTree>
+    <p:extLst>
+      <p:ext uri="{BB962C8B-B14F-4D97-AF65-F5344CB8AC3E}">
+        <p14:creationId xmlns:p14="http://schemas.microsoft.com/office/powerpoint/2010/main" val="4068014411"/>
       </p:ext>
     </p:extLst>
   </p:cSld>

--- a/복습정리자료/spring 6주차 정리(kyungmin) .pptx
+++ b/복습정리자료/spring 6주차 정리(kyungmin) .pptx
@@ -206,7 +206,7 @@
           <a:p>
             <a:fld id="{17EA57B6-7FF5-204A-979C-A2A968CA92A0}" type="datetimeFigureOut">
               <a:rPr kumimoji="1" lang="ko-Kore-KR" altLang="en-US" smtClean="0"/>
-              <a:t>2023. 10. 26.</a:t>
+              <a:t>2023. 10. 27.</a:t>
             </a:fld>
             <a:endParaRPr kumimoji="1" lang="ko-Kore-KR" altLang="en-US"/>
           </a:p>
@@ -1379,7 +1379,7 @@
           <a:p>
             <a:fld id="{B03F5BC9-40C4-4D45-A3D7-45D8D4CEBC32}" type="datetimeFigureOut">
               <a:rPr kumimoji="1" lang="ko-Kore-KR" altLang="en-US" smtClean="0"/>
-              <a:t>2023. 10. 26.</a:t>
+              <a:t>2023. 10. 27.</a:t>
             </a:fld>
             <a:endParaRPr kumimoji="1" lang="ko-Kore-KR" altLang="en-US"/>
           </a:p>
@@ -1579,7 +1579,7 @@
           <a:p>
             <a:fld id="{B03F5BC9-40C4-4D45-A3D7-45D8D4CEBC32}" type="datetimeFigureOut">
               <a:rPr kumimoji="1" lang="ko-Kore-KR" altLang="en-US" smtClean="0"/>
-              <a:t>2023. 10. 26.</a:t>
+              <a:t>2023. 10. 27.</a:t>
             </a:fld>
             <a:endParaRPr kumimoji="1" lang="ko-Kore-KR" altLang="en-US"/>
           </a:p>
@@ -1789,7 +1789,7 @@
           <a:p>
             <a:fld id="{B03F5BC9-40C4-4D45-A3D7-45D8D4CEBC32}" type="datetimeFigureOut">
               <a:rPr kumimoji="1" lang="ko-Kore-KR" altLang="en-US" smtClean="0"/>
-              <a:t>2023. 10. 26.</a:t>
+              <a:t>2023. 10. 27.</a:t>
             </a:fld>
             <a:endParaRPr kumimoji="1" lang="ko-Kore-KR" altLang="en-US"/>
           </a:p>
@@ -1989,7 +1989,7 @@
           <a:p>
             <a:fld id="{B03F5BC9-40C4-4D45-A3D7-45D8D4CEBC32}" type="datetimeFigureOut">
               <a:rPr kumimoji="1" lang="ko-Kore-KR" altLang="en-US" smtClean="0"/>
-              <a:t>2023. 10. 26.</a:t>
+              <a:t>2023. 10. 27.</a:t>
             </a:fld>
             <a:endParaRPr kumimoji="1" lang="ko-Kore-KR" altLang="en-US"/>
           </a:p>
@@ -2265,7 +2265,7 @@
           <a:p>
             <a:fld id="{B03F5BC9-40C4-4D45-A3D7-45D8D4CEBC32}" type="datetimeFigureOut">
               <a:rPr kumimoji="1" lang="ko-Kore-KR" altLang="en-US" smtClean="0"/>
-              <a:t>2023. 10. 26.</a:t>
+              <a:t>2023. 10. 27.</a:t>
             </a:fld>
             <a:endParaRPr kumimoji="1" lang="ko-Kore-KR" altLang="en-US"/>
           </a:p>
@@ -2533,7 +2533,7 @@
           <a:p>
             <a:fld id="{B03F5BC9-40C4-4D45-A3D7-45D8D4CEBC32}" type="datetimeFigureOut">
               <a:rPr kumimoji="1" lang="ko-Kore-KR" altLang="en-US" smtClean="0"/>
-              <a:t>2023. 10. 26.</a:t>
+              <a:t>2023. 10. 27.</a:t>
             </a:fld>
             <a:endParaRPr kumimoji="1" lang="ko-Kore-KR" altLang="en-US"/>
           </a:p>
@@ -2948,7 +2948,7 @@
           <a:p>
             <a:fld id="{B03F5BC9-40C4-4D45-A3D7-45D8D4CEBC32}" type="datetimeFigureOut">
               <a:rPr kumimoji="1" lang="ko-Kore-KR" altLang="en-US" smtClean="0"/>
-              <a:t>2023. 10. 26.</a:t>
+              <a:t>2023. 10. 27.</a:t>
             </a:fld>
             <a:endParaRPr kumimoji="1" lang="ko-Kore-KR" altLang="en-US"/>
           </a:p>
@@ -3090,7 +3090,7 @@
           <a:p>
             <a:fld id="{B03F5BC9-40C4-4D45-A3D7-45D8D4CEBC32}" type="datetimeFigureOut">
               <a:rPr kumimoji="1" lang="ko-Kore-KR" altLang="en-US" smtClean="0"/>
-              <a:t>2023. 10. 26.</a:t>
+              <a:t>2023. 10. 27.</a:t>
             </a:fld>
             <a:endParaRPr kumimoji="1" lang="ko-Kore-KR" altLang="en-US"/>
           </a:p>
@@ -3203,7 +3203,7 @@
           <a:p>
             <a:fld id="{B03F5BC9-40C4-4D45-A3D7-45D8D4CEBC32}" type="datetimeFigureOut">
               <a:rPr kumimoji="1" lang="ko-Kore-KR" altLang="en-US" smtClean="0"/>
-              <a:t>2023. 10. 26.</a:t>
+              <a:t>2023. 10. 27.</a:t>
             </a:fld>
             <a:endParaRPr kumimoji="1" lang="ko-Kore-KR" altLang="en-US"/>
           </a:p>
@@ -3516,7 +3516,7 @@
           <a:p>
             <a:fld id="{B03F5BC9-40C4-4D45-A3D7-45D8D4CEBC32}" type="datetimeFigureOut">
               <a:rPr kumimoji="1" lang="ko-Kore-KR" altLang="en-US" smtClean="0"/>
-              <a:t>2023. 10. 26.</a:t>
+              <a:t>2023. 10. 27.</a:t>
             </a:fld>
             <a:endParaRPr kumimoji="1" lang="ko-Kore-KR" altLang="en-US"/>
           </a:p>
@@ -3805,7 +3805,7 @@
           <a:p>
             <a:fld id="{B03F5BC9-40C4-4D45-A3D7-45D8D4CEBC32}" type="datetimeFigureOut">
               <a:rPr kumimoji="1" lang="ko-Kore-KR" altLang="en-US" smtClean="0"/>
-              <a:t>2023. 10. 26.</a:t>
+              <a:t>2023. 10. 27.</a:t>
             </a:fld>
             <a:endParaRPr kumimoji="1" lang="ko-Kore-KR" altLang="en-US"/>
           </a:p>
@@ -4048,7 +4048,7 @@
           <a:p>
             <a:fld id="{B03F5BC9-40C4-4D45-A3D7-45D8D4CEBC32}" type="datetimeFigureOut">
               <a:rPr kumimoji="1" lang="ko-Kore-KR" altLang="en-US" smtClean="0"/>
-              <a:t>2023. 10. 26.</a:t>
+              <a:t>2023. 10. 27.</a:t>
             </a:fld>
             <a:endParaRPr kumimoji="1" lang="ko-Kore-KR" altLang="en-US"/>
           </a:p>
@@ -4690,7 +4690,7 @@
         </p:nvSpPr>
         <p:spPr>
           <a:xfrm>
-            <a:off x="284658" y="0"/>
+            <a:off x="284658" y="-168166"/>
             <a:ext cx="5981278" cy="1684638"/>
           </a:xfrm>
           <a:prstGeom prst="rect">
@@ -4715,28 +4715,20 @@
               </a:spcAft>
             </a:pPr>
             <a:r>
-              <a:rPr kumimoji="1" lang="en-US" altLang="en-US" sz="4000" b="1" dirty="0">
-                <a:latin typeface="+mj-ea"/>
-                <a:ea typeface="+mj-ea"/>
-                <a:cs typeface="+mj-cs"/>
-              </a:rPr>
-              <a:t>Spring Security</a:t>
-            </a:r>
-            <a:r>
-              <a:rPr kumimoji="1" lang="ko-KR" altLang="en-US" sz="4000" b="1" dirty="0">
-                <a:latin typeface="+mj-ea"/>
-                <a:ea typeface="+mj-ea"/>
-                <a:cs typeface="+mj-cs"/>
-              </a:rPr>
-              <a:t> 란</a:t>
-            </a:r>
-            <a:r>
               <a:rPr kumimoji="1" lang="en-US" altLang="ko-KR" sz="4000" b="1" dirty="0">
                 <a:latin typeface="+mj-ea"/>
                 <a:ea typeface="+mj-ea"/>
                 <a:cs typeface="+mj-cs"/>
               </a:rPr>
-              <a:t>?</a:t>
+              <a:t>@</a:t>
+            </a:r>
+            <a:r>
+              <a:rPr kumimoji="1" lang="en-US" altLang="ko-KR" sz="4000" b="1" dirty="0" err="1">
+                <a:latin typeface="+mj-ea"/>
+                <a:ea typeface="+mj-ea"/>
+                <a:cs typeface="+mj-cs"/>
+              </a:rPr>
+              <a:t>ModelAttribute</a:t>
             </a:r>
             <a:endParaRPr kumimoji="1" lang="en-US" altLang="en-US" sz="4000" b="1" dirty="0">
               <a:latin typeface="+mj-ea"/>
@@ -4898,10 +4890,6 @@
             <a:r>
               <a:rPr kumimoji="1" lang="en-US" altLang="en-US" sz="2000" b="1" dirty="0"/>
               <a:t> </a:t>
-            </a:r>
-            <a:r>
-              <a:rPr kumimoji="1" lang="ko-KR" altLang="en-US" sz="2000" b="1" dirty="0"/>
-              <a:t>의 차이</a:t>
             </a:r>
             <a:endParaRPr kumimoji="1" lang="en-US" altLang="en-US" sz="2000" dirty="0"/>
           </a:p>
@@ -6996,8 +6984,8 @@
         </p:nvSpPr>
         <p:spPr>
           <a:xfrm>
-            <a:off x="413137" y="485016"/>
-            <a:ext cx="11968050" cy="5632311"/>
+            <a:off x="301161" y="98983"/>
+            <a:ext cx="11968050" cy="461665"/>
           </a:xfrm>
           <a:prstGeom prst="rect">
             <a:avLst/>
@@ -7011,1026 +6999,978 @@
           <a:lstStyle/>
           <a:p>
             <a:r>
-              <a:rPr lang="en" altLang="ko-Kore-KR" b="1" i="0" dirty="0">
-                <a:effectLst/>
-                <a:latin typeface="SFMono-Regular"/>
-              </a:rPr>
+              <a:rPr lang="en-US" altLang="ko-Kore-KR" sz="2400" b="1" dirty="0"/>
               <a:t>@</a:t>
             </a:r>
             <a:r>
-              <a:rPr lang="en" altLang="ko-Kore-KR" b="1" i="0" dirty="0" err="1">
-                <a:effectLst/>
-                <a:latin typeface="SFMono-Regular"/>
-              </a:rPr>
-              <a:t>RestController</a:t>
-            </a:r>
-            <a:r>
-              <a:rPr lang="en" altLang="ko-Kore-KR" b="1" i="0" dirty="0">
-                <a:effectLst/>
-                <a:latin typeface="SFMono-Regular"/>
+              <a:rPr lang="en-US" altLang="ko-Kore-KR" sz="2400" b="1" dirty="0" err="1"/>
+              <a:t>RequestParam</a:t>
+            </a:r>
+            <a:r>
+              <a:rPr lang="ko-KR" altLang="en-US" sz="2400" b="1" dirty="0"/>
+              <a:t> 의 속성</a:t>
+            </a:r>
+            <a:endParaRPr lang="ko-Kore-KR" altLang="en-US" sz="2400" b="1" dirty="0"/>
+          </a:p>
+        </p:txBody>
+      </p:sp>
+      <p:sp>
+        <p:nvSpPr>
+          <p:cNvPr id="2" name="TextBox 1">
+            <a:extLst>
+              <a:ext uri="{FF2B5EF4-FFF2-40B4-BE49-F238E27FC236}">
+                <a16:creationId xmlns:a16="http://schemas.microsoft.com/office/drawing/2014/main" id="{9D169A24-2D0C-21E9-B055-9DED1F8749C1}"/>
+              </a:ext>
+            </a:extLst>
+          </p:cNvPr>
+          <p:cNvSpPr txBox="1"/>
+          <p:nvPr/>
+        </p:nvSpPr>
+        <p:spPr>
+          <a:xfrm>
+            <a:off x="301161" y="770008"/>
+            <a:ext cx="11256580" cy="4247317"/>
+          </a:xfrm>
+          <a:prstGeom prst="rect">
+            <a:avLst/>
+          </a:prstGeom>
+          <a:noFill/>
+        </p:spPr>
+        <p:txBody>
+          <a:bodyPr wrap="square" rtlCol="0">
+            <a:spAutoFit/>
+          </a:bodyPr>
+          <a:lstStyle/>
+          <a:p>
+            <a:r>
+              <a:rPr kumimoji="1" lang="en-US" altLang="ko-Kore-KR" sz="1500" dirty="0">
+                <a:solidFill>
+                  <a:srgbClr val="FF0000"/>
+                </a:solidFill>
+              </a:rPr>
+              <a:t>name</a:t>
+            </a:r>
+            <a:r>
+              <a:rPr kumimoji="1" lang="en-US" altLang="ko-Kore-KR" sz="1500" dirty="0"/>
+              <a:t> – </a:t>
+            </a:r>
+            <a:r>
+              <a:rPr kumimoji="1" lang="ko-KR" altLang="en-US" sz="1500" dirty="0"/>
+              <a:t>파라미터의 이름을 지정하는 것으로 다른 속성이 없을 경우 </a:t>
+            </a:r>
+            <a:r>
+              <a:rPr kumimoji="1" lang="en-US" altLang="ko-KR" sz="1500" dirty="0"/>
+              <a:t>”name = “</a:t>
+            </a:r>
+            <a:r>
+              <a:rPr kumimoji="1" lang="ko-KR" altLang="en-US" sz="1500" dirty="0"/>
+              <a:t> 은 생략이 가능하다</a:t>
+            </a:r>
+            <a:r>
+              <a:rPr kumimoji="1" lang="en-US" altLang="ko-KR" sz="1500" dirty="0"/>
+              <a:t>.</a:t>
+            </a:r>
+          </a:p>
+          <a:p>
+            <a:endParaRPr kumimoji="1" lang="en-US" altLang="ko-KR" sz="1500" dirty="0"/>
+          </a:p>
+          <a:p>
+            <a:r>
+              <a:rPr lang="en" altLang="ko-Kore-KR" sz="1500" b="1" i="0" dirty="0">
+                <a:solidFill>
+                  <a:srgbClr val="BBB529"/>
+                </a:solidFill>
+                <a:effectLst/>
+                <a:latin typeface="Courier New" panose="02070309020205020404" pitchFamily="49" charset="0"/>
+              </a:rPr>
+              <a:t>@</a:t>
+            </a:r>
+            <a:r>
+              <a:rPr lang="en" altLang="ko-Kore-KR" sz="1500" b="1" i="0" dirty="0" err="1">
+                <a:solidFill>
+                  <a:srgbClr val="BBB529"/>
+                </a:solidFill>
+                <a:effectLst/>
+                <a:latin typeface="Courier New" panose="02070309020205020404" pitchFamily="49" charset="0"/>
+              </a:rPr>
+              <a:t>RequestParam</a:t>
+            </a:r>
+            <a:r>
+              <a:rPr lang="en" altLang="ko-Kore-KR" sz="1500" b="1" i="0" dirty="0">
+                <a:solidFill>
+                  <a:srgbClr val="BBB529"/>
+                </a:solidFill>
+                <a:effectLst/>
+                <a:latin typeface="Courier New" panose="02070309020205020404" pitchFamily="49" charset="0"/>
+              </a:rPr>
+              <a:t>(name = “username”)</a:t>
+            </a:r>
+            <a:r>
+              <a:rPr lang="en" altLang="ko-Kore-KR" sz="1500" b="1" i="0" dirty="0">
+                <a:solidFill>
+                  <a:srgbClr val="A9B7C6"/>
+                </a:solidFill>
+                <a:effectLst/>
+                <a:latin typeface="Courier New" panose="02070309020205020404" pitchFamily="49" charset="0"/>
               </a:rPr>
               <a:t> </a:t>
             </a:r>
           </a:p>
           <a:p>
             <a:r>
-              <a:rPr lang="en" altLang="ko-Kore-KR" b="1" i="0" dirty="0">
-                <a:effectLst/>
-                <a:latin typeface="SFMono-Regular"/>
+              <a:rPr lang="en" altLang="ko-Kore-KR" sz="1500" b="1" i="0" dirty="0">
+                <a:solidFill>
+                  <a:srgbClr val="BBB529"/>
+                </a:solidFill>
+                <a:effectLst/>
+                <a:latin typeface="Courier New" panose="02070309020205020404" pitchFamily="49" charset="0"/>
               </a:rPr>
               <a:t>@</a:t>
             </a:r>
             <a:r>
-              <a:rPr lang="en" altLang="ko-Kore-KR" b="1" i="0" dirty="0" err="1">
-                <a:effectLst/>
-                <a:latin typeface="SFMono-Regular"/>
+              <a:rPr lang="en" altLang="ko-Kore-KR" sz="1500" b="1" i="0" dirty="0" err="1">
+                <a:solidFill>
+                  <a:srgbClr val="BBB529"/>
+                </a:solidFill>
+                <a:effectLst/>
+                <a:latin typeface="Courier New" panose="02070309020205020404" pitchFamily="49" charset="0"/>
+              </a:rPr>
+              <a:t>RequestParam</a:t>
+            </a:r>
+            <a:r>
+              <a:rPr lang="en" altLang="ko-Kore-KR" sz="1500" b="1" i="0" dirty="0">
+                <a:solidFill>
+                  <a:srgbClr val="BBB529"/>
+                </a:solidFill>
+                <a:effectLst/>
+                <a:latin typeface="Courier New" panose="02070309020205020404" pitchFamily="49" charset="0"/>
+              </a:rPr>
+              <a:t>(“age”)</a:t>
+            </a:r>
+            <a:r>
+              <a:rPr kumimoji="1" lang="ko-KR" altLang="en-US" sz="1500" b="1" dirty="0"/>
+              <a:t> </a:t>
+            </a:r>
+            <a:r>
+              <a:rPr kumimoji="1" lang="en-US" altLang="ko-Kore-KR" sz="1500" b="1" dirty="0"/>
+              <a:t> </a:t>
+            </a:r>
+          </a:p>
+          <a:p>
+            <a:endParaRPr kumimoji="1" lang="en-US" altLang="ko-Kore-KR" sz="1500" dirty="0"/>
+          </a:p>
+          <a:p>
+            <a:r>
+              <a:rPr kumimoji="1" lang="en-US" altLang="ko-Kore-KR" sz="1500" dirty="0">
+                <a:solidFill>
+                  <a:srgbClr val="FF0000"/>
+                </a:solidFill>
+              </a:rPr>
+              <a:t>required</a:t>
+            </a:r>
+            <a:r>
+              <a:rPr kumimoji="1" lang="en-US" altLang="ko-Kore-KR" sz="1500" dirty="0"/>
+              <a:t> – </a:t>
+            </a:r>
+            <a:r>
+              <a:rPr kumimoji="1" lang="ko-KR" altLang="en-US" sz="1500" dirty="0"/>
+              <a:t>파라미터의 필수 여부를 결정</a:t>
+            </a:r>
+            <a:r>
+              <a:rPr kumimoji="1" lang="en-US" altLang="ko-KR" sz="1500" dirty="0"/>
+              <a:t>.</a:t>
+            </a:r>
+            <a:r>
+              <a:rPr kumimoji="1" lang="ko-KR" altLang="en-US" sz="1500" dirty="0"/>
+              <a:t> 기본값으로 필수</a:t>
+            </a:r>
+            <a:r>
+              <a:rPr kumimoji="1" lang="en-US" altLang="ko-KR" sz="1500" dirty="0"/>
+              <a:t>(true)</a:t>
+            </a:r>
+            <a:r>
+              <a:rPr kumimoji="1" lang="ko-KR" altLang="en-US" sz="1500" dirty="0"/>
+              <a:t>이다</a:t>
+            </a:r>
+            <a:r>
+              <a:rPr kumimoji="1" lang="en-US" altLang="ko-KR" sz="1500" dirty="0"/>
+              <a:t>.</a:t>
+            </a:r>
+            <a:r>
+              <a:rPr kumimoji="1" lang="ko-KR" altLang="en-US" sz="1500" dirty="0"/>
+              <a:t> </a:t>
+            </a:r>
+            <a:endParaRPr kumimoji="1" lang="en-US" altLang="ko-KR" sz="1500" dirty="0"/>
+          </a:p>
+          <a:p>
+            <a:r>
+              <a:rPr kumimoji="1" lang="en-US" altLang="ko-Kore-KR" sz="1500" dirty="0"/>
+              <a:t>Required</a:t>
+            </a:r>
+            <a:r>
+              <a:rPr kumimoji="1" lang="ko-KR" altLang="en-US" sz="1500" dirty="0"/>
+              <a:t>가 </a:t>
+            </a:r>
+            <a:r>
+              <a:rPr kumimoji="1" lang="en-US" altLang="ko-KR" sz="1500" dirty="0"/>
+              <a:t>true</a:t>
+            </a:r>
+            <a:r>
+              <a:rPr kumimoji="1" lang="ko-KR" altLang="en-US" sz="1500" dirty="0"/>
+              <a:t>일 때 해당 파라미터가 없으면 </a:t>
+            </a:r>
+            <a:r>
+              <a:rPr kumimoji="1" lang="en-US" altLang="ko-KR" sz="1500" dirty="0"/>
+              <a:t>HTTP</a:t>
+            </a:r>
+            <a:r>
+              <a:rPr kumimoji="1" lang="ko-KR" altLang="en-US" sz="1500" dirty="0"/>
+              <a:t> 상태코드 </a:t>
+            </a:r>
+            <a:r>
+              <a:rPr kumimoji="1" lang="en-US" altLang="ko-KR" sz="1500" dirty="0"/>
+              <a:t>400</a:t>
+            </a:r>
+            <a:r>
+              <a:rPr kumimoji="1" lang="ko-KR" altLang="en-US" sz="1500" dirty="0"/>
+              <a:t>을 반환하며 </a:t>
+            </a:r>
+            <a:r>
+              <a:rPr kumimoji="1" lang="en-US" altLang="ko-KR" sz="1500" dirty="0"/>
+              <a:t>false</a:t>
+            </a:r>
+            <a:r>
+              <a:rPr kumimoji="1" lang="ko-KR" altLang="en-US" sz="1500" dirty="0"/>
+              <a:t>인 경우 해당 파라미터가 없어도 예외가 발생하지 않는다</a:t>
+            </a:r>
+            <a:r>
+              <a:rPr kumimoji="1" lang="en-US" altLang="ko-KR" sz="1500" dirty="0"/>
+              <a:t>.</a:t>
+            </a:r>
+            <a:r>
+              <a:rPr kumimoji="1" lang="ko-KR" altLang="en-US" sz="1500" dirty="0"/>
+              <a:t> </a:t>
+            </a:r>
+            <a:endParaRPr kumimoji="1" lang="en-US" altLang="ko-KR" sz="1500" dirty="0"/>
+          </a:p>
+          <a:p>
+            <a:r>
+              <a:rPr lang="en" altLang="ko-Kore-KR" sz="1500" b="1" dirty="0">
+                <a:solidFill>
+                  <a:srgbClr val="BBB529"/>
+                </a:solidFill>
+                <a:effectLst/>
+              </a:rPr>
+              <a:t>@</a:t>
+            </a:r>
+            <a:r>
+              <a:rPr lang="en" altLang="ko-Kore-KR" sz="1500" b="1" dirty="0" err="1">
+                <a:solidFill>
+                  <a:srgbClr val="BBB529"/>
+                </a:solidFill>
+                <a:effectLst/>
+              </a:rPr>
+              <a:t>RequestParam</a:t>
+            </a:r>
+            <a:r>
+              <a:rPr lang="en" altLang="ko-Kore-KR" sz="1500" b="1" dirty="0">
+                <a:solidFill>
+                  <a:srgbClr val="BBB529"/>
+                </a:solidFill>
+                <a:effectLst/>
+              </a:rPr>
+              <a:t>(name = “username”, required = true)</a:t>
+            </a:r>
+            <a:r>
+              <a:rPr lang="en" altLang="ko-Kore-KR" sz="1500" b="1" dirty="0"/>
+              <a:t> </a:t>
+            </a:r>
+          </a:p>
+          <a:p>
+            <a:r>
+              <a:rPr lang="en" altLang="ko-Kore-KR" sz="1500" b="1" dirty="0">
+                <a:solidFill>
+                  <a:srgbClr val="BBB529"/>
+                </a:solidFill>
+                <a:effectLst/>
+              </a:rPr>
+              <a:t>@</a:t>
+            </a:r>
+            <a:r>
+              <a:rPr lang="en" altLang="ko-Kore-KR" sz="1500" b="1" dirty="0" err="1">
+                <a:solidFill>
+                  <a:srgbClr val="BBB529"/>
+                </a:solidFill>
+                <a:effectLst/>
+              </a:rPr>
+              <a:t>RequestParam</a:t>
+            </a:r>
+            <a:r>
+              <a:rPr lang="en" altLang="ko-Kore-KR" sz="1500" b="1" dirty="0">
+                <a:solidFill>
+                  <a:srgbClr val="BBB529"/>
+                </a:solidFill>
+                <a:effectLst/>
+              </a:rPr>
+              <a:t>(name = “username”, required = false)</a:t>
+            </a:r>
+          </a:p>
+          <a:p>
+            <a:endParaRPr lang="en" altLang="ko-Kore-KR" sz="1500" b="1" dirty="0">
+              <a:solidFill>
+                <a:srgbClr val="BBB529"/>
+              </a:solidFill>
+            </a:endParaRPr>
+          </a:p>
+          <a:p>
+            <a:r>
+              <a:rPr lang="en" altLang="ko-Kore-KR" sz="1500" b="1" dirty="0">
+                <a:solidFill>
+                  <a:srgbClr val="BBB529"/>
+                </a:solidFill>
+                <a:effectLst/>
+              </a:rPr>
+              <a:t>@</a:t>
+            </a:r>
+            <a:r>
+              <a:rPr lang="en" altLang="ko-Kore-KR" sz="1500" b="1" dirty="0" err="1">
+                <a:solidFill>
+                  <a:srgbClr val="BBB529"/>
+                </a:solidFill>
+                <a:effectLst/>
+              </a:rPr>
+              <a:t>ResponseBody</a:t>
+            </a:r>
+            <a:r>
+              <a:rPr lang="en" altLang="ko-Kore-KR" sz="1500" b="1" dirty="0"/>
+              <a:t> </a:t>
+            </a:r>
+          </a:p>
+          <a:p>
+            <a:r>
+              <a:rPr lang="en" altLang="ko-Kore-KR" sz="1500" b="1" dirty="0">
+                <a:solidFill>
+                  <a:srgbClr val="BBB529"/>
+                </a:solidFill>
+                <a:effectLst/>
+              </a:rPr>
+              <a:t>@</a:t>
+            </a:r>
+            <a:r>
+              <a:rPr lang="en" altLang="ko-Kore-KR" sz="1500" b="1" dirty="0" err="1">
+                <a:solidFill>
+                  <a:srgbClr val="BBB529"/>
+                </a:solidFill>
+                <a:effectLst/>
               </a:rPr>
               <a:t>RequestMapping</a:t>
             </a:r>
             <a:r>
-              <a:rPr lang="en" altLang="ko-Kore-KR" b="1" i="0" dirty="0">
-                <a:effectLst/>
-                <a:latin typeface="SFMono-Regular"/>
-              </a:rPr>
-              <a:t>("/board")</a:t>
-            </a:r>
-          </a:p>
-          <a:p>
-            <a:r>
-              <a:rPr lang="en" altLang="ko-Kore-KR" b="1" i="0" dirty="0">
-                <a:effectLst/>
-                <a:latin typeface="SFMono-Regular"/>
-              </a:rPr>
-              <a:t> public class </a:t>
-            </a:r>
-            <a:r>
-              <a:rPr lang="en" altLang="ko-Kore-KR" b="1" i="0" dirty="0" err="1">
-                <a:effectLst/>
-                <a:latin typeface="SFMono-Regular"/>
-              </a:rPr>
-              <a:t>BoardController</a:t>
-            </a:r>
-            <a:r>
-              <a:rPr lang="en" altLang="ko-Kore-KR" b="1" i="0" dirty="0">
-                <a:effectLst/>
-                <a:latin typeface="SFMono-Regular"/>
-              </a:rPr>
+              <a:rPr lang="en" altLang="ko-Kore-KR" sz="1500" b="1" dirty="0">
+                <a:solidFill>
+                  <a:srgbClr val="BBB529"/>
+                </a:solidFill>
+                <a:effectLst/>
+              </a:rPr>
+              <a:t>("/request-param-required")</a:t>
+            </a:r>
+          </a:p>
+          <a:p>
+            <a:r>
+              <a:rPr lang="en" altLang="ko-Kore-KR" sz="1500" b="1" dirty="0"/>
+              <a:t> </a:t>
+            </a:r>
+            <a:r>
+              <a:rPr lang="en" altLang="ko-Kore-KR" sz="1500" b="1" dirty="0">
+                <a:solidFill>
+                  <a:srgbClr val="CC7832"/>
+                </a:solidFill>
+                <a:effectLst/>
+              </a:rPr>
+              <a:t>public</a:t>
+            </a:r>
+            <a:r>
+              <a:rPr lang="en" altLang="ko-Kore-KR" sz="1500" b="1" dirty="0"/>
+              <a:t> String </a:t>
+            </a:r>
+            <a:r>
+              <a:rPr lang="en" altLang="ko-Kore-KR" sz="1500" b="1" dirty="0" err="1">
+                <a:solidFill>
+                  <a:srgbClr val="FFC66D"/>
+                </a:solidFill>
+                <a:effectLst/>
+              </a:rPr>
+              <a:t>requestParamRequired</a:t>
+            </a:r>
+            <a:r>
+              <a:rPr lang="en" altLang="ko-Kore-KR" sz="1500" b="1" dirty="0">
+                <a:effectLst/>
+              </a:rPr>
+              <a:t>(</a:t>
+            </a:r>
+            <a:r>
+              <a:rPr lang="en" altLang="ko-Kore-KR" sz="1500" b="1" dirty="0">
+                <a:solidFill>
+                  <a:srgbClr val="BBB529"/>
+                </a:solidFill>
+                <a:effectLst/>
+              </a:rPr>
+              <a:t>@</a:t>
+            </a:r>
+            <a:r>
+              <a:rPr lang="en" altLang="ko-Kore-KR" sz="1500" b="1" dirty="0" err="1">
+                <a:solidFill>
+                  <a:srgbClr val="BBB529"/>
+                </a:solidFill>
+                <a:effectLst/>
+              </a:rPr>
+              <a:t>RequestParam</a:t>
+            </a:r>
+            <a:r>
+              <a:rPr lang="en" altLang="ko-Kore-KR" sz="1500" b="1" dirty="0">
+                <a:solidFill>
+                  <a:srgbClr val="BBB529"/>
+                </a:solidFill>
+                <a:effectLst/>
+              </a:rPr>
+              <a:t>(required = true)</a:t>
+            </a:r>
+            <a:r>
+              <a:rPr lang="en" altLang="ko-Kore-KR" sz="1500" b="1" dirty="0">
+                <a:effectLst/>
+              </a:rPr>
+              <a:t> String username, </a:t>
+            </a:r>
+          </a:p>
+          <a:p>
+            <a:r>
+              <a:rPr lang="en" altLang="ko-Kore-KR" sz="1500" b="1" dirty="0">
+                <a:solidFill>
+                  <a:srgbClr val="BBB529"/>
+                </a:solidFill>
+                <a:effectLst/>
+              </a:rPr>
+              <a:t>@</a:t>
+            </a:r>
+            <a:r>
+              <a:rPr lang="en" altLang="ko-Kore-KR" sz="1500" b="1" dirty="0" err="1">
+                <a:solidFill>
+                  <a:srgbClr val="BBB529"/>
+                </a:solidFill>
+                <a:effectLst/>
+              </a:rPr>
+              <a:t>RequestParam</a:t>
+            </a:r>
+            <a:r>
+              <a:rPr lang="en" altLang="ko-Kore-KR" sz="1500" b="1" dirty="0">
+                <a:solidFill>
+                  <a:srgbClr val="BBB529"/>
+                </a:solidFill>
+                <a:effectLst/>
+              </a:rPr>
+              <a:t>(required = false)</a:t>
+            </a:r>
+            <a:r>
+              <a:rPr lang="en" altLang="ko-Kore-KR" sz="1500" b="1" dirty="0">
+                <a:effectLst/>
+              </a:rPr>
+              <a:t> </a:t>
+            </a:r>
+            <a:r>
+              <a:rPr lang="en" altLang="ko-Kore-KR" sz="1500" b="1" dirty="0">
+                <a:solidFill>
+                  <a:srgbClr val="FFC66D"/>
+                </a:solidFill>
+                <a:effectLst/>
+              </a:rPr>
+              <a:t>int</a:t>
+            </a:r>
+            <a:r>
+              <a:rPr lang="en" altLang="ko-Kore-KR" sz="1500" b="1" dirty="0">
+                <a:effectLst/>
+              </a:rPr>
+              <a:t> age)</a:t>
+            </a:r>
+            <a:r>
+              <a:rPr lang="en" altLang="ko-Kore-KR" sz="1500" b="1" dirty="0"/>
               <a:t> { </a:t>
             </a:r>
           </a:p>
           <a:p>
             <a:r>
-              <a:rPr lang="en" altLang="ko-Kore-KR" b="1" dirty="0">
-                <a:latin typeface="SFMono-Regular"/>
-              </a:rPr>
+              <a:rPr lang="en" altLang="ko-Kore-KR" sz="1500" b="1" dirty="0"/>
               <a:t>	</a:t>
             </a:r>
             <a:r>
-              <a:rPr lang="en" altLang="ko-Kore-KR" b="1" i="0" dirty="0">
-                <a:effectLst/>
-                <a:latin typeface="SFMono-Regular"/>
-              </a:rPr>
-              <a:t>@</a:t>
-            </a:r>
-            <a:r>
-              <a:rPr lang="en" altLang="ko-Kore-KR" b="1" i="0" dirty="0" err="1">
-                <a:effectLst/>
-                <a:latin typeface="SFMono-Regular"/>
-              </a:rPr>
-              <a:t>PostMapping</a:t>
-            </a:r>
-            <a:r>
-              <a:rPr lang="en" altLang="ko-Kore-KR" b="1" i="0" dirty="0">
-                <a:effectLst/>
-                <a:latin typeface="SFMono-Regular"/>
-              </a:rPr>
-              <a:t>("/</a:t>
-            </a:r>
-            <a:r>
-              <a:rPr lang="en" altLang="ko-Kore-KR" b="1" i="0" dirty="0" err="1">
-                <a:effectLst/>
-                <a:latin typeface="SFMono-Regular"/>
-              </a:rPr>
-              <a:t>requestBody</a:t>
-            </a:r>
-            <a:r>
-              <a:rPr lang="en" altLang="ko-Kore-KR" b="1" i="0" dirty="0">
-                <a:effectLst/>
-                <a:latin typeface="SFMono-Regular"/>
-              </a:rPr>
-              <a:t>")</a:t>
-            </a:r>
-          </a:p>
-          <a:p>
-            <a:r>
-              <a:rPr lang="en" altLang="ko-Kore-KR" b="1" dirty="0">
-                <a:latin typeface="SFMono-Regular"/>
-              </a:rPr>
-              <a:t>	</a:t>
-            </a:r>
-            <a:r>
-              <a:rPr lang="en" altLang="ko-Kore-KR" b="1" i="0" dirty="0">
-                <a:effectLst/>
-                <a:latin typeface="SFMono-Regular"/>
-              </a:rPr>
-              <a:t> public </a:t>
-            </a:r>
-            <a:r>
-              <a:rPr lang="en" altLang="ko-Kore-KR" b="1" i="0" dirty="0" err="1">
-                <a:effectLst/>
-                <a:latin typeface="SFMono-Regular"/>
-              </a:rPr>
-              <a:t>ResponseEntity</a:t>
-            </a:r>
-            <a:r>
-              <a:rPr lang="en" altLang="ko-Kore-KR" b="1" i="0" dirty="0">
-                <a:effectLst/>
-                <a:latin typeface="SFMono-Regular"/>
-              </a:rPr>
-              <a:t>&lt;Board&gt; </a:t>
-            </a:r>
-            <a:r>
-              <a:rPr lang="en" altLang="ko-Kore-KR" b="1" i="0" dirty="0" err="1">
-                <a:effectLst/>
-                <a:latin typeface="SFMono-Regular"/>
-              </a:rPr>
-              <a:t>requestBody</a:t>
-            </a:r>
-            <a:r>
-              <a:rPr lang="en" altLang="ko-Kore-KR" b="1" i="0" dirty="0">
-                <a:solidFill>
-                  <a:srgbClr val="FF0000"/>
-                </a:solidFill>
-                <a:effectLst/>
-                <a:latin typeface="SFMono-Regular"/>
-              </a:rPr>
-              <a:t>(@</a:t>
-            </a:r>
-            <a:r>
-              <a:rPr lang="en" altLang="ko-Kore-KR" b="1" i="0" dirty="0" err="1">
-                <a:solidFill>
-                  <a:srgbClr val="FF0000"/>
-                </a:solidFill>
-                <a:effectLst/>
-                <a:latin typeface="SFMono-Regular"/>
-              </a:rPr>
-              <a:t>RequestBody</a:t>
-            </a:r>
-            <a:r>
-              <a:rPr lang="en" altLang="ko-Kore-KR" b="1" i="0" dirty="0">
-                <a:solidFill>
-                  <a:srgbClr val="FF0000"/>
-                </a:solidFill>
-                <a:effectLst/>
-                <a:latin typeface="SFMono-Regular"/>
-              </a:rPr>
+              <a:rPr lang="en" altLang="ko-Kore-KR" sz="1500" b="1" dirty="0" err="1"/>
+              <a:t>log.info</a:t>
+            </a:r>
+            <a:r>
+              <a:rPr lang="en" altLang="ko-Kore-KR" sz="1500" b="1" dirty="0"/>
+              <a:t>(</a:t>
+            </a:r>
+            <a:r>
+              <a:rPr lang="en" altLang="ko-Kore-KR" sz="1500" b="1" dirty="0">
+                <a:solidFill>
+                  <a:srgbClr val="6A8759"/>
+                </a:solidFill>
+                <a:effectLst/>
+              </a:rPr>
+              <a:t>"username={}, age={}"</a:t>
+            </a:r>
+            <a:r>
+              <a:rPr lang="en" altLang="ko-Kore-KR" sz="1500" b="1" dirty="0"/>
+              <a:t>, username, age);</a:t>
+            </a:r>
+          </a:p>
+          <a:p>
+            <a:r>
+              <a:rPr lang="en" altLang="ko-Kore-KR" sz="1500" b="1" dirty="0"/>
+              <a:t>	 </a:t>
+            </a:r>
+            <a:r>
+              <a:rPr lang="en" altLang="ko-Kore-KR" sz="1500" b="1" dirty="0">
+                <a:solidFill>
+                  <a:srgbClr val="CC7832"/>
+                </a:solidFill>
+                <a:effectLst/>
+              </a:rPr>
+              <a:t>return</a:t>
+            </a:r>
+            <a:r>
+              <a:rPr lang="en" altLang="ko-Kore-KR" sz="1500" b="1" dirty="0"/>
               <a:t> </a:t>
             </a:r>
             <a:r>
-              <a:rPr lang="en" altLang="ko-Kore-KR" b="1" i="0" dirty="0">
-                <a:effectLst/>
-                <a:latin typeface="SFMono-Regular"/>
-              </a:rPr>
-              <a:t>Board board) { </a:t>
-            </a:r>
-          </a:p>
-          <a:p>
-            <a:r>
-              <a:rPr lang="en" altLang="ko-Kore-KR" b="1" dirty="0">
-                <a:latin typeface="SFMono-Regular"/>
-              </a:rPr>
-              <a:t>	</a:t>
-            </a:r>
-            <a:r>
-              <a:rPr lang="en" altLang="ko-Kore-KR" b="1" i="1" dirty="0">
-                <a:effectLst/>
-                <a:highlight>
-                  <a:srgbClr val="FFFF00"/>
-                </a:highlight>
-                <a:latin typeface="SFMono-Regular"/>
-              </a:rPr>
-              <a:t>// </a:t>
-            </a:r>
-            <a:r>
-              <a:rPr lang="en" altLang="ko-Kore-KR" b="1" i="1" dirty="0">
-                <a:solidFill>
-                  <a:srgbClr val="FF0000"/>
-                </a:solidFill>
-                <a:effectLst/>
-                <a:highlight>
-                  <a:srgbClr val="FFFF00"/>
-                </a:highlight>
-                <a:latin typeface="SFMono-Regular"/>
-              </a:rPr>
-              <a:t>@</a:t>
-            </a:r>
-            <a:r>
-              <a:rPr lang="en" altLang="ko-Kore-KR" b="1" i="1" dirty="0" err="1">
-                <a:solidFill>
-                  <a:srgbClr val="FF0000"/>
-                </a:solidFill>
-                <a:effectLst/>
-                <a:highlight>
-                  <a:srgbClr val="FFFF00"/>
-                </a:highlight>
-                <a:latin typeface="SFMono-Regular"/>
-              </a:rPr>
-              <a:t>RequestBody</a:t>
-            </a:r>
-            <a:r>
-              <a:rPr lang="ko-KR" altLang="en-US" b="1" i="1" dirty="0">
-                <a:effectLst/>
-                <a:highlight>
-                  <a:srgbClr val="FFFF00"/>
-                </a:highlight>
-                <a:latin typeface="SFMono-Regular"/>
+              <a:rPr lang="en" altLang="ko-Kore-KR" sz="1500" b="1" dirty="0">
+                <a:solidFill>
+                  <a:srgbClr val="6A8759"/>
+                </a:solidFill>
+                <a:effectLst/>
+              </a:rPr>
+              <a:t>"ok"</a:t>
+            </a:r>
+            <a:r>
+              <a:rPr lang="en" altLang="ko-Kore-KR" sz="1500" b="1" dirty="0"/>
+              <a:t>;</a:t>
+            </a:r>
+          </a:p>
+          <a:p>
+            <a:r>
+              <a:rPr lang="en" altLang="ko-Kore-KR" sz="1500" b="1" dirty="0"/>
+              <a:t> }</a:t>
+            </a:r>
+            <a:endParaRPr kumimoji="1" lang="ko-Kore-KR" altLang="en-US" sz="1500" b="1" dirty="0"/>
+          </a:p>
+        </p:txBody>
+      </p:sp>
+      <p:sp>
+        <p:nvSpPr>
+          <p:cNvPr id="5" name="TextBox 4">
+            <a:extLst>
+              <a:ext uri="{FF2B5EF4-FFF2-40B4-BE49-F238E27FC236}">
+                <a16:creationId xmlns:a16="http://schemas.microsoft.com/office/drawing/2014/main" id="{C5E1EDBD-0847-B823-EEB6-76085BF02701}"/>
+              </a:ext>
+            </a:extLst>
+          </p:cNvPr>
+          <p:cNvSpPr txBox="1"/>
+          <p:nvPr/>
+        </p:nvSpPr>
+        <p:spPr>
+          <a:xfrm>
+            <a:off x="301161" y="5226685"/>
+            <a:ext cx="8303172" cy="1200329"/>
+          </a:xfrm>
+          <a:prstGeom prst="rect">
+            <a:avLst/>
+          </a:prstGeom>
+          <a:noFill/>
+        </p:spPr>
+        <p:txBody>
+          <a:bodyPr wrap="square">
+            <a:spAutoFit/>
+          </a:bodyPr>
+          <a:lstStyle/>
+          <a:p>
+            <a:pPr algn="l" latinLnBrk="1">
+              <a:buFont typeface="Arial" panose="020B0604020202020204" pitchFamily="34" charset="0"/>
+              <a:buChar char="•"/>
+            </a:pPr>
+            <a:r>
+              <a:rPr lang="ko-KR" altLang="en-US" b="0" i="0" dirty="0">
+                <a:solidFill>
+                  <a:srgbClr val="333333"/>
+                </a:solidFill>
+                <a:effectLst/>
+                <a:latin typeface="Noto Sans KR"/>
+              </a:rPr>
+              <a:t> </a:t>
+            </a:r>
+            <a:r>
+              <a:rPr lang="en" altLang="ko-Kore-KR" b="0" i="0" dirty="0">
+                <a:solidFill>
+                  <a:srgbClr val="333333"/>
+                </a:solidFill>
+                <a:effectLst/>
+                <a:latin typeface="Noto Sans KR"/>
+              </a:rPr>
+              <a:t>username</a:t>
+            </a:r>
+            <a:r>
+              <a:rPr lang="ko-KR" altLang="en-US" b="0" i="0" dirty="0">
+                <a:solidFill>
+                  <a:srgbClr val="333333"/>
+                </a:solidFill>
+                <a:effectLst/>
+                <a:latin typeface="Noto Sans KR"/>
+              </a:rPr>
+              <a:t>은 필수</a:t>
+            </a:r>
+            <a:r>
+              <a:rPr lang="en-US" altLang="ko-KR" b="0" i="0" dirty="0">
+                <a:solidFill>
+                  <a:srgbClr val="333333"/>
+                </a:solidFill>
+                <a:effectLst/>
+                <a:latin typeface="Noto Sans KR"/>
+              </a:rPr>
+              <a:t>, </a:t>
+            </a:r>
+            <a:r>
+              <a:rPr lang="en" altLang="ko-Kore-KR" b="0" i="0" dirty="0">
+                <a:solidFill>
+                  <a:srgbClr val="333333"/>
+                </a:solidFill>
+                <a:effectLst/>
+                <a:latin typeface="Noto Sans KR"/>
+              </a:rPr>
+              <a:t>age</a:t>
+            </a:r>
+            <a:r>
+              <a:rPr lang="ko-KR" altLang="en-US" b="0" i="0" dirty="0">
+                <a:solidFill>
+                  <a:srgbClr val="333333"/>
+                </a:solidFill>
+                <a:effectLst/>
+                <a:latin typeface="Noto Sans KR"/>
+              </a:rPr>
+              <a:t>는 값이 없어도 상관없다</a:t>
+            </a:r>
+            <a:r>
+              <a:rPr lang="en-US" altLang="ko-KR" b="0" i="0" dirty="0">
+                <a:solidFill>
+                  <a:srgbClr val="333333"/>
+                </a:solidFill>
+                <a:effectLst/>
+                <a:latin typeface="Noto Sans KR"/>
+              </a:rPr>
+              <a:t>.</a:t>
+            </a:r>
+            <a:r>
+              <a:rPr lang="ko-KR" altLang="en-US" b="0" i="0" dirty="0">
+                <a:solidFill>
+                  <a:srgbClr val="333333"/>
+                </a:solidFill>
+                <a:effectLst/>
+                <a:latin typeface="Noto Sans KR"/>
+              </a:rPr>
+              <a:t> </a:t>
+            </a:r>
+            <a:endParaRPr lang="en-US" altLang="ko-KR" b="0" i="0" dirty="0">
+              <a:solidFill>
+                <a:srgbClr val="333333"/>
+              </a:solidFill>
+              <a:effectLst/>
+              <a:latin typeface="Noto Sans KR"/>
+            </a:endParaRPr>
+          </a:p>
+          <a:p>
+            <a:pPr algn="l" latinLnBrk="1">
+              <a:buFont typeface="Arial" panose="020B0604020202020204" pitchFamily="34" charset="0"/>
+              <a:buChar char="•"/>
+            </a:pPr>
+            <a:r>
+              <a:rPr lang="ko-KR" altLang="en-US" b="0" i="0" dirty="0">
+                <a:solidFill>
+                  <a:srgbClr val="333333"/>
+                </a:solidFill>
+                <a:effectLst/>
+                <a:latin typeface="Noto Sans KR"/>
+              </a:rPr>
+              <a:t> </a:t>
+            </a:r>
+            <a:r>
+              <a:rPr lang="en" altLang="ko-Kore-KR" b="0" i="0" dirty="0">
+                <a:solidFill>
+                  <a:srgbClr val="333333"/>
+                </a:solidFill>
+                <a:effectLst/>
+                <a:latin typeface="Noto Sans KR"/>
+              </a:rPr>
+              <a:t>username</a:t>
+            </a:r>
+            <a:r>
+              <a:rPr lang="ko-KR" altLang="en-US" b="0" i="0" dirty="0">
+                <a:solidFill>
+                  <a:srgbClr val="333333"/>
+                </a:solidFill>
+                <a:effectLst/>
+                <a:latin typeface="Noto Sans KR"/>
+              </a:rPr>
+              <a:t>이 없는 경우 </a:t>
+            </a:r>
+            <a:r>
+              <a:rPr lang="en" altLang="ko-Kore-KR" b="0" i="0" dirty="0">
+                <a:solidFill>
+                  <a:srgbClr val="333333"/>
+                </a:solidFill>
+                <a:effectLst/>
+                <a:latin typeface="Noto Sans KR"/>
+              </a:rPr>
+              <a:t>HTTP </a:t>
+            </a:r>
+            <a:r>
+              <a:rPr lang="ko-KR" altLang="en-US" b="0" i="0" dirty="0">
+                <a:solidFill>
+                  <a:srgbClr val="333333"/>
+                </a:solidFill>
+                <a:effectLst/>
+                <a:latin typeface="Noto Sans KR"/>
+              </a:rPr>
+              <a:t>상태 코드 </a:t>
+            </a:r>
+            <a:r>
+              <a:rPr lang="en-US" altLang="ko-KR" b="0" i="0" dirty="0">
+                <a:solidFill>
+                  <a:srgbClr val="333333"/>
+                </a:solidFill>
+                <a:effectLst/>
+                <a:latin typeface="Noto Sans KR"/>
+              </a:rPr>
+              <a:t>400 </a:t>
+            </a:r>
+            <a:r>
+              <a:rPr lang="ko-KR" altLang="en-US" b="0" i="0" dirty="0">
+                <a:solidFill>
+                  <a:srgbClr val="333333"/>
+                </a:solidFill>
+                <a:effectLst/>
+                <a:latin typeface="Noto Sans KR"/>
+              </a:rPr>
+              <a:t>예외가 발생한다</a:t>
+            </a:r>
+            <a:r>
+              <a:rPr lang="en-US" altLang="ko-KR" b="0" i="0" dirty="0">
+                <a:solidFill>
+                  <a:srgbClr val="333333"/>
+                </a:solidFill>
+                <a:effectLst/>
+                <a:latin typeface="Noto Sans KR"/>
+              </a:rPr>
+              <a:t>.</a:t>
+            </a:r>
+          </a:p>
+          <a:p>
+            <a:pPr algn="l" latinLnBrk="1">
+              <a:buFont typeface="Arial" panose="020B0604020202020204" pitchFamily="34" charset="0"/>
+              <a:buChar char="•"/>
+            </a:pPr>
+            <a:r>
+              <a:rPr lang="ko-KR" altLang="en-US" b="0" i="0" dirty="0">
+                <a:solidFill>
+                  <a:srgbClr val="333333"/>
+                </a:solidFill>
+                <a:effectLst/>
+                <a:latin typeface="Noto Sans KR"/>
+              </a:rPr>
+              <a:t> </a:t>
+            </a:r>
+            <a:r>
+              <a:rPr lang="en" altLang="ko-Kore-KR" b="0" i="0" dirty="0">
+                <a:solidFill>
+                  <a:srgbClr val="333333"/>
+                </a:solidFill>
+                <a:effectLst/>
+                <a:latin typeface="Noto Sans KR"/>
+              </a:rPr>
+              <a:t>age</a:t>
+            </a:r>
+            <a:r>
+              <a:rPr lang="ko-KR" altLang="en-US" b="0" i="0" dirty="0">
+                <a:solidFill>
+                  <a:srgbClr val="333333"/>
+                </a:solidFill>
+                <a:effectLst/>
+                <a:latin typeface="Noto Sans KR"/>
+              </a:rPr>
+              <a:t>의 타입은 </a:t>
+            </a:r>
+            <a:r>
+              <a:rPr lang="en" altLang="ko-Kore-KR" b="0" i="0" dirty="0">
+                <a:solidFill>
+                  <a:srgbClr val="333333"/>
+                </a:solidFill>
+                <a:effectLst/>
+                <a:latin typeface="Noto Sans KR"/>
+              </a:rPr>
+              <a:t>int </a:t>
+            </a:r>
+            <a:r>
+              <a:rPr lang="ko-KR" altLang="en-US" b="0" i="0" dirty="0">
+                <a:solidFill>
+                  <a:srgbClr val="333333"/>
+                </a:solidFill>
+                <a:effectLst/>
+                <a:latin typeface="Noto Sans KR"/>
+              </a:rPr>
+              <a:t>타입이며</a:t>
+            </a:r>
+            <a:r>
+              <a:rPr lang="en-US" altLang="ko-KR" b="0" i="0" dirty="0">
+                <a:solidFill>
+                  <a:srgbClr val="333333"/>
+                </a:solidFill>
+                <a:effectLst/>
+                <a:latin typeface="Noto Sans KR"/>
+              </a:rPr>
+              <a:t>, </a:t>
+            </a:r>
+            <a:r>
+              <a:rPr lang="en" altLang="ko-Kore-KR" b="0" i="0" dirty="0">
+                <a:solidFill>
+                  <a:srgbClr val="333333"/>
+                </a:solidFill>
+                <a:effectLst/>
+                <a:latin typeface="Noto Sans KR"/>
+              </a:rPr>
+              <a:t>int</a:t>
+            </a:r>
+            <a:r>
+              <a:rPr lang="ko-KR" altLang="en-US" b="0" i="0" dirty="0">
+                <a:solidFill>
+                  <a:srgbClr val="333333"/>
+                </a:solidFill>
+                <a:effectLst/>
+                <a:latin typeface="Noto Sans KR"/>
               </a:rPr>
               <a:t>는 </a:t>
             </a:r>
             <a:r>
-              <a:rPr lang="en" altLang="ko-Kore-KR" b="1" i="1" dirty="0" err="1">
-                <a:effectLst/>
-                <a:highlight>
-                  <a:srgbClr val="FFFF00"/>
-                </a:highlight>
-                <a:latin typeface="SFMono-Regular"/>
-              </a:rPr>
-              <a:t>MessageConverter</a:t>
-            </a:r>
-            <a:r>
-              <a:rPr lang="ko-KR" altLang="en-US" b="1" i="1" dirty="0" err="1">
-                <a:effectLst/>
-                <a:highlight>
-                  <a:srgbClr val="FFFF00"/>
-                </a:highlight>
-                <a:latin typeface="SFMono-Regular"/>
-              </a:rPr>
-              <a:t>를</a:t>
-            </a:r>
-            <a:r>
-              <a:rPr lang="ko-KR" altLang="en-US" b="1" i="1" dirty="0">
-                <a:effectLst/>
-                <a:highlight>
-                  <a:srgbClr val="FFFF00"/>
-                </a:highlight>
-                <a:latin typeface="SFMono-Regular"/>
-              </a:rPr>
-              <a:t> 통해 </a:t>
-            </a:r>
-            <a:r>
-              <a:rPr lang="en" altLang="ko-Kore-KR" b="1" i="1" dirty="0" err="1">
-                <a:effectLst/>
-                <a:highlight>
-                  <a:srgbClr val="FFFF00"/>
-                </a:highlight>
-                <a:latin typeface="SFMono-Regular"/>
-              </a:rPr>
-              <a:t>Json</a:t>
-            </a:r>
-            <a:r>
-              <a:rPr lang="en" altLang="ko-Kore-KR" b="1" i="1" dirty="0">
-                <a:effectLst/>
-                <a:highlight>
-                  <a:srgbClr val="FFFF00"/>
-                </a:highlight>
-                <a:latin typeface="SFMono-Regular"/>
-              </a:rPr>
-              <a:t> </a:t>
-            </a:r>
-            <a:r>
-              <a:rPr lang="ko-KR" altLang="en-US" b="1" i="1" dirty="0">
-                <a:effectLst/>
-                <a:highlight>
-                  <a:srgbClr val="FFFF00"/>
-                </a:highlight>
-                <a:latin typeface="SFMono-Regular"/>
-              </a:rPr>
-              <a:t>형태의 </a:t>
-            </a:r>
-            <a:r>
-              <a:rPr lang="en" altLang="ko-Kore-KR" b="1" i="1" dirty="0">
-                <a:effectLst/>
-                <a:highlight>
-                  <a:srgbClr val="FFFF00"/>
-                </a:highlight>
-                <a:latin typeface="SFMono-Regular"/>
-              </a:rPr>
-              <a:t>HTTP Body</a:t>
-            </a:r>
-            <a:r>
-              <a:rPr lang="ko-KR" altLang="en-US" b="1" i="1" dirty="0" err="1">
-                <a:effectLst/>
-                <a:highlight>
-                  <a:srgbClr val="FFFF00"/>
-                </a:highlight>
-                <a:latin typeface="SFMono-Regular"/>
-              </a:rPr>
-              <a:t>를</a:t>
-            </a:r>
-            <a:r>
-              <a:rPr lang="ko-KR" altLang="en-US" b="1" i="1" dirty="0">
-                <a:effectLst/>
-                <a:highlight>
-                  <a:srgbClr val="FFFF00"/>
-                </a:highlight>
-                <a:latin typeface="SFMono-Regular"/>
-              </a:rPr>
-              <a:t> </a:t>
-            </a:r>
-            <a:r>
-              <a:rPr lang="en" altLang="ko-Kore-KR" b="1" i="1" dirty="0">
-                <a:effectLst/>
-                <a:highlight>
-                  <a:srgbClr val="FFFF00"/>
-                </a:highlight>
-                <a:latin typeface="SFMono-Regular"/>
-              </a:rPr>
-              <a:t>Java </a:t>
-            </a:r>
-            <a:r>
-              <a:rPr lang="ko-KR" altLang="en-US" b="1" i="1" dirty="0">
-                <a:effectLst/>
-                <a:highlight>
-                  <a:srgbClr val="FFFF00"/>
-                </a:highlight>
-                <a:latin typeface="SFMono-Regular"/>
-              </a:rPr>
-              <a:t>객체로 변환시킨다</a:t>
-            </a:r>
-            <a:r>
-              <a:rPr lang="en-US" altLang="ko-KR" b="1" i="1" dirty="0">
-                <a:effectLst/>
-                <a:highlight>
-                  <a:srgbClr val="FFFF00"/>
-                </a:highlight>
-                <a:latin typeface="SFMono-Regular"/>
+              <a:rPr lang="en" altLang="ko-Kore-KR" b="0" i="0" dirty="0">
+                <a:solidFill>
+                  <a:srgbClr val="333333"/>
+                </a:solidFill>
+                <a:effectLst/>
+                <a:latin typeface="Noto Sans KR"/>
+              </a:rPr>
+              <a:t>null </a:t>
+            </a:r>
+            <a:r>
+              <a:rPr lang="ko-KR" altLang="en-US" b="0" i="0" dirty="0">
+                <a:solidFill>
+                  <a:srgbClr val="333333"/>
+                </a:solidFill>
+                <a:effectLst/>
+                <a:latin typeface="Noto Sans KR"/>
+              </a:rPr>
+              <a:t>값을 허용하지 않는다</a:t>
+            </a:r>
+            <a:r>
+              <a:rPr lang="en-US" altLang="ko-KR" b="0" i="0" dirty="0">
+                <a:solidFill>
+                  <a:srgbClr val="333333"/>
+                </a:solidFill>
+                <a:effectLst/>
+                <a:latin typeface="Noto Sans KR"/>
               </a:rPr>
               <a:t>.</a:t>
             </a:r>
-            <a:r>
-              <a:rPr lang="ko-KR" altLang="en-US" b="1" i="0" dirty="0">
-                <a:effectLst/>
-                <a:highlight>
-                  <a:srgbClr val="FFFF00"/>
-                </a:highlight>
-                <a:latin typeface="SFMono-Regular"/>
-              </a:rPr>
-              <a:t> </a:t>
-            </a:r>
-            <a:endParaRPr lang="en-US" altLang="ko-KR" b="1" i="0" dirty="0">
-              <a:effectLst/>
-              <a:highlight>
-                <a:srgbClr val="FFFF00"/>
-              </a:highlight>
-              <a:latin typeface="SFMono-Regular"/>
-            </a:endParaRPr>
-          </a:p>
-          <a:p>
-            <a:r>
-              <a:rPr lang="en" altLang="ko-Kore-KR" b="1" i="0" dirty="0">
-                <a:effectLst/>
-                <a:latin typeface="SFMono-Regular"/>
-              </a:rPr>
-              <a:t>	return </a:t>
-            </a:r>
-            <a:r>
-              <a:rPr lang="ko-KR" altLang="en-US" b="1" i="0" dirty="0">
-                <a:effectLst/>
-                <a:latin typeface="SFMono-Regular"/>
-              </a:rPr>
-              <a:t> </a:t>
-            </a:r>
-            <a:r>
-              <a:rPr lang="en" altLang="ko-Kore-KR" b="1" i="0" dirty="0" err="1">
-                <a:effectLst/>
-                <a:latin typeface="SFMono-Regular"/>
-              </a:rPr>
-              <a:t>ResponseEntity.ok</a:t>
-            </a:r>
-            <a:r>
-              <a:rPr lang="en" altLang="ko-Kore-KR" b="1" i="0" dirty="0">
-                <a:effectLst/>
-                <a:latin typeface="SFMono-Regular"/>
-              </a:rPr>
-              <a:t>(board); </a:t>
-            </a:r>
-          </a:p>
-          <a:p>
-            <a:r>
-              <a:rPr lang="en" altLang="ko-Kore-KR" b="1" i="0" dirty="0">
-                <a:effectLst/>
-                <a:latin typeface="SFMono-Regular"/>
-              </a:rPr>
-              <a:t>} </a:t>
-            </a:r>
-          </a:p>
-          <a:p>
-            <a:endParaRPr lang="en" altLang="ko-Kore-KR" b="1" i="0" dirty="0">
-              <a:effectLst/>
-              <a:latin typeface="SFMono-Regular"/>
-            </a:endParaRPr>
-          </a:p>
-          <a:p>
-            <a:r>
-              <a:rPr lang="en" altLang="ko-Kore-KR" b="1" i="0" dirty="0">
-                <a:effectLst/>
-                <a:latin typeface="SFMono-Regular"/>
-              </a:rPr>
-              <a:t>@</a:t>
-            </a:r>
-            <a:r>
-              <a:rPr lang="en" altLang="ko-Kore-KR" b="1" i="0" dirty="0" err="1">
-                <a:effectLst/>
-                <a:latin typeface="SFMono-Regular"/>
-              </a:rPr>
-              <a:t>PostMapping</a:t>
-            </a:r>
-            <a:r>
-              <a:rPr lang="en" altLang="ko-Kore-KR" b="1" i="0" dirty="0">
-                <a:effectLst/>
-                <a:latin typeface="SFMono-Regular"/>
-              </a:rPr>
-              <a:t>("/</a:t>
-            </a:r>
-            <a:r>
-              <a:rPr lang="en" altLang="ko-Kore-KR" b="1" i="0" dirty="0" err="1">
-                <a:effectLst/>
-                <a:latin typeface="SFMono-Regular"/>
-              </a:rPr>
-              <a:t>modelAttribute</a:t>
-            </a:r>
-            <a:r>
-              <a:rPr lang="en" altLang="ko-Kore-KR" b="1" i="0" dirty="0">
-                <a:effectLst/>
-                <a:latin typeface="SFMono-Regular"/>
-              </a:rPr>
-              <a:t>")</a:t>
-            </a:r>
-          </a:p>
-          <a:p>
-            <a:r>
-              <a:rPr lang="en" altLang="ko-Kore-KR" b="1" i="0" dirty="0">
-                <a:effectLst/>
-                <a:latin typeface="SFMono-Regular"/>
-              </a:rPr>
-              <a:t> public </a:t>
-            </a:r>
-            <a:r>
-              <a:rPr lang="en" altLang="ko-Kore-KR" b="1" i="0" dirty="0" err="1">
-                <a:effectLst/>
-                <a:latin typeface="SFMono-Regular"/>
-              </a:rPr>
-              <a:t>ResponseEntity</a:t>
-            </a:r>
-            <a:r>
-              <a:rPr lang="en" altLang="ko-Kore-KR" b="1" i="0" dirty="0">
-                <a:effectLst/>
-                <a:latin typeface="SFMono-Regular"/>
-              </a:rPr>
-              <a:t>&lt;Board&gt; </a:t>
-            </a:r>
-            <a:r>
-              <a:rPr lang="en" altLang="ko-Kore-KR" b="1" i="0" dirty="0" err="1">
-                <a:effectLst/>
-                <a:latin typeface="SFMono-Regular"/>
-              </a:rPr>
-              <a:t>modelAttribute</a:t>
-            </a:r>
-            <a:r>
-              <a:rPr lang="en" altLang="ko-Kore-KR" b="1" i="0" dirty="0">
-                <a:solidFill>
-                  <a:srgbClr val="FF0000"/>
-                </a:solidFill>
-                <a:effectLst/>
-                <a:latin typeface="SFMono-Regular"/>
-              </a:rPr>
-              <a:t>(@</a:t>
-            </a:r>
-            <a:r>
-              <a:rPr lang="en" altLang="ko-Kore-KR" b="1" i="0" dirty="0" err="1">
-                <a:solidFill>
-                  <a:srgbClr val="FF0000"/>
-                </a:solidFill>
-                <a:effectLst/>
-                <a:latin typeface="SFMono-Regular"/>
-              </a:rPr>
-              <a:t>ModelAttribute</a:t>
-            </a:r>
-            <a:r>
-              <a:rPr lang="en" altLang="ko-Kore-KR" b="1" i="0" dirty="0">
-                <a:solidFill>
-                  <a:srgbClr val="FF0000"/>
-                </a:solidFill>
-                <a:effectLst/>
-                <a:latin typeface="SFMono-Regular"/>
-              </a:rPr>
-              <a:t> </a:t>
-            </a:r>
-            <a:r>
-              <a:rPr lang="en" altLang="ko-Kore-KR" b="1" i="0" dirty="0">
-                <a:effectLst/>
-                <a:latin typeface="SFMono-Regular"/>
-              </a:rPr>
-              <a:t>Board board) { </a:t>
-            </a:r>
-          </a:p>
-          <a:p>
-            <a:r>
-              <a:rPr lang="en" altLang="ko-Kore-KR" b="1" dirty="0">
-                <a:latin typeface="SFMono-Regular"/>
-              </a:rPr>
-              <a:t>	</a:t>
-            </a:r>
-            <a:r>
-              <a:rPr lang="en" altLang="ko-Kore-KR" b="1" i="1" dirty="0">
-                <a:effectLst/>
-                <a:highlight>
-                  <a:srgbClr val="FFFF00"/>
-                </a:highlight>
-                <a:latin typeface="SFMono-Regular"/>
-              </a:rPr>
-              <a:t>// </a:t>
-            </a:r>
-            <a:r>
-              <a:rPr lang="en" altLang="ko-Kore-KR" b="1" i="1" dirty="0">
-                <a:solidFill>
-                  <a:srgbClr val="FF0000"/>
-                </a:solidFill>
-                <a:effectLst/>
-                <a:highlight>
-                  <a:srgbClr val="FFFF00"/>
-                </a:highlight>
-                <a:latin typeface="SFMono-Regular"/>
-              </a:rPr>
-              <a:t>@</a:t>
-            </a:r>
-            <a:r>
-              <a:rPr lang="en" altLang="ko-Kore-KR" b="1" i="1" dirty="0" err="1">
-                <a:solidFill>
-                  <a:srgbClr val="FF0000"/>
-                </a:solidFill>
-                <a:effectLst/>
-                <a:highlight>
-                  <a:srgbClr val="FFFF00"/>
-                </a:highlight>
-                <a:latin typeface="SFMono-Regular"/>
-              </a:rPr>
-              <a:t>ModelAttribute</a:t>
-            </a:r>
-            <a:r>
-              <a:rPr lang="ko-KR" altLang="en-US" b="1" i="1" dirty="0">
-                <a:effectLst/>
-                <a:highlight>
-                  <a:srgbClr val="FFFF00"/>
-                </a:highlight>
-                <a:latin typeface="SFMono-Regular"/>
-              </a:rPr>
-              <a:t>는 폼</a:t>
-            </a:r>
-            <a:r>
-              <a:rPr lang="en-US" altLang="ko-KR" b="1" i="1" dirty="0">
-                <a:effectLst/>
-                <a:highlight>
-                  <a:srgbClr val="FFFF00"/>
-                </a:highlight>
-                <a:latin typeface="SFMono-Regular"/>
-              </a:rPr>
-              <a:t>(</a:t>
-            </a:r>
-            <a:r>
-              <a:rPr lang="en" altLang="ko-Kore-KR" b="1" i="1" dirty="0">
-                <a:effectLst/>
-                <a:highlight>
-                  <a:srgbClr val="FFFF00"/>
-                </a:highlight>
-                <a:latin typeface="SFMono-Regular"/>
-              </a:rPr>
-              <a:t>form) </a:t>
-            </a:r>
-            <a:r>
-              <a:rPr lang="ko-KR" altLang="en-US" b="1" i="1" dirty="0">
-                <a:effectLst/>
-                <a:highlight>
-                  <a:srgbClr val="FFFF00"/>
-                </a:highlight>
-                <a:latin typeface="SFMono-Regular"/>
-              </a:rPr>
-              <a:t>형태의 </a:t>
-            </a:r>
-            <a:r>
-              <a:rPr lang="en" altLang="ko-Kore-KR" b="1" i="1" dirty="0">
-                <a:effectLst/>
-                <a:highlight>
-                  <a:srgbClr val="FFFF00"/>
-                </a:highlight>
-                <a:latin typeface="SFMono-Regular"/>
-              </a:rPr>
-              <a:t>HTTP Body</a:t>
-            </a:r>
-            <a:r>
-              <a:rPr lang="ko-KR" altLang="en-US" b="1" i="1" dirty="0">
-                <a:effectLst/>
-                <a:highlight>
-                  <a:srgbClr val="FFFF00"/>
-                </a:highlight>
-                <a:latin typeface="SFMono-Regular"/>
-              </a:rPr>
-              <a:t>와 요청 파라미터들을 객체에 </a:t>
-            </a:r>
-            <a:r>
-              <a:rPr lang="ko-KR" altLang="en-US" b="1" i="1" dirty="0" err="1">
-                <a:effectLst/>
-                <a:highlight>
-                  <a:srgbClr val="FFFF00"/>
-                </a:highlight>
-                <a:latin typeface="SFMono-Regular"/>
-              </a:rPr>
-              <a:t>바인딩시킨다</a:t>
-            </a:r>
-            <a:r>
-              <a:rPr lang="en-US" altLang="ko-KR" b="1" i="1" dirty="0">
-                <a:effectLst/>
-                <a:highlight>
-                  <a:srgbClr val="FFFF00"/>
-                </a:highlight>
-                <a:latin typeface="SFMono-Regular"/>
+          </a:p>
+          <a:p>
+            <a:pPr algn="l" latinLnBrk="1">
+              <a:buFont typeface="Arial" panose="020B0604020202020204" pitchFamily="34" charset="0"/>
+              <a:buChar char="•"/>
+            </a:pPr>
+            <a:r>
+              <a:rPr lang="ko-KR" altLang="en-US" b="0" i="0" dirty="0">
+                <a:solidFill>
+                  <a:srgbClr val="333333"/>
+                </a:solidFill>
+                <a:effectLst/>
+                <a:latin typeface="Noto Sans KR"/>
+              </a:rPr>
+              <a:t> 따라서 </a:t>
+            </a:r>
+            <a:r>
+              <a:rPr lang="en" altLang="ko-Kore-KR" b="0" i="0" dirty="0">
+                <a:solidFill>
+                  <a:srgbClr val="333333"/>
+                </a:solidFill>
+                <a:effectLst/>
+                <a:latin typeface="Noto Sans KR"/>
+              </a:rPr>
+              <a:t>age</a:t>
+            </a:r>
+            <a:r>
+              <a:rPr lang="ko-KR" altLang="en-US" b="0" i="0" dirty="0">
+                <a:solidFill>
+                  <a:srgbClr val="333333"/>
+                </a:solidFill>
+                <a:effectLst/>
+                <a:latin typeface="Noto Sans KR"/>
+              </a:rPr>
+              <a:t>가 없는 경우 </a:t>
+            </a:r>
+            <a:r>
+              <a:rPr lang="en" altLang="ko-Kore-KR" b="0" i="0" dirty="0">
+                <a:solidFill>
+                  <a:srgbClr val="333333"/>
+                </a:solidFill>
+                <a:effectLst/>
+                <a:latin typeface="Noto Sans KR"/>
+              </a:rPr>
+              <a:t>HTTP </a:t>
+            </a:r>
+            <a:r>
+              <a:rPr lang="ko-KR" altLang="en-US" b="0" i="0" dirty="0">
+                <a:solidFill>
+                  <a:srgbClr val="333333"/>
+                </a:solidFill>
+                <a:effectLst/>
+                <a:latin typeface="Noto Sans KR"/>
+              </a:rPr>
+              <a:t>상태 코드 </a:t>
+            </a:r>
+            <a:r>
+              <a:rPr lang="en-US" altLang="ko-KR" b="0" i="0" dirty="0">
+                <a:solidFill>
+                  <a:srgbClr val="333333"/>
+                </a:solidFill>
+                <a:effectLst/>
+                <a:latin typeface="Noto Sans KR"/>
+              </a:rPr>
+              <a:t>500 </a:t>
+            </a:r>
+            <a:r>
+              <a:rPr lang="ko-KR" altLang="en-US" b="0" i="0" dirty="0">
+                <a:solidFill>
+                  <a:srgbClr val="333333"/>
+                </a:solidFill>
+                <a:effectLst/>
+                <a:latin typeface="Noto Sans KR"/>
+              </a:rPr>
+              <a:t>예외가 발생한다</a:t>
+            </a:r>
+            <a:r>
+              <a:rPr lang="en-US" altLang="ko-KR" b="0" i="0" dirty="0">
+                <a:solidFill>
+                  <a:srgbClr val="333333"/>
+                </a:solidFill>
+                <a:effectLst/>
+                <a:latin typeface="Noto Sans KR"/>
               </a:rPr>
               <a:t>.</a:t>
             </a:r>
-            <a:r>
-              <a:rPr lang="ko-KR" altLang="en-US" b="1" i="0" dirty="0">
-                <a:effectLst/>
-                <a:highlight>
-                  <a:srgbClr val="FFFF00"/>
-                </a:highlight>
-                <a:latin typeface="SFMono-Regular"/>
-              </a:rPr>
-              <a:t> </a:t>
-            </a:r>
-            <a:endParaRPr lang="en-US" altLang="ko-KR" b="1" i="0" dirty="0">
-              <a:effectLst/>
-              <a:highlight>
-                <a:srgbClr val="FFFF00"/>
-              </a:highlight>
-              <a:latin typeface="SFMono-Regular"/>
-            </a:endParaRPr>
-          </a:p>
-          <a:p>
-            <a:r>
-              <a:rPr lang="ko-KR" altLang="en-US" b="1" dirty="0">
-                <a:latin typeface="SFMono-Regular"/>
-              </a:rPr>
-              <a:t>     </a:t>
-            </a:r>
-            <a:r>
-              <a:rPr lang="en-US" altLang="ko-KR" b="1" dirty="0">
-                <a:latin typeface="SFMono-Regular"/>
-              </a:rPr>
-              <a:t>	</a:t>
-            </a:r>
-            <a:r>
-              <a:rPr lang="en" altLang="ko-Kore-KR" b="1" i="0" dirty="0">
-                <a:effectLst/>
-                <a:latin typeface="SFMono-Regular"/>
-              </a:rPr>
-              <a:t>return </a:t>
-            </a:r>
-            <a:r>
-              <a:rPr lang="en" altLang="ko-Kore-KR" b="1" i="0" dirty="0" err="1">
-                <a:effectLst/>
-                <a:latin typeface="SFMono-Regular"/>
-              </a:rPr>
-              <a:t>ResponseEntity.ok</a:t>
-            </a:r>
-            <a:r>
-              <a:rPr lang="en" altLang="ko-Kore-KR" b="1" i="0" dirty="0">
-                <a:effectLst/>
-                <a:latin typeface="SFMono-Regular"/>
-              </a:rPr>
-              <a:t>(board); </a:t>
-            </a:r>
-          </a:p>
-          <a:p>
-            <a:r>
-              <a:rPr lang="en" altLang="ko-Kore-KR" b="1" i="0" dirty="0">
-                <a:effectLst/>
-                <a:latin typeface="SFMono-Regular"/>
-              </a:rPr>
-              <a:t>} </a:t>
-            </a:r>
-          </a:p>
-          <a:p>
-            <a:endParaRPr lang="en" altLang="ko-Kore-KR" b="1" i="0" dirty="0">
-              <a:effectLst/>
-              <a:latin typeface="SFMono-Regular"/>
-            </a:endParaRPr>
-          </a:p>
-          <a:p>
-            <a:r>
-              <a:rPr lang="en" altLang="ko-Kore-KR" b="1" i="0" dirty="0">
-                <a:effectLst/>
-                <a:latin typeface="SFMono-Regular"/>
-              </a:rPr>
-              <a:t>@</a:t>
-            </a:r>
-            <a:r>
-              <a:rPr lang="en" altLang="ko-Kore-KR" b="1" i="0" dirty="0" err="1">
-                <a:effectLst/>
-                <a:latin typeface="SFMono-Regular"/>
-              </a:rPr>
-              <a:t>GetMapping</a:t>
-            </a:r>
-            <a:r>
-              <a:rPr lang="en" altLang="ko-Kore-KR" b="1" i="0" dirty="0">
-                <a:effectLst/>
-                <a:latin typeface="SFMono-Regular"/>
-              </a:rPr>
-              <a:t>("/list")</a:t>
-            </a:r>
-            <a:r>
-              <a:rPr lang="ko-KR" altLang="en-US" b="1" dirty="0">
-                <a:latin typeface="SFMono-Regular"/>
-              </a:rPr>
-              <a:t> </a:t>
-            </a:r>
-            <a:endParaRPr lang="en-US" altLang="ko-KR" b="1" dirty="0">
-              <a:latin typeface="SFMono-Regular"/>
-            </a:endParaRPr>
-          </a:p>
-          <a:p>
-            <a:r>
-              <a:rPr lang="en" altLang="ko-Kore-KR" b="1" i="0" dirty="0">
-                <a:effectLst/>
-                <a:latin typeface="SFMono-Regular"/>
-              </a:rPr>
-              <a:t>public </a:t>
-            </a:r>
-            <a:r>
-              <a:rPr lang="en" altLang="ko-Kore-KR" b="1" i="0" dirty="0" err="1">
-                <a:effectLst/>
-                <a:latin typeface="SFMono-Regular"/>
-              </a:rPr>
-              <a:t>ResponseEntity</a:t>
-            </a:r>
-            <a:r>
-              <a:rPr lang="en" altLang="ko-Kore-KR" b="1" i="0" dirty="0">
-                <a:effectLst/>
-                <a:latin typeface="SFMono-Regular"/>
-              </a:rPr>
-              <a:t>&lt;List&lt;Board&gt;&gt; </a:t>
-            </a:r>
-            <a:r>
-              <a:rPr lang="en" altLang="ko-Kore-KR" b="1" i="0" dirty="0" err="1">
-                <a:effectLst/>
-                <a:latin typeface="SFMono-Regular"/>
-              </a:rPr>
-              <a:t>requestParam</a:t>
-            </a:r>
-            <a:r>
-              <a:rPr lang="en" altLang="ko-Kore-KR" b="1" i="0" dirty="0">
-                <a:effectLst/>
-                <a:latin typeface="SFMono-Regular"/>
-              </a:rPr>
-              <a:t>( </a:t>
-            </a:r>
-            <a:r>
-              <a:rPr lang="en" altLang="ko-Kore-KR" b="1" i="0" dirty="0">
-                <a:solidFill>
-                  <a:srgbClr val="FF0000"/>
-                </a:solidFill>
-                <a:effectLst/>
-                <a:latin typeface="SFMono-Regular"/>
-              </a:rPr>
-              <a:t>@</a:t>
-            </a:r>
-            <a:r>
-              <a:rPr lang="en" altLang="ko-Kore-KR" b="1" i="0" dirty="0" err="1">
-                <a:solidFill>
-                  <a:srgbClr val="FF0000"/>
-                </a:solidFill>
-                <a:effectLst/>
-                <a:latin typeface="SFMono-Regular"/>
-              </a:rPr>
-              <a:t>RequestParam</a:t>
-            </a:r>
-            <a:r>
-              <a:rPr lang="en" altLang="ko-Kore-KR" b="1" i="0" dirty="0">
-                <a:effectLst/>
-                <a:latin typeface="SFMono-Regular"/>
-              </a:rPr>
-              <a:t>(value = "searchKeyWord1", required = false, </a:t>
-            </a:r>
-            <a:r>
-              <a:rPr lang="en" altLang="ko-Kore-KR" b="1" i="0" dirty="0" err="1">
-                <a:effectLst/>
-                <a:latin typeface="SFMono-Regular"/>
-              </a:rPr>
-              <a:t>defaultValue</a:t>
-            </a:r>
-            <a:r>
-              <a:rPr lang="en" altLang="ko-Kore-KR" b="1" i="0" dirty="0">
-                <a:effectLst/>
-                <a:latin typeface="SFMono-Regular"/>
-              </a:rPr>
-              <a:t> = "</a:t>
-            </a:r>
-            <a:r>
-              <a:rPr lang="en" altLang="ko-Kore-KR" b="1" i="0" dirty="0" err="1">
-                <a:effectLst/>
-                <a:latin typeface="SFMono-Regular"/>
-              </a:rPr>
-              <a:t>MangKyu</a:t>
-            </a:r>
-            <a:r>
-              <a:rPr lang="en" altLang="ko-Kore-KR" b="1" i="0" dirty="0">
-                <a:effectLst/>
-                <a:latin typeface="SFMono-Regular"/>
-              </a:rPr>
-              <a:t>") String </a:t>
-            </a:r>
-            <a:r>
-              <a:rPr lang="en" altLang="ko-Kore-KR" b="1" i="0" dirty="0" err="1">
-                <a:effectLst/>
-                <a:latin typeface="SFMono-Regular"/>
-              </a:rPr>
-              <a:t>searchKeyWord</a:t>
-            </a:r>
-            <a:r>
-              <a:rPr lang="en" altLang="ko-Kore-KR" b="1" i="0" dirty="0">
-                <a:effectLst/>
-                <a:latin typeface="SFMono-Regular"/>
-              </a:rPr>
-              <a:t>) { </a:t>
-            </a:r>
-          </a:p>
-          <a:p>
-            <a:r>
-              <a:rPr lang="en" altLang="ko-Kore-KR" b="1" dirty="0">
-                <a:latin typeface="SFMono-Regular"/>
-              </a:rPr>
-              <a:t>	</a:t>
-            </a:r>
-            <a:r>
-              <a:rPr lang="en" altLang="ko-Kore-KR" b="1" i="1" dirty="0">
-                <a:effectLst/>
-                <a:highlight>
-                  <a:srgbClr val="FFFF00"/>
-                </a:highlight>
-                <a:latin typeface="SFMono-Regular"/>
-              </a:rPr>
-              <a:t>// </a:t>
-            </a:r>
-            <a:r>
-              <a:rPr lang="en" altLang="ko-Kore-KR" b="1" i="1" dirty="0" err="1">
-                <a:effectLst/>
-                <a:highlight>
-                  <a:srgbClr val="FFFF00"/>
-                </a:highlight>
-                <a:latin typeface="SFMono-Regular"/>
-              </a:rPr>
-              <a:t>searchKeyWord</a:t>
-            </a:r>
-            <a:r>
-              <a:rPr lang="ko-KR" altLang="en-US" b="1" i="1" dirty="0">
-                <a:effectLst/>
-                <a:highlight>
-                  <a:srgbClr val="FFFF00"/>
-                </a:highlight>
-                <a:latin typeface="SFMono-Regular"/>
-              </a:rPr>
-              <a:t>는 </a:t>
-            </a:r>
-            <a:r>
-              <a:rPr lang="en" altLang="ko-Kore-KR" b="1" i="1" dirty="0">
-                <a:effectLst/>
-                <a:highlight>
-                  <a:srgbClr val="FFFF00"/>
-                </a:highlight>
-                <a:latin typeface="SFMono-Regular"/>
-              </a:rPr>
-              <a:t>required</a:t>
-            </a:r>
-            <a:r>
-              <a:rPr lang="ko-KR" altLang="en-US" b="1" i="1" dirty="0">
-                <a:effectLst/>
-                <a:highlight>
-                  <a:srgbClr val="FFFF00"/>
-                </a:highlight>
-                <a:latin typeface="SFMono-Regular"/>
-              </a:rPr>
-              <a:t>가 </a:t>
-            </a:r>
-            <a:r>
-              <a:rPr lang="en" altLang="ko-Kore-KR" b="1" i="1" dirty="0">
-                <a:effectLst/>
-                <a:highlight>
-                  <a:srgbClr val="FFFF00"/>
-                </a:highlight>
-                <a:latin typeface="SFMono-Regular"/>
-              </a:rPr>
-              <a:t>false</a:t>
-            </a:r>
-            <a:r>
-              <a:rPr lang="ko-KR" altLang="en-US" b="1" i="1" dirty="0">
-                <a:effectLst/>
-                <a:highlight>
-                  <a:srgbClr val="FFFF00"/>
-                </a:highlight>
-                <a:latin typeface="SFMono-Regular"/>
-              </a:rPr>
-              <a:t>이기 때문에 없을 수도 있으므로</a:t>
-            </a:r>
-            <a:r>
-              <a:rPr lang="en-US" altLang="ko-KR" b="1" i="1" dirty="0">
-                <a:effectLst/>
-                <a:highlight>
-                  <a:srgbClr val="FFFF00"/>
-                </a:highlight>
-                <a:latin typeface="SFMono-Regular"/>
-              </a:rPr>
-              <a:t>, </a:t>
-            </a:r>
-            <a:r>
-              <a:rPr lang="ko-KR" altLang="en-US" b="1" i="1" dirty="0">
-                <a:effectLst/>
-                <a:highlight>
-                  <a:srgbClr val="FFFF00"/>
-                </a:highlight>
-                <a:latin typeface="SFMono-Regular"/>
-              </a:rPr>
-              <a:t>없다면 기본값이 할당된다</a:t>
-            </a:r>
-            <a:r>
-              <a:rPr lang="en-US" altLang="ko-KR" b="1" i="1" dirty="0">
-                <a:effectLst/>
-                <a:highlight>
-                  <a:srgbClr val="FFFF00"/>
-                </a:highlight>
-                <a:latin typeface="SFMono-Regular"/>
-              </a:rPr>
-              <a:t>.</a:t>
-            </a:r>
-            <a:r>
-              <a:rPr lang="ko-KR" altLang="en-US" b="1" i="0" dirty="0">
-                <a:effectLst/>
-                <a:highlight>
-                  <a:srgbClr val="FFFF00"/>
-                </a:highlight>
-                <a:latin typeface="SFMono-Regular"/>
-              </a:rPr>
-              <a:t> </a:t>
-            </a:r>
-            <a:endParaRPr lang="en-US" altLang="ko-KR" b="1" i="0" dirty="0">
-              <a:effectLst/>
-              <a:highlight>
-                <a:srgbClr val="FFFF00"/>
-              </a:highlight>
-              <a:latin typeface="SFMono-Regular"/>
-            </a:endParaRPr>
-          </a:p>
-          <a:p>
-            <a:r>
-              <a:rPr lang="en-US" altLang="ko-Kore-KR" b="1" dirty="0">
-                <a:latin typeface="SFMono-Regular"/>
-              </a:rPr>
-              <a:t>	</a:t>
-            </a:r>
-            <a:r>
-              <a:rPr lang="en" altLang="ko-Kore-KR" b="1" i="0" dirty="0">
-                <a:effectLst/>
-                <a:latin typeface="SFMono-Regular"/>
-              </a:rPr>
-              <a:t>return </a:t>
-            </a:r>
-            <a:r>
-              <a:rPr lang="en" altLang="ko-Kore-KR" b="1" i="0" dirty="0" err="1">
-                <a:effectLst/>
-                <a:latin typeface="SFMono-Regular"/>
-              </a:rPr>
-              <a:t>ResponseEntity.ok</a:t>
-            </a:r>
-            <a:r>
-              <a:rPr lang="en" altLang="ko-Kore-KR" b="1" i="0" dirty="0">
-                <a:effectLst/>
-                <a:latin typeface="SFMono-Regular"/>
-              </a:rPr>
-              <a:t>(</a:t>
-            </a:r>
-            <a:r>
-              <a:rPr lang="en" altLang="ko-Kore-KR" b="1" i="0" dirty="0" err="1">
-                <a:effectLst/>
-                <a:latin typeface="SFMono-Regular"/>
-              </a:rPr>
-              <a:t>boardService.getBoardList</a:t>
-            </a:r>
-            <a:r>
-              <a:rPr lang="en" altLang="ko-Kore-KR" b="1" i="0" dirty="0">
-                <a:effectLst/>
-                <a:latin typeface="SFMono-Regular"/>
-              </a:rPr>
-              <a:t>(searchKeyWord1)); } }</a:t>
-            </a:r>
-            <a:endParaRPr lang="ko-Kore-KR" altLang="en-US" b="1" dirty="0"/>
           </a:p>
         </p:txBody>
       </p:sp>
@@ -8118,10 +8058,10 @@
       </p:sp>
       <p:sp>
         <p:nvSpPr>
-          <p:cNvPr id="2" name="TextBox 1">
+          <p:cNvPr id="5" name="TextBox 4">
             <a:extLst>
               <a:ext uri="{FF2B5EF4-FFF2-40B4-BE49-F238E27FC236}">
-                <a16:creationId xmlns:a16="http://schemas.microsoft.com/office/drawing/2014/main" id="{9E55D9DB-4102-9C4A-E21C-DEE97875A7A7}"/>
+                <a16:creationId xmlns:a16="http://schemas.microsoft.com/office/drawing/2014/main" id="{E5D4FD91-F072-6EE4-D96D-FAEBD02200DB}"/>
               </a:ext>
             </a:extLst>
           </p:cNvPr>
@@ -8130,59 +8070,1630 @@
         </p:nvSpPr>
         <p:spPr>
           <a:xfrm>
-            <a:off x="284658" y="0"/>
-            <a:ext cx="5981278" cy="1684638"/>
+            <a:off x="301161" y="669432"/>
+            <a:ext cx="11775225" cy="1708160"/>
           </a:xfrm>
           <a:prstGeom prst="rect">
             <a:avLst/>
           </a:prstGeom>
+          <a:noFill/>
         </p:spPr>
         <p:txBody>
-          <a:bodyPr vert="horz" lIns="91440" tIns="45720" rIns="91440" bIns="45720" rtlCol="0" anchor="ctr">
-            <a:normAutofit/>
+          <a:bodyPr wrap="square">
+            <a:spAutoFit/>
           </a:bodyPr>
           <a:lstStyle/>
           <a:p>
-            <a:pPr>
-              <a:lnSpc>
-                <a:spcPct val="90000"/>
-              </a:lnSpc>
-              <a:spcBef>
-                <a:spcPct val="0"/>
-              </a:spcBef>
-              <a:spcAft>
-                <a:spcPts val="600"/>
-              </a:spcAft>
+            <a:r>
+              <a:rPr lang="en" altLang="ko-Kore-KR" sz="1500" b="1" i="0" dirty="0">
+                <a:solidFill>
+                  <a:srgbClr val="BBB529"/>
+                </a:solidFill>
+                <a:effectLst/>
+                <a:latin typeface="Courier New" panose="02070309020205020404" pitchFamily="49" charset="0"/>
+              </a:rPr>
+              <a:t>@</a:t>
+            </a:r>
+            <a:r>
+              <a:rPr lang="en" altLang="ko-Kore-KR" sz="1500" b="1" i="0" dirty="0" err="1">
+                <a:solidFill>
+                  <a:srgbClr val="BBB529"/>
+                </a:solidFill>
+                <a:effectLst/>
+                <a:latin typeface="Courier New" panose="02070309020205020404" pitchFamily="49" charset="0"/>
+              </a:rPr>
+              <a:t>ResponseBody</a:t>
+            </a:r>
+            <a:r>
+              <a:rPr lang="en" altLang="ko-Kore-KR" sz="1500" b="1" i="0" dirty="0">
+                <a:solidFill>
+                  <a:srgbClr val="A9B7C6"/>
+                </a:solidFill>
+                <a:effectLst/>
+                <a:latin typeface="Courier New" panose="02070309020205020404" pitchFamily="49" charset="0"/>
+              </a:rPr>
+              <a:t> </a:t>
+            </a:r>
+          </a:p>
+          <a:p>
+            <a:r>
+              <a:rPr lang="en" altLang="ko-Kore-KR" sz="1500" b="1" i="0" dirty="0">
+                <a:solidFill>
+                  <a:srgbClr val="BBB529"/>
+                </a:solidFill>
+                <a:effectLst/>
+                <a:latin typeface="Courier New" panose="02070309020205020404" pitchFamily="49" charset="0"/>
+              </a:rPr>
+              <a:t>@</a:t>
+            </a:r>
+            <a:r>
+              <a:rPr lang="en" altLang="ko-Kore-KR" sz="1500" b="1" i="0" dirty="0" err="1">
+                <a:solidFill>
+                  <a:srgbClr val="BBB529"/>
+                </a:solidFill>
+                <a:effectLst/>
+                <a:latin typeface="Courier New" panose="02070309020205020404" pitchFamily="49" charset="0"/>
+              </a:rPr>
+              <a:t>RequestMapping</a:t>
+            </a:r>
+            <a:r>
+              <a:rPr lang="en" altLang="ko-Kore-KR" sz="1500" b="1" i="0" dirty="0">
+                <a:solidFill>
+                  <a:srgbClr val="BBB529"/>
+                </a:solidFill>
+                <a:effectLst/>
+                <a:latin typeface="Courier New" panose="02070309020205020404" pitchFamily="49" charset="0"/>
+              </a:rPr>
+              <a:t>("/request-param-required")</a:t>
+            </a:r>
+          </a:p>
+          <a:p>
+            <a:r>
+              <a:rPr lang="en" altLang="ko-Kore-KR" sz="1500" b="1" i="0" dirty="0">
+                <a:solidFill>
+                  <a:srgbClr val="CC7832"/>
+                </a:solidFill>
+                <a:effectLst/>
+                <a:latin typeface="Courier New" panose="02070309020205020404" pitchFamily="49" charset="0"/>
+              </a:rPr>
+              <a:t>public</a:t>
+            </a:r>
+            <a:r>
+              <a:rPr lang="en" altLang="ko-Kore-KR" sz="1500" b="1" i="0" dirty="0">
+                <a:solidFill>
+                  <a:srgbClr val="A9B7C6"/>
+                </a:solidFill>
+                <a:effectLst/>
+                <a:latin typeface="Courier New" panose="02070309020205020404" pitchFamily="49" charset="0"/>
+              </a:rPr>
+              <a:t> String </a:t>
+            </a:r>
+            <a:r>
+              <a:rPr lang="en" altLang="ko-Kore-KR" sz="1500" b="1" i="0" dirty="0" err="1">
+                <a:solidFill>
+                  <a:srgbClr val="FFC66D"/>
+                </a:solidFill>
+                <a:effectLst/>
+                <a:latin typeface="Courier New" panose="02070309020205020404" pitchFamily="49" charset="0"/>
+              </a:rPr>
+              <a:t>requestParamRequired</a:t>
+            </a:r>
+            <a:r>
+              <a:rPr lang="en" altLang="ko-Kore-KR" sz="1500" b="1" i="0" dirty="0">
+                <a:solidFill>
+                  <a:srgbClr val="A9B7C6"/>
+                </a:solidFill>
+                <a:effectLst/>
+                <a:latin typeface="Courier New" panose="02070309020205020404" pitchFamily="49" charset="0"/>
+              </a:rPr>
+              <a:t>(</a:t>
+            </a:r>
+            <a:r>
+              <a:rPr lang="en" altLang="ko-Kore-KR" sz="1500" b="1" i="0" dirty="0">
+                <a:solidFill>
+                  <a:srgbClr val="BBB529"/>
+                </a:solidFill>
+                <a:effectLst/>
+                <a:latin typeface="Courier New" panose="02070309020205020404" pitchFamily="49" charset="0"/>
+              </a:rPr>
+              <a:t>@</a:t>
+            </a:r>
+            <a:r>
+              <a:rPr lang="en" altLang="ko-Kore-KR" sz="1500" b="1" i="0" dirty="0" err="1">
+                <a:solidFill>
+                  <a:srgbClr val="BBB529"/>
+                </a:solidFill>
+                <a:effectLst/>
+                <a:latin typeface="Courier New" panose="02070309020205020404" pitchFamily="49" charset="0"/>
+              </a:rPr>
+              <a:t>RequestParam</a:t>
+            </a:r>
+            <a:r>
+              <a:rPr lang="en" altLang="ko-Kore-KR" sz="1500" b="1" i="0" dirty="0">
+                <a:solidFill>
+                  <a:srgbClr val="BBB529"/>
+                </a:solidFill>
+                <a:effectLst/>
+                <a:latin typeface="Courier New" panose="02070309020205020404" pitchFamily="49" charset="0"/>
+              </a:rPr>
+              <a:t>(required = true)</a:t>
+            </a:r>
+            <a:r>
+              <a:rPr lang="en" altLang="ko-Kore-KR" sz="1500" b="1" i="0" dirty="0">
+                <a:solidFill>
+                  <a:srgbClr val="A9B7C6"/>
+                </a:solidFill>
+                <a:effectLst/>
+                <a:latin typeface="Courier New" panose="02070309020205020404" pitchFamily="49" charset="0"/>
+              </a:rPr>
+              <a:t> String username, </a:t>
+            </a:r>
+            <a:r>
+              <a:rPr lang="en" altLang="ko-Kore-KR" sz="1500" b="1" i="0" dirty="0">
+                <a:solidFill>
+                  <a:srgbClr val="BBB529"/>
+                </a:solidFill>
+                <a:effectLst/>
+                <a:latin typeface="Courier New" panose="02070309020205020404" pitchFamily="49" charset="0"/>
+              </a:rPr>
+              <a:t>@</a:t>
+            </a:r>
+            <a:r>
+              <a:rPr lang="en" altLang="ko-Kore-KR" sz="1500" b="1" i="0" dirty="0" err="1">
+                <a:solidFill>
+                  <a:srgbClr val="BBB529"/>
+                </a:solidFill>
+                <a:effectLst/>
+                <a:latin typeface="Courier New" panose="02070309020205020404" pitchFamily="49" charset="0"/>
+              </a:rPr>
+              <a:t>RequestParam</a:t>
+            </a:r>
+            <a:r>
+              <a:rPr lang="en" altLang="ko-Kore-KR" sz="1500" b="1" i="0" dirty="0">
+                <a:solidFill>
+                  <a:srgbClr val="BBB529"/>
+                </a:solidFill>
+                <a:effectLst/>
+                <a:latin typeface="Courier New" panose="02070309020205020404" pitchFamily="49" charset="0"/>
+              </a:rPr>
+              <a:t>(required = false)</a:t>
+            </a:r>
+            <a:r>
+              <a:rPr lang="en" altLang="ko-Kore-KR" sz="1500" b="1" i="0" dirty="0">
+                <a:solidFill>
+                  <a:srgbClr val="A9B7C6"/>
+                </a:solidFill>
+                <a:effectLst/>
+                <a:latin typeface="Courier New" panose="02070309020205020404" pitchFamily="49" charset="0"/>
+              </a:rPr>
+              <a:t> Integer age) { </a:t>
+            </a:r>
+          </a:p>
+          <a:p>
+            <a:r>
+              <a:rPr lang="en" altLang="ko-Kore-KR" sz="1500" b="1" dirty="0">
+                <a:solidFill>
+                  <a:srgbClr val="A9B7C6"/>
+                </a:solidFill>
+                <a:latin typeface="Courier New" panose="02070309020205020404" pitchFamily="49" charset="0"/>
+              </a:rPr>
+              <a:t>	</a:t>
+            </a:r>
+            <a:r>
+              <a:rPr lang="en" altLang="ko-Kore-KR" sz="1500" b="1" i="0" dirty="0" err="1">
+                <a:solidFill>
+                  <a:srgbClr val="A9B7C6"/>
+                </a:solidFill>
+                <a:effectLst/>
+                <a:latin typeface="Courier New" panose="02070309020205020404" pitchFamily="49" charset="0"/>
+              </a:rPr>
+              <a:t>log.info</a:t>
+            </a:r>
+            <a:r>
+              <a:rPr lang="en" altLang="ko-Kore-KR" sz="1500" b="1" i="0" dirty="0">
+                <a:solidFill>
+                  <a:srgbClr val="A9B7C6"/>
+                </a:solidFill>
+                <a:effectLst/>
+                <a:latin typeface="Courier New" panose="02070309020205020404" pitchFamily="49" charset="0"/>
+              </a:rPr>
+              <a:t>(</a:t>
+            </a:r>
+            <a:r>
+              <a:rPr lang="en" altLang="ko-Kore-KR" sz="1500" b="1" i="0" dirty="0">
+                <a:solidFill>
+                  <a:srgbClr val="6A8759"/>
+                </a:solidFill>
+                <a:effectLst/>
+                <a:latin typeface="Courier New" panose="02070309020205020404" pitchFamily="49" charset="0"/>
+              </a:rPr>
+              <a:t>"username={}, age={}"</a:t>
+            </a:r>
+            <a:r>
+              <a:rPr lang="en" altLang="ko-Kore-KR" sz="1500" b="1" i="0" dirty="0">
+                <a:solidFill>
+                  <a:srgbClr val="A9B7C6"/>
+                </a:solidFill>
+                <a:effectLst/>
+                <a:latin typeface="Courier New" panose="02070309020205020404" pitchFamily="49" charset="0"/>
+              </a:rPr>
+              <a:t>, username, age); </a:t>
+            </a:r>
+          </a:p>
+          <a:p>
+            <a:r>
+              <a:rPr lang="en" altLang="ko-Kore-KR" sz="1500" b="1" dirty="0">
+                <a:solidFill>
+                  <a:srgbClr val="A9B7C6"/>
+                </a:solidFill>
+                <a:latin typeface="Courier New" panose="02070309020205020404" pitchFamily="49" charset="0"/>
+              </a:rPr>
+              <a:t>	</a:t>
+            </a:r>
+            <a:r>
+              <a:rPr lang="en" altLang="ko-Kore-KR" sz="1500" b="1" i="0" dirty="0">
+                <a:solidFill>
+                  <a:srgbClr val="CC7832"/>
+                </a:solidFill>
+                <a:effectLst/>
+                <a:latin typeface="Courier New" panose="02070309020205020404" pitchFamily="49" charset="0"/>
+              </a:rPr>
+              <a:t>return</a:t>
+            </a:r>
+            <a:r>
+              <a:rPr lang="en" altLang="ko-Kore-KR" sz="1500" b="1" i="0" dirty="0">
+                <a:solidFill>
+                  <a:srgbClr val="A9B7C6"/>
+                </a:solidFill>
+                <a:effectLst/>
+                <a:latin typeface="Courier New" panose="02070309020205020404" pitchFamily="49" charset="0"/>
+              </a:rPr>
+              <a:t> </a:t>
+            </a:r>
+            <a:r>
+              <a:rPr lang="en" altLang="ko-Kore-KR" sz="1500" b="1" i="0" dirty="0">
+                <a:solidFill>
+                  <a:srgbClr val="6A8759"/>
+                </a:solidFill>
+                <a:effectLst/>
+                <a:latin typeface="Courier New" panose="02070309020205020404" pitchFamily="49" charset="0"/>
+              </a:rPr>
+              <a:t>"ok"</a:t>
+            </a:r>
+            <a:r>
+              <a:rPr lang="en" altLang="ko-Kore-KR" sz="1500" b="1" i="0" dirty="0">
+                <a:solidFill>
+                  <a:srgbClr val="A9B7C6"/>
+                </a:solidFill>
+                <a:effectLst/>
+                <a:latin typeface="Courier New" panose="02070309020205020404" pitchFamily="49" charset="0"/>
+              </a:rPr>
+              <a:t>; </a:t>
+            </a:r>
+          </a:p>
+          <a:p>
+            <a:r>
+              <a:rPr lang="en" altLang="ko-Kore-KR" sz="1500" b="1" i="0" dirty="0">
+                <a:solidFill>
+                  <a:srgbClr val="A9B7C6"/>
+                </a:solidFill>
+                <a:effectLst/>
+                <a:latin typeface="Courier New" panose="02070309020205020404" pitchFamily="49" charset="0"/>
+              </a:rPr>
+              <a:t>}</a:t>
+            </a:r>
+            <a:endParaRPr lang="ko-Kore-KR" altLang="en-US" sz="1500" b="1" dirty="0"/>
+          </a:p>
+        </p:txBody>
+      </p:sp>
+      <p:sp>
+        <p:nvSpPr>
+          <p:cNvPr id="6" name="TextBox 5">
+            <a:extLst>
+              <a:ext uri="{FF2B5EF4-FFF2-40B4-BE49-F238E27FC236}">
+                <a16:creationId xmlns:a16="http://schemas.microsoft.com/office/drawing/2014/main" id="{808A2593-C048-10FF-B106-38CAA80A5100}"/>
+              </a:ext>
+            </a:extLst>
+          </p:cNvPr>
+          <p:cNvSpPr txBox="1"/>
+          <p:nvPr/>
+        </p:nvSpPr>
+        <p:spPr>
+          <a:xfrm>
+            <a:off x="301161" y="98983"/>
+            <a:ext cx="11968050" cy="461665"/>
+          </a:xfrm>
+          <a:prstGeom prst="rect">
+            <a:avLst/>
+          </a:prstGeom>
+          <a:noFill/>
+        </p:spPr>
+        <p:txBody>
+          <a:bodyPr wrap="square">
+            <a:spAutoFit/>
+          </a:bodyPr>
+          <a:lstStyle/>
+          <a:p>
+            <a:r>
+              <a:rPr lang="en-US" altLang="ko-Kore-KR" sz="2400" b="1" dirty="0"/>
+              <a:t>@</a:t>
+            </a:r>
+            <a:r>
+              <a:rPr lang="en-US" altLang="ko-Kore-KR" sz="2400" b="1" dirty="0" err="1"/>
+              <a:t>RequestParam</a:t>
+            </a:r>
+            <a:r>
+              <a:rPr lang="ko-KR" altLang="en-US" sz="2400" b="1" dirty="0"/>
+              <a:t> 의 속성</a:t>
+            </a:r>
+            <a:endParaRPr lang="ko-Kore-KR" altLang="en-US" sz="2400" b="1" dirty="0"/>
+          </a:p>
+        </p:txBody>
+      </p:sp>
+      <p:sp>
+        <p:nvSpPr>
+          <p:cNvPr id="8" name="TextBox 7">
+            <a:extLst>
+              <a:ext uri="{FF2B5EF4-FFF2-40B4-BE49-F238E27FC236}">
+                <a16:creationId xmlns:a16="http://schemas.microsoft.com/office/drawing/2014/main" id="{B7FDBCDB-BCE0-2DC4-A5BF-027C94A6F56C}"/>
+              </a:ext>
+            </a:extLst>
+          </p:cNvPr>
+          <p:cNvSpPr txBox="1"/>
+          <p:nvPr/>
+        </p:nvSpPr>
+        <p:spPr>
+          <a:xfrm>
+            <a:off x="240872" y="2377592"/>
+            <a:ext cx="12028339" cy="1600438"/>
+          </a:xfrm>
+          <a:prstGeom prst="rect">
+            <a:avLst/>
+          </a:prstGeom>
+          <a:noFill/>
+        </p:spPr>
+        <p:txBody>
+          <a:bodyPr wrap="square">
+            <a:spAutoFit/>
+          </a:bodyPr>
+          <a:lstStyle/>
+          <a:p>
+            <a:pPr algn="l" latinLnBrk="1">
+              <a:buFont typeface="Arial" panose="020B0604020202020204" pitchFamily="34" charset="0"/>
+              <a:buChar char="•"/>
             </a:pPr>
             <a:r>
-              <a:rPr kumimoji="1" lang="en-US" altLang="en-US" sz="4000" b="1" dirty="0">
-                <a:latin typeface="+mj-ea"/>
-                <a:ea typeface="+mj-ea"/>
-                <a:cs typeface="+mj-cs"/>
-              </a:rPr>
-              <a:t>Spring Security</a:t>
-            </a:r>
-            <a:r>
-              <a:rPr kumimoji="1" lang="ko-KR" altLang="en-US" sz="4000" b="1" dirty="0">
-                <a:latin typeface="+mj-ea"/>
-                <a:ea typeface="+mj-ea"/>
-                <a:cs typeface="+mj-cs"/>
-              </a:rPr>
-              <a:t> 란</a:t>
-            </a:r>
-            <a:r>
-              <a:rPr kumimoji="1" lang="en-US" altLang="ko-KR" sz="4000" b="1" dirty="0">
-                <a:latin typeface="+mj-ea"/>
-                <a:ea typeface="+mj-ea"/>
-                <a:cs typeface="+mj-cs"/>
-              </a:rPr>
-              <a:t>?</a:t>
-            </a:r>
-            <a:endParaRPr kumimoji="1" lang="en-US" altLang="en-US" sz="4000" b="1" dirty="0">
-              <a:latin typeface="+mj-ea"/>
-              <a:ea typeface="+mj-ea"/>
-              <a:cs typeface="+mj-cs"/>
+              <a:rPr lang="ko-KR" altLang="en-US" sz="1400" b="0" i="0" dirty="0">
+                <a:solidFill>
+                  <a:srgbClr val="333333"/>
+                </a:solidFill>
+                <a:effectLst/>
+                <a:latin typeface="Noto Sans KR"/>
+              </a:rPr>
+              <a:t> </a:t>
+            </a:r>
+            <a:r>
+              <a:rPr lang="en" altLang="ko-Kore-KR" sz="1400" b="0" i="0" dirty="0">
+                <a:solidFill>
+                  <a:srgbClr val="333333"/>
+                </a:solidFill>
+                <a:effectLst/>
+                <a:latin typeface="Noto Sans KR"/>
+              </a:rPr>
+              <a:t>age</a:t>
+            </a:r>
+            <a:r>
+              <a:rPr lang="ko-KR" altLang="en-US" sz="1400" b="0" i="0" dirty="0">
+                <a:solidFill>
+                  <a:srgbClr val="333333"/>
+                </a:solidFill>
+                <a:effectLst/>
+                <a:latin typeface="Noto Sans KR"/>
+              </a:rPr>
+              <a:t>의 타입을 </a:t>
+            </a:r>
+            <a:r>
+              <a:rPr lang="en" altLang="ko-Kore-KR" sz="1400" b="0" i="0" dirty="0">
+                <a:solidFill>
+                  <a:srgbClr val="333333"/>
+                </a:solidFill>
+                <a:effectLst/>
+                <a:latin typeface="Noto Sans KR"/>
+              </a:rPr>
+              <a:t>Integer</a:t>
+            </a:r>
+            <a:r>
+              <a:rPr lang="ko-KR" altLang="en-US" sz="1400" b="0" i="0" dirty="0">
+                <a:solidFill>
+                  <a:srgbClr val="333333"/>
+                </a:solidFill>
+                <a:effectLst/>
+                <a:latin typeface="Noto Sans KR"/>
+              </a:rPr>
+              <a:t>로 바꿔야 </a:t>
+            </a:r>
+            <a:r>
+              <a:rPr lang="en" altLang="ko-Kore-KR" sz="1400" b="0" i="0" dirty="0">
+                <a:solidFill>
+                  <a:srgbClr val="333333"/>
+                </a:solidFill>
+                <a:effectLst/>
+                <a:latin typeface="Noto Sans KR"/>
+              </a:rPr>
+              <a:t>null</a:t>
+            </a:r>
+            <a:r>
+              <a:rPr lang="ko-KR" altLang="en-US" sz="1400" b="0" i="0" dirty="0">
+                <a:solidFill>
+                  <a:srgbClr val="333333"/>
+                </a:solidFill>
+                <a:effectLst/>
+                <a:latin typeface="Noto Sans KR"/>
+              </a:rPr>
+              <a:t>값을 허용하게 된다</a:t>
+            </a:r>
+            <a:r>
+              <a:rPr lang="en-US" altLang="ko-KR" sz="1400" b="0" i="0" dirty="0">
+                <a:solidFill>
+                  <a:srgbClr val="333333"/>
+                </a:solidFill>
+                <a:effectLst/>
+                <a:latin typeface="Noto Sans KR"/>
+              </a:rPr>
+              <a:t>.</a:t>
+            </a:r>
+          </a:p>
+          <a:p>
+            <a:pPr algn="l" latinLnBrk="1">
+              <a:buFont typeface="Arial" panose="020B0604020202020204" pitchFamily="34" charset="0"/>
+              <a:buChar char="•"/>
+            </a:pPr>
+            <a:r>
+              <a:rPr lang="ko-KR" altLang="en-US" sz="1400" b="0" i="0" dirty="0">
+                <a:solidFill>
+                  <a:srgbClr val="333333"/>
+                </a:solidFill>
+                <a:effectLst/>
+                <a:latin typeface="Noto Sans KR"/>
+              </a:rPr>
+              <a:t> 따라서 위 코드의 경우 </a:t>
+            </a:r>
+            <a:r>
+              <a:rPr lang="en" altLang="ko-Kore-KR" sz="1400" b="0" i="0" dirty="0">
+                <a:solidFill>
+                  <a:srgbClr val="333333"/>
+                </a:solidFill>
+                <a:effectLst/>
+                <a:latin typeface="Noto Sans KR"/>
+              </a:rPr>
+              <a:t>age</a:t>
+            </a:r>
+            <a:r>
+              <a:rPr lang="ko-KR" altLang="en-US" sz="1400" b="0" i="0" dirty="0">
+                <a:solidFill>
+                  <a:srgbClr val="333333"/>
+                </a:solidFill>
+                <a:effectLst/>
+                <a:latin typeface="Noto Sans KR"/>
+              </a:rPr>
+              <a:t>가 없어도 정상적으로 응답하게 된다</a:t>
+            </a:r>
+            <a:r>
+              <a:rPr lang="en-US" altLang="ko-KR" sz="1400" b="0" i="0" dirty="0">
+                <a:solidFill>
+                  <a:srgbClr val="333333"/>
+                </a:solidFill>
+                <a:effectLst/>
+                <a:latin typeface="Noto Sans KR"/>
+              </a:rPr>
+              <a:t>.</a:t>
+            </a:r>
+          </a:p>
+          <a:p>
+            <a:pPr algn="l"/>
+            <a:r>
+              <a:rPr lang="ko-KR" altLang="en-US" sz="1400" b="0" i="0" dirty="0">
+                <a:solidFill>
+                  <a:srgbClr val="555555"/>
+                </a:solidFill>
+                <a:effectLst/>
+                <a:latin typeface="Noto Sans KR"/>
+              </a:rPr>
+              <a:t> </a:t>
+            </a:r>
+          </a:p>
+          <a:p>
+            <a:pPr algn="l"/>
+            <a:r>
+              <a:rPr lang="ko-KR" altLang="en-US" sz="1400" b="1" i="0" dirty="0">
+                <a:solidFill>
+                  <a:srgbClr val="FF0000"/>
+                </a:solidFill>
+                <a:effectLst/>
+                <a:latin typeface="Noto Sans KR"/>
+              </a:rPr>
+              <a:t>주의할 점</a:t>
+            </a:r>
+            <a:endParaRPr lang="ko-KR" altLang="en-US" sz="1400" b="0" i="0" dirty="0">
+              <a:solidFill>
+                <a:srgbClr val="FF0000"/>
+              </a:solidFill>
+              <a:effectLst/>
+              <a:latin typeface="Noto Sans KR"/>
             </a:endParaRPr>
+          </a:p>
+          <a:p>
+            <a:pPr algn="l" latinLnBrk="1">
+              <a:buFont typeface="Arial" panose="020B0604020202020204" pitchFamily="34" charset="0"/>
+              <a:buChar char="•"/>
+            </a:pPr>
+            <a:r>
+              <a:rPr lang="ko-KR" altLang="en-US" sz="1400" b="0" i="0" dirty="0">
+                <a:solidFill>
+                  <a:srgbClr val="333333"/>
+                </a:solidFill>
+                <a:effectLst/>
+                <a:latin typeface="Noto Sans KR"/>
+              </a:rPr>
+              <a:t> “</a:t>
+            </a:r>
+            <a:r>
+              <a:rPr lang="en-US" altLang="ko-KR" sz="1400" b="0" i="0" dirty="0">
+                <a:solidFill>
+                  <a:srgbClr val="333333"/>
+                </a:solidFill>
+                <a:effectLst/>
+                <a:latin typeface="Noto Sans KR"/>
+              </a:rPr>
+              <a:t>/</a:t>
+            </a:r>
+            <a:r>
+              <a:rPr lang="en" altLang="ko-Kore-KR" sz="1400" b="0" i="0" dirty="0" err="1">
+                <a:solidFill>
+                  <a:srgbClr val="333333"/>
+                </a:solidFill>
+                <a:effectLst/>
+                <a:latin typeface="Noto Sans KR"/>
+              </a:rPr>
+              <a:t>request-param?username</a:t>
+            </a:r>
+            <a:r>
+              <a:rPr lang="en" altLang="ko-Kore-KR" sz="1400" b="0" i="0" dirty="0">
+                <a:solidFill>
+                  <a:srgbClr val="333333"/>
+                </a:solidFill>
+                <a:effectLst/>
+                <a:latin typeface="Noto Sans KR"/>
+              </a:rPr>
+              <a:t>=” </a:t>
+            </a:r>
+            <a:r>
+              <a:rPr lang="ko-KR" altLang="en-US" sz="1400" b="0" i="0" dirty="0">
+                <a:solidFill>
+                  <a:srgbClr val="333333"/>
+                </a:solidFill>
+                <a:effectLst/>
+                <a:latin typeface="Noto Sans KR"/>
+              </a:rPr>
+              <a:t>요청</a:t>
+            </a:r>
+          </a:p>
+          <a:p>
+            <a:pPr algn="l" latinLnBrk="1">
+              <a:buFont typeface="Arial" panose="020B0604020202020204" pitchFamily="34" charset="0"/>
+              <a:buChar char="•"/>
+            </a:pPr>
+            <a:r>
+              <a:rPr lang="ko-KR" altLang="en-US" sz="1400" b="0" i="0" dirty="0">
+                <a:solidFill>
+                  <a:srgbClr val="333333"/>
+                </a:solidFill>
+                <a:effectLst/>
+                <a:latin typeface="Noto Sans KR"/>
+              </a:rPr>
+              <a:t> 파라미터의 이름만 있고 값이 없는 경우에는 빈문자로 취급하여 예외가 발생하지 않음</a:t>
+            </a:r>
+          </a:p>
+          <a:p>
+            <a:pPr algn="l" latinLnBrk="1">
+              <a:buFont typeface="Arial" panose="020B0604020202020204" pitchFamily="34" charset="0"/>
+              <a:buChar char="•"/>
+            </a:pPr>
+            <a:r>
+              <a:rPr lang="ko-KR" altLang="en-US" sz="1400" b="0" i="0" dirty="0">
+                <a:solidFill>
+                  <a:srgbClr val="333333"/>
+                </a:solidFill>
+                <a:effectLst/>
+                <a:latin typeface="Noto Sans KR"/>
+              </a:rPr>
+              <a:t> 값이 없는 </a:t>
+            </a:r>
+            <a:r>
+              <a:rPr lang="en" altLang="ko-Kore-KR" sz="1400" b="0" i="0" dirty="0">
+                <a:solidFill>
+                  <a:srgbClr val="333333"/>
+                </a:solidFill>
+                <a:effectLst/>
+                <a:latin typeface="Noto Sans KR"/>
+              </a:rPr>
+              <a:t>null</a:t>
+            </a:r>
+            <a:r>
+              <a:rPr lang="ko-KR" altLang="en-US" sz="1400" b="0" i="0" dirty="0">
+                <a:solidFill>
+                  <a:srgbClr val="333333"/>
+                </a:solidFill>
+                <a:effectLst/>
+                <a:latin typeface="Noto Sans KR"/>
+              </a:rPr>
+              <a:t>과 </a:t>
+            </a:r>
+            <a:r>
+              <a:rPr lang="ko-KR" altLang="en-US" sz="1400" b="0" i="0" dirty="0" err="1">
+                <a:solidFill>
+                  <a:srgbClr val="333333"/>
+                </a:solidFill>
+                <a:effectLst/>
+                <a:latin typeface="Noto Sans KR"/>
+              </a:rPr>
+              <a:t>빈문자</a:t>
+            </a:r>
+            <a:r>
+              <a:rPr lang="ko-KR" altLang="en-US" sz="1400" b="0" i="0" dirty="0">
+                <a:solidFill>
+                  <a:srgbClr val="333333"/>
+                </a:solidFill>
+                <a:effectLst/>
+                <a:latin typeface="Noto Sans KR"/>
+              </a:rPr>
+              <a:t> “”는 서로 다른 개념이기 때문</a:t>
+            </a:r>
+          </a:p>
+        </p:txBody>
+      </p:sp>
+      <p:sp>
+        <p:nvSpPr>
+          <p:cNvPr id="9" name="TextBox 8">
+            <a:extLst>
+              <a:ext uri="{FF2B5EF4-FFF2-40B4-BE49-F238E27FC236}">
+                <a16:creationId xmlns:a16="http://schemas.microsoft.com/office/drawing/2014/main" id="{AED7AF4B-D93D-FFBA-C298-052D481A1ED4}"/>
+              </a:ext>
+            </a:extLst>
+          </p:cNvPr>
+          <p:cNvSpPr txBox="1"/>
+          <p:nvPr/>
+        </p:nvSpPr>
+        <p:spPr>
+          <a:xfrm>
+            <a:off x="240872" y="4109545"/>
+            <a:ext cx="11835514" cy="523220"/>
+          </a:xfrm>
+          <a:prstGeom prst="rect">
+            <a:avLst/>
+          </a:prstGeom>
+          <a:noFill/>
+        </p:spPr>
+        <p:txBody>
+          <a:bodyPr wrap="square" rtlCol="0">
+            <a:spAutoFit/>
+          </a:bodyPr>
+          <a:lstStyle/>
+          <a:p>
+            <a:r>
+              <a:rPr kumimoji="1" lang="en-US" altLang="ko-Kore-KR" sz="1400" dirty="0" err="1"/>
+              <a:t>defaultValue</a:t>
+            </a:r>
+            <a:r>
+              <a:rPr kumimoji="1" lang="en-US" altLang="ko-Kore-KR" sz="1400" dirty="0"/>
+              <a:t> –</a:t>
+            </a:r>
+            <a:r>
+              <a:rPr kumimoji="1" lang="ko-KR" altLang="en-US" sz="1400" dirty="0"/>
+              <a:t> 파라미터에 값이 없는 경우 </a:t>
+            </a:r>
+            <a:r>
+              <a:rPr kumimoji="1" lang="en-US" altLang="ko-KR" sz="1400" dirty="0" err="1"/>
+              <a:t>defaultValue</a:t>
+            </a:r>
+            <a:r>
+              <a:rPr kumimoji="1" lang="ko-KR" altLang="en-US" sz="1400" dirty="0"/>
+              <a:t> 속성을 사용하여 기본 값을 적용할 수 있다</a:t>
+            </a:r>
+            <a:r>
+              <a:rPr kumimoji="1" lang="en-US" altLang="ko-KR" sz="1400" dirty="0"/>
+              <a:t>.</a:t>
+            </a:r>
+            <a:r>
+              <a:rPr kumimoji="1" lang="ko-KR" altLang="en-US" sz="1400" dirty="0"/>
+              <a:t> </a:t>
+            </a:r>
+            <a:endParaRPr kumimoji="1" lang="en-US" altLang="ko-KR" sz="1400" dirty="0"/>
+          </a:p>
+          <a:p>
+            <a:r>
+              <a:rPr kumimoji="1" lang="ko-KR" altLang="en-US" sz="1400" dirty="0"/>
+              <a:t>이 경우 기본 값이 설정되어 있기 때문에 </a:t>
+            </a:r>
+            <a:r>
+              <a:rPr kumimoji="1" lang="en-US" altLang="ko-KR" sz="1400" dirty="0"/>
+              <a:t>required</a:t>
+            </a:r>
+            <a:r>
+              <a:rPr kumimoji="1" lang="ko-KR" altLang="en-US" sz="1400" dirty="0"/>
+              <a:t>와 함께 사용하더라도 </a:t>
+            </a:r>
+            <a:r>
+              <a:rPr kumimoji="1" lang="en-US" altLang="ko-KR" sz="1400" dirty="0"/>
+              <a:t>required</a:t>
+            </a:r>
+            <a:r>
+              <a:rPr kumimoji="1" lang="ko-KR" altLang="en-US" sz="1400" dirty="0"/>
+              <a:t>는 의미가 없어진다</a:t>
+            </a:r>
+            <a:r>
+              <a:rPr kumimoji="1" lang="en-US" altLang="ko-KR" sz="1400" dirty="0"/>
+              <a:t>.</a:t>
+            </a:r>
+            <a:r>
+              <a:rPr kumimoji="1" lang="ko-KR" altLang="en-US" sz="1400" dirty="0"/>
+              <a:t> </a:t>
+            </a:r>
+            <a:endParaRPr kumimoji="1" lang="ko-Kore-KR" altLang="en-US" sz="1400" dirty="0"/>
+          </a:p>
+        </p:txBody>
+      </p:sp>
+      <p:sp>
+        <p:nvSpPr>
+          <p:cNvPr id="11" name="TextBox 10">
+            <a:extLst>
+              <a:ext uri="{FF2B5EF4-FFF2-40B4-BE49-F238E27FC236}">
+                <a16:creationId xmlns:a16="http://schemas.microsoft.com/office/drawing/2014/main" id="{9AD83C45-C327-CE62-3B28-C142C7316D7B}"/>
+              </a:ext>
+            </a:extLst>
+          </p:cNvPr>
+          <p:cNvSpPr txBox="1"/>
+          <p:nvPr/>
+        </p:nvSpPr>
+        <p:spPr>
+          <a:xfrm>
+            <a:off x="178243" y="4764280"/>
+            <a:ext cx="11835514" cy="1815882"/>
+          </a:xfrm>
+          <a:prstGeom prst="rect">
+            <a:avLst/>
+          </a:prstGeom>
+          <a:noFill/>
+        </p:spPr>
+        <p:txBody>
+          <a:bodyPr wrap="square">
+            <a:spAutoFit/>
+          </a:bodyPr>
+          <a:lstStyle/>
+          <a:p>
+            <a:r>
+              <a:rPr lang="en" altLang="ko-Kore-KR" sz="1400" b="1" dirty="0">
+                <a:solidFill>
+                  <a:srgbClr val="BBB529"/>
+                </a:solidFill>
+                <a:effectLst/>
+              </a:rPr>
+              <a:t>@</a:t>
+            </a:r>
+            <a:r>
+              <a:rPr lang="en" altLang="ko-Kore-KR" sz="1400" b="1" dirty="0" err="1">
+                <a:solidFill>
+                  <a:srgbClr val="BBB529"/>
+                </a:solidFill>
+                <a:effectLst/>
+              </a:rPr>
+              <a:t>RequestParam</a:t>
+            </a:r>
+            <a:r>
+              <a:rPr lang="en" altLang="ko-Kore-KR" sz="1400" b="1" dirty="0">
+                <a:solidFill>
+                  <a:srgbClr val="BBB529"/>
+                </a:solidFill>
+                <a:effectLst/>
+              </a:rPr>
+              <a:t>(</a:t>
+            </a:r>
+            <a:r>
+              <a:rPr lang="en" altLang="ko-Kore-KR" sz="1400" b="1" dirty="0" err="1">
+                <a:solidFill>
+                  <a:srgbClr val="BBB529"/>
+                </a:solidFill>
+                <a:effectLst/>
+              </a:rPr>
+              <a:t>defaultValue</a:t>
+            </a:r>
+            <a:r>
+              <a:rPr lang="en" altLang="ko-Kore-KR" sz="1400" b="1" dirty="0">
+                <a:solidFill>
+                  <a:srgbClr val="BBB529"/>
+                </a:solidFill>
+                <a:effectLst/>
+              </a:rPr>
+              <a:t> = "guest")</a:t>
+            </a:r>
+            <a:r>
+              <a:rPr lang="en" altLang="ko-Kore-KR" sz="1400" b="1" dirty="0"/>
+              <a:t> String username, </a:t>
+            </a:r>
+            <a:r>
+              <a:rPr lang="en" altLang="ko-Kore-KR" sz="1400" b="1" dirty="0">
+                <a:solidFill>
+                  <a:srgbClr val="BBB529"/>
+                </a:solidFill>
+                <a:effectLst/>
+              </a:rPr>
+              <a:t>@</a:t>
+            </a:r>
+            <a:r>
+              <a:rPr lang="en" altLang="ko-Kore-KR" sz="1400" b="1" dirty="0" err="1">
+                <a:solidFill>
+                  <a:srgbClr val="BBB529"/>
+                </a:solidFill>
+                <a:effectLst/>
+              </a:rPr>
+              <a:t>RequestParam</a:t>
+            </a:r>
+            <a:r>
+              <a:rPr lang="en" altLang="ko-Kore-KR" sz="1400" b="1" dirty="0">
+                <a:solidFill>
+                  <a:srgbClr val="BBB529"/>
+                </a:solidFill>
+                <a:effectLst/>
+              </a:rPr>
+              <a:t>(</a:t>
+            </a:r>
+            <a:r>
+              <a:rPr lang="en" altLang="ko-Kore-KR" sz="1400" b="1" dirty="0" err="1">
+                <a:solidFill>
+                  <a:srgbClr val="BBB529"/>
+                </a:solidFill>
+                <a:effectLst/>
+              </a:rPr>
+              <a:t>defaultValue</a:t>
+            </a:r>
+            <a:r>
+              <a:rPr lang="en" altLang="ko-Kore-KR" sz="1400" b="1" dirty="0">
+                <a:solidFill>
+                  <a:srgbClr val="BBB529"/>
+                </a:solidFill>
+                <a:effectLst/>
+              </a:rPr>
+              <a:t> = "-1")</a:t>
+            </a:r>
+            <a:r>
+              <a:rPr lang="en" altLang="ko-Kore-KR" sz="1400" b="1" dirty="0"/>
+              <a:t> </a:t>
+            </a:r>
+            <a:r>
+              <a:rPr lang="en" altLang="ko-Kore-KR" sz="1400" b="1" dirty="0">
+                <a:solidFill>
+                  <a:srgbClr val="FFC66D"/>
+                </a:solidFill>
+                <a:effectLst/>
+              </a:rPr>
+              <a:t>int</a:t>
+            </a:r>
+            <a:r>
+              <a:rPr lang="en" altLang="ko-Kore-KR" sz="1400" b="1" dirty="0"/>
+              <a:t> age)</a:t>
+            </a:r>
+          </a:p>
+          <a:p>
+            <a:r>
+              <a:rPr lang="en" altLang="ko-Kore-KR" sz="1400" b="1" dirty="0">
+                <a:solidFill>
+                  <a:srgbClr val="BBB529"/>
+                </a:solidFill>
+                <a:effectLst/>
+              </a:rPr>
+              <a:t>@</a:t>
+            </a:r>
+            <a:r>
+              <a:rPr lang="en" altLang="ko-Kore-KR" sz="1400" b="1" dirty="0" err="1">
+                <a:solidFill>
+                  <a:srgbClr val="BBB529"/>
+                </a:solidFill>
+                <a:effectLst/>
+              </a:rPr>
+              <a:t>ResponseBody</a:t>
+            </a:r>
+            <a:r>
+              <a:rPr lang="en" altLang="ko-Kore-KR" sz="1400" b="1" dirty="0"/>
+              <a:t> </a:t>
+            </a:r>
+          </a:p>
+          <a:p>
+            <a:r>
+              <a:rPr lang="en" altLang="ko-Kore-KR" sz="1400" b="1" dirty="0">
+                <a:solidFill>
+                  <a:srgbClr val="BBB529"/>
+                </a:solidFill>
+                <a:effectLst/>
+              </a:rPr>
+              <a:t>@</a:t>
+            </a:r>
+            <a:r>
+              <a:rPr lang="en" altLang="ko-Kore-KR" sz="1400" b="1" dirty="0" err="1">
+                <a:solidFill>
+                  <a:srgbClr val="BBB529"/>
+                </a:solidFill>
+                <a:effectLst/>
+              </a:rPr>
+              <a:t>RequestMapping</a:t>
+            </a:r>
+            <a:r>
+              <a:rPr lang="en" altLang="ko-Kore-KR" sz="1400" b="1" dirty="0">
+                <a:solidFill>
+                  <a:srgbClr val="BBB529"/>
+                </a:solidFill>
+                <a:effectLst/>
+              </a:rPr>
+              <a:t>("/request-param-default")</a:t>
+            </a:r>
+            <a:r>
+              <a:rPr lang="en" altLang="ko-Kore-KR" sz="1400" b="1" dirty="0"/>
+              <a:t> </a:t>
+            </a:r>
+          </a:p>
+          <a:p>
+            <a:r>
+              <a:rPr lang="en" altLang="ko-Kore-KR" sz="1400" b="1" dirty="0">
+                <a:solidFill>
+                  <a:srgbClr val="CC7832"/>
+                </a:solidFill>
+                <a:effectLst/>
+              </a:rPr>
+              <a:t>public</a:t>
+            </a:r>
+            <a:r>
+              <a:rPr lang="en" altLang="ko-Kore-KR" sz="1400" b="1" dirty="0"/>
+              <a:t> String </a:t>
+            </a:r>
+            <a:r>
+              <a:rPr lang="en" altLang="ko-Kore-KR" sz="1400" b="1" dirty="0" err="1">
+                <a:solidFill>
+                  <a:srgbClr val="FFC66D"/>
+                </a:solidFill>
+                <a:effectLst/>
+              </a:rPr>
+              <a:t>requestParamDefault</a:t>
+            </a:r>
+            <a:r>
+              <a:rPr lang="en" altLang="ko-Kore-KR" sz="1400" b="1" dirty="0">
+                <a:effectLst/>
+              </a:rPr>
+              <a:t>( </a:t>
+            </a:r>
+            <a:r>
+              <a:rPr lang="en" altLang="ko-Kore-KR" sz="1400" b="1" dirty="0">
+                <a:solidFill>
+                  <a:srgbClr val="BBB529"/>
+                </a:solidFill>
+                <a:effectLst/>
+              </a:rPr>
+              <a:t>@</a:t>
+            </a:r>
+            <a:r>
+              <a:rPr lang="en" altLang="ko-Kore-KR" sz="1400" b="1" dirty="0" err="1">
+                <a:solidFill>
+                  <a:srgbClr val="BBB529"/>
+                </a:solidFill>
+                <a:effectLst/>
+              </a:rPr>
+              <a:t>RequestParam</a:t>
+            </a:r>
+            <a:r>
+              <a:rPr lang="en" altLang="ko-Kore-KR" sz="1400" b="1" dirty="0">
+                <a:solidFill>
+                  <a:srgbClr val="BBB529"/>
+                </a:solidFill>
+                <a:effectLst/>
+              </a:rPr>
+              <a:t>(required = true, </a:t>
+            </a:r>
+            <a:r>
+              <a:rPr lang="en" altLang="ko-Kore-KR" sz="1400" b="1" dirty="0" err="1">
+                <a:solidFill>
+                  <a:srgbClr val="BBB529"/>
+                </a:solidFill>
+                <a:effectLst/>
+              </a:rPr>
+              <a:t>defaultValue</a:t>
+            </a:r>
+            <a:r>
+              <a:rPr lang="en" altLang="ko-Kore-KR" sz="1400" b="1" dirty="0">
+                <a:solidFill>
+                  <a:srgbClr val="BBB529"/>
+                </a:solidFill>
+                <a:effectLst/>
+              </a:rPr>
+              <a:t> = "guest")</a:t>
+            </a:r>
+            <a:r>
+              <a:rPr lang="en" altLang="ko-Kore-KR" sz="1400" b="1" dirty="0">
+                <a:effectLst/>
+              </a:rPr>
+              <a:t> String username, </a:t>
+            </a:r>
+            <a:r>
+              <a:rPr lang="en" altLang="ko-Kore-KR" sz="1400" b="1" dirty="0">
+                <a:solidFill>
+                  <a:srgbClr val="BBB529"/>
+                </a:solidFill>
+                <a:effectLst/>
+              </a:rPr>
+              <a:t>@</a:t>
+            </a:r>
+            <a:r>
+              <a:rPr lang="en" altLang="ko-Kore-KR" sz="1400" b="1" dirty="0" err="1">
+                <a:solidFill>
+                  <a:srgbClr val="BBB529"/>
+                </a:solidFill>
+                <a:effectLst/>
+              </a:rPr>
+              <a:t>RequestParam</a:t>
+            </a:r>
+            <a:r>
+              <a:rPr lang="en" altLang="ko-Kore-KR" sz="1400" b="1" dirty="0">
+                <a:solidFill>
+                  <a:srgbClr val="BBB529"/>
+                </a:solidFill>
+                <a:effectLst/>
+              </a:rPr>
+              <a:t>(required = false, </a:t>
+            </a:r>
+            <a:r>
+              <a:rPr lang="en" altLang="ko-Kore-KR" sz="1400" b="1" dirty="0" err="1">
+                <a:solidFill>
+                  <a:srgbClr val="BBB529"/>
+                </a:solidFill>
+                <a:effectLst/>
+              </a:rPr>
+              <a:t>defaultValue</a:t>
+            </a:r>
+            <a:r>
+              <a:rPr lang="en" altLang="ko-Kore-KR" sz="1400" b="1" dirty="0">
+                <a:solidFill>
+                  <a:srgbClr val="BBB529"/>
+                </a:solidFill>
+                <a:effectLst/>
+              </a:rPr>
+              <a:t> = "-1")</a:t>
+            </a:r>
+            <a:r>
+              <a:rPr lang="en" altLang="ko-Kore-KR" sz="1400" b="1" dirty="0">
+                <a:effectLst/>
+              </a:rPr>
+              <a:t> </a:t>
+            </a:r>
+            <a:r>
+              <a:rPr lang="en" altLang="ko-Kore-KR" sz="1400" b="1" dirty="0">
+                <a:solidFill>
+                  <a:srgbClr val="FFC66D"/>
+                </a:solidFill>
+                <a:effectLst/>
+              </a:rPr>
+              <a:t>int</a:t>
+            </a:r>
+            <a:r>
+              <a:rPr lang="en" altLang="ko-Kore-KR" sz="1400" b="1" dirty="0">
+                <a:effectLst/>
+              </a:rPr>
+              <a:t> age)</a:t>
+            </a:r>
+            <a:r>
+              <a:rPr lang="en" altLang="ko-Kore-KR" sz="1400" b="1" dirty="0"/>
+              <a:t> {</a:t>
+            </a:r>
+          </a:p>
+          <a:p>
+            <a:r>
+              <a:rPr lang="en" altLang="ko-Kore-KR" sz="1400" b="1" dirty="0"/>
+              <a:t> 	</a:t>
+            </a:r>
+            <a:r>
+              <a:rPr lang="en" altLang="ko-Kore-KR" sz="1400" b="1" dirty="0" err="1"/>
+              <a:t>log.info</a:t>
+            </a:r>
+            <a:r>
+              <a:rPr lang="en" altLang="ko-Kore-KR" sz="1400" b="1" dirty="0"/>
+              <a:t>(</a:t>
+            </a:r>
+            <a:r>
+              <a:rPr lang="en" altLang="ko-Kore-KR" sz="1400" b="1" dirty="0">
+                <a:solidFill>
+                  <a:srgbClr val="6A8759"/>
+                </a:solidFill>
+                <a:effectLst/>
+              </a:rPr>
+              <a:t>"username={}, age={}"</a:t>
+            </a:r>
+            <a:r>
+              <a:rPr lang="en" altLang="ko-Kore-KR" sz="1400" b="1" dirty="0"/>
+              <a:t>, username, age); </a:t>
+            </a:r>
+          </a:p>
+          <a:p>
+            <a:r>
+              <a:rPr lang="en" altLang="ko-Kore-KR" sz="1400" b="1" dirty="0">
+                <a:solidFill>
+                  <a:srgbClr val="CC7832"/>
+                </a:solidFill>
+                <a:effectLst/>
+              </a:rPr>
+              <a:t>	return</a:t>
+            </a:r>
+            <a:r>
+              <a:rPr lang="en" altLang="ko-Kore-KR" sz="1400" b="1" dirty="0"/>
+              <a:t> </a:t>
+            </a:r>
+            <a:r>
+              <a:rPr lang="en" altLang="ko-Kore-KR" sz="1400" b="1" dirty="0">
+                <a:solidFill>
+                  <a:srgbClr val="6A8759"/>
+                </a:solidFill>
+                <a:effectLst/>
+              </a:rPr>
+              <a:t>"ok"</a:t>
+            </a:r>
+            <a:r>
+              <a:rPr lang="en" altLang="ko-Kore-KR" sz="1400" b="1" dirty="0"/>
+              <a:t>;</a:t>
+            </a:r>
+          </a:p>
+          <a:p>
+            <a:r>
+              <a:rPr lang="en" altLang="ko-Kore-KR" sz="1400" b="1" dirty="0"/>
+              <a:t> }</a:t>
+            </a:r>
+            <a:endParaRPr lang="ko-Kore-KR" altLang="en-US" sz="1400" b="1" dirty="0"/>
+          </a:p>
+        </p:txBody>
+      </p:sp>
+      <p:sp>
+        <p:nvSpPr>
+          <p:cNvPr id="13" name="TextBox 12">
+            <a:extLst>
+              <a:ext uri="{FF2B5EF4-FFF2-40B4-BE49-F238E27FC236}">
+                <a16:creationId xmlns:a16="http://schemas.microsoft.com/office/drawing/2014/main" id="{23B66E82-BAA1-414D-04FF-EDB99811D6EF}"/>
+              </a:ext>
+            </a:extLst>
+          </p:cNvPr>
+          <p:cNvSpPr txBox="1"/>
+          <p:nvPr/>
+        </p:nvSpPr>
+        <p:spPr>
+          <a:xfrm>
+            <a:off x="4845269" y="5697188"/>
+            <a:ext cx="11960772" cy="1061829"/>
+          </a:xfrm>
+          <a:prstGeom prst="rect">
+            <a:avLst/>
+          </a:prstGeom>
+          <a:noFill/>
+        </p:spPr>
+        <p:txBody>
+          <a:bodyPr wrap="square">
+            <a:spAutoFit/>
+          </a:bodyPr>
+          <a:lstStyle/>
+          <a:p>
+            <a:pPr algn="l"/>
+            <a:r>
+              <a:rPr lang="ko-KR" altLang="en-US" sz="900" b="1" i="0" dirty="0">
+                <a:solidFill>
+                  <a:srgbClr val="555555"/>
+                </a:solidFill>
+                <a:effectLst/>
+                <a:latin typeface="Noto Sans KR"/>
+              </a:rPr>
+              <a:t>이 경우 </a:t>
+            </a:r>
+            <a:r>
+              <a:rPr lang="en" altLang="ko-Kore-KR" sz="900" b="1" i="0" dirty="0">
+                <a:solidFill>
+                  <a:srgbClr val="555555"/>
+                </a:solidFill>
+                <a:effectLst/>
+                <a:latin typeface="Noto Sans KR"/>
+              </a:rPr>
+              <a:t>required</a:t>
+            </a:r>
+            <a:r>
+              <a:rPr lang="ko-KR" altLang="en-US" sz="900" b="1" i="0" dirty="0">
+                <a:solidFill>
+                  <a:srgbClr val="555555"/>
+                </a:solidFill>
+                <a:effectLst/>
+                <a:latin typeface="Noto Sans KR"/>
+              </a:rPr>
+              <a:t>는 의미가 없어진다</a:t>
+            </a:r>
+            <a:r>
+              <a:rPr lang="en-US" altLang="ko-KR" sz="900" b="1" i="0" dirty="0">
+                <a:solidFill>
+                  <a:srgbClr val="555555"/>
+                </a:solidFill>
+                <a:effectLst/>
+                <a:latin typeface="Noto Sans KR"/>
+              </a:rPr>
+              <a:t>.</a:t>
+            </a:r>
+          </a:p>
+          <a:p>
+            <a:pPr algn="l" latinLnBrk="1">
+              <a:buFont typeface="Arial" panose="020B0604020202020204" pitchFamily="34" charset="0"/>
+              <a:buChar char="•"/>
+            </a:pPr>
+            <a:r>
+              <a:rPr lang="en-US" altLang="ko-KR" sz="900" b="1" i="0" dirty="0">
+                <a:solidFill>
+                  <a:srgbClr val="333333"/>
+                </a:solidFill>
+                <a:effectLst/>
+                <a:latin typeface="Noto Sans KR"/>
+              </a:rPr>
+              <a:t>/</a:t>
+            </a:r>
+            <a:r>
+              <a:rPr lang="en" altLang="ko-Kore-KR" sz="900" b="1" i="0" dirty="0">
+                <a:solidFill>
+                  <a:srgbClr val="333333"/>
+                </a:solidFill>
+                <a:effectLst/>
+                <a:latin typeface="Noto Sans KR"/>
+              </a:rPr>
+              <a:t>request-param-default</a:t>
+            </a:r>
+            <a:r>
+              <a:rPr lang="ko-KR" altLang="en-US" sz="900" b="1" i="0" dirty="0" err="1">
+                <a:solidFill>
+                  <a:srgbClr val="333333"/>
+                </a:solidFill>
+                <a:effectLst/>
+                <a:latin typeface="Noto Sans KR"/>
+              </a:rPr>
+              <a:t>를</a:t>
+            </a:r>
+            <a:r>
+              <a:rPr lang="ko-KR" altLang="en-US" sz="900" b="1" i="0" dirty="0">
+                <a:solidFill>
+                  <a:srgbClr val="333333"/>
+                </a:solidFill>
+                <a:effectLst/>
+                <a:latin typeface="Noto Sans KR"/>
+              </a:rPr>
+              <a:t> 요청한 경우 </a:t>
+            </a:r>
+            <a:r>
+              <a:rPr lang="en" altLang="ko-Kore-KR" sz="900" b="1" i="0" dirty="0">
+                <a:solidFill>
+                  <a:srgbClr val="333333"/>
+                </a:solidFill>
+                <a:effectLst/>
+                <a:latin typeface="Noto Sans KR"/>
+              </a:rPr>
+              <a:t>username=guest, age=-1</a:t>
+            </a:r>
+          </a:p>
+          <a:p>
+            <a:pPr algn="l" latinLnBrk="1">
+              <a:buFont typeface="Arial" panose="020B0604020202020204" pitchFamily="34" charset="0"/>
+              <a:buChar char="•"/>
+            </a:pPr>
+            <a:r>
+              <a:rPr lang="en" altLang="ko-Kore-KR" sz="900" b="1" i="0" dirty="0">
+                <a:solidFill>
+                  <a:srgbClr val="333333"/>
+                </a:solidFill>
+                <a:effectLst/>
+                <a:latin typeface="Noto Sans KR"/>
+              </a:rPr>
+              <a:t>/</a:t>
+            </a:r>
+            <a:r>
+              <a:rPr lang="en" altLang="ko-Kore-KR" sz="900" b="1" i="0" dirty="0" err="1">
+                <a:solidFill>
+                  <a:srgbClr val="333333"/>
+                </a:solidFill>
+                <a:effectLst/>
+                <a:latin typeface="Noto Sans KR"/>
+              </a:rPr>
+              <a:t>request-param-default?username</a:t>
+            </a:r>
+            <a:r>
+              <a:rPr lang="en" altLang="ko-Kore-KR" sz="900" b="1" i="0" dirty="0">
+                <a:solidFill>
+                  <a:srgbClr val="333333"/>
+                </a:solidFill>
+                <a:effectLst/>
+                <a:latin typeface="Noto Sans KR"/>
+              </a:rPr>
+              <a:t>=hello</a:t>
+            </a:r>
+            <a:r>
+              <a:rPr lang="ko-KR" altLang="en-US" sz="900" b="1" i="0" dirty="0" err="1">
+                <a:solidFill>
+                  <a:srgbClr val="333333"/>
+                </a:solidFill>
+                <a:effectLst/>
+                <a:latin typeface="Noto Sans KR"/>
+              </a:rPr>
+              <a:t>를</a:t>
+            </a:r>
+            <a:r>
+              <a:rPr lang="ko-KR" altLang="en-US" sz="900" b="1" i="0" dirty="0">
+                <a:solidFill>
+                  <a:srgbClr val="333333"/>
+                </a:solidFill>
+                <a:effectLst/>
+                <a:latin typeface="Noto Sans KR"/>
+              </a:rPr>
+              <a:t> 요청한 경우 </a:t>
+            </a:r>
+            <a:r>
+              <a:rPr lang="en" altLang="ko-Kore-KR" sz="900" b="1" i="0" dirty="0">
+                <a:solidFill>
+                  <a:srgbClr val="333333"/>
+                </a:solidFill>
+                <a:effectLst/>
+                <a:latin typeface="Noto Sans KR"/>
+              </a:rPr>
+              <a:t>username=hello, age=-1</a:t>
+            </a:r>
+          </a:p>
+          <a:p>
+            <a:pPr algn="l" latinLnBrk="1">
+              <a:buFont typeface="Arial" panose="020B0604020202020204" pitchFamily="34" charset="0"/>
+              <a:buChar char="•"/>
+            </a:pPr>
+            <a:r>
+              <a:rPr lang="en" altLang="ko-Kore-KR" sz="900" b="1" i="0" dirty="0">
+                <a:solidFill>
+                  <a:srgbClr val="333333"/>
+                </a:solidFill>
+                <a:effectLst/>
+                <a:latin typeface="Noto Sans KR"/>
+              </a:rPr>
+              <a:t>/</a:t>
+            </a:r>
+            <a:r>
+              <a:rPr lang="en" altLang="ko-Kore-KR" sz="900" b="1" i="0" dirty="0" err="1">
+                <a:solidFill>
+                  <a:srgbClr val="333333"/>
+                </a:solidFill>
+                <a:effectLst/>
+                <a:latin typeface="Noto Sans KR"/>
+              </a:rPr>
+              <a:t>request-param-default?age</a:t>
+            </a:r>
+            <a:r>
+              <a:rPr lang="en" altLang="ko-Kore-KR" sz="900" b="1" i="0" dirty="0">
+                <a:solidFill>
+                  <a:srgbClr val="333333"/>
+                </a:solidFill>
+                <a:effectLst/>
+                <a:latin typeface="Noto Sans KR"/>
+              </a:rPr>
+              <a:t>=20</a:t>
+            </a:r>
+            <a:r>
+              <a:rPr lang="ko-KR" altLang="en-US" sz="900" b="1" i="0" dirty="0">
+                <a:solidFill>
+                  <a:srgbClr val="333333"/>
+                </a:solidFill>
+                <a:effectLst/>
+                <a:latin typeface="Noto Sans KR"/>
+              </a:rPr>
+              <a:t>을 요청한 경우 </a:t>
+            </a:r>
+            <a:r>
+              <a:rPr lang="en" altLang="ko-Kore-KR" sz="900" b="1" i="0" dirty="0">
+                <a:solidFill>
+                  <a:srgbClr val="333333"/>
+                </a:solidFill>
+                <a:effectLst/>
+                <a:latin typeface="Noto Sans KR"/>
+              </a:rPr>
+              <a:t>username=guest, age=20</a:t>
+            </a:r>
+          </a:p>
+          <a:p>
+            <a:pPr algn="l"/>
+            <a:r>
+              <a:rPr lang="en" altLang="ko-Kore-KR" sz="900" b="1" i="0" dirty="0">
+                <a:solidFill>
+                  <a:srgbClr val="555555"/>
+                </a:solidFill>
+                <a:effectLst/>
+                <a:latin typeface="Noto Sans KR"/>
+              </a:rPr>
+              <a:t> </a:t>
+            </a:r>
+          </a:p>
+          <a:p>
+            <a:pPr algn="l"/>
+            <a:r>
+              <a:rPr lang="ko-KR" altLang="en-US" sz="900" b="1" i="0" dirty="0">
+                <a:solidFill>
+                  <a:srgbClr val="555555"/>
+                </a:solidFill>
+                <a:effectLst/>
+                <a:latin typeface="Noto Sans KR"/>
+              </a:rPr>
+              <a:t>추가적으로 </a:t>
+            </a:r>
+            <a:r>
+              <a:rPr lang="en" altLang="ko-Kore-KR" sz="900" b="1" i="0" dirty="0">
+                <a:solidFill>
+                  <a:srgbClr val="555555"/>
+                </a:solidFill>
+                <a:effectLst/>
+                <a:latin typeface="Noto Sans KR"/>
+              </a:rPr>
+              <a:t>username</a:t>
+            </a:r>
+            <a:r>
+              <a:rPr lang="ko-KR" altLang="en-US" sz="900" b="1" i="0" dirty="0">
+                <a:solidFill>
+                  <a:srgbClr val="555555"/>
+                </a:solidFill>
+                <a:effectLst/>
+                <a:latin typeface="Noto Sans KR"/>
+              </a:rPr>
+              <a:t>을 공백</a:t>
+            </a:r>
+            <a:r>
+              <a:rPr lang="en-US" altLang="ko-KR" sz="900" b="1" i="0" dirty="0">
+                <a:solidFill>
+                  <a:srgbClr val="555555"/>
+                </a:solidFill>
+                <a:effectLst/>
+                <a:latin typeface="Noto Sans KR"/>
+              </a:rPr>
+              <a:t>(“”)</a:t>
+            </a:r>
+            <a:r>
+              <a:rPr lang="ko-KR" altLang="en-US" sz="900" b="1" i="0" dirty="0" err="1">
+                <a:solidFill>
+                  <a:srgbClr val="555555"/>
+                </a:solidFill>
+                <a:effectLst/>
+                <a:latin typeface="Noto Sans KR"/>
+              </a:rPr>
+              <a:t>으로</a:t>
+            </a:r>
+            <a:r>
+              <a:rPr lang="ko-KR" altLang="en-US" sz="900" b="1" i="0" dirty="0">
+                <a:solidFill>
+                  <a:srgbClr val="555555"/>
+                </a:solidFill>
+                <a:effectLst/>
+                <a:latin typeface="Noto Sans KR"/>
+              </a:rPr>
+              <a:t> 전달하더라도 </a:t>
+            </a:r>
+            <a:r>
+              <a:rPr lang="en" altLang="ko-Kore-KR" sz="900" b="1" i="0" dirty="0" err="1">
+                <a:solidFill>
+                  <a:srgbClr val="555555"/>
+                </a:solidFill>
+                <a:effectLst/>
+                <a:latin typeface="Noto Sans KR"/>
+              </a:rPr>
+              <a:t>defaultValue</a:t>
+            </a:r>
+            <a:r>
+              <a:rPr lang="ko-KR" altLang="en-US" sz="900" b="1" i="0" dirty="0">
+                <a:solidFill>
+                  <a:srgbClr val="555555"/>
+                </a:solidFill>
+                <a:effectLst/>
+                <a:latin typeface="Noto Sans KR"/>
+              </a:rPr>
+              <a:t>인 </a:t>
+            </a:r>
+            <a:r>
+              <a:rPr lang="en" altLang="ko-Kore-KR" sz="900" b="1" i="0" dirty="0">
+                <a:solidFill>
+                  <a:srgbClr val="555555"/>
+                </a:solidFill>
+                <a:effectLst/>
+                <a:latin typeface="Noto Sans KR"/>
+              </a:rPr>
+              <a:t>guest</a:t>
+            </a:r>
+            <a:r>
+              <a:rPr lang="ko-KR" altLang="en-US" sz="900" b="1" i="0" dirty="0">
+                <a:solidFill>
+                  <a:srgbClr val="555555"/>
+                </a:solidFill>
+                <a:effectLst/>
+                <a:latin typeface="Noto Sans KR"/>
+              </a:rPr>
+              <a:t>로 적용된다</a:t>
+            </a:r>
+            <a:r>
+              <a:rPr lang="en-US" altLang="ko-KR" sz="900" b="1" i="0" dirty="0">
+                <a:solidFill>
+                  <a:srgbClr val="555555"/>
+                </a:solidFill>
+                <a:effectLst/>
+                <a:latin typeface="Noto Sans KR"/>
+              </a:rPr>
+              <a:t>.</a:t>
+            </a:r>
+          </a:p>
+          <a:p>
+            <a:pPr algn="l" latinLnBrk="1">
+              <a:buFont typeface="Arial" panose="020B0604020202020204" pitchFamily="34" charset="0"/>
+              <a:buChar char="•"/>
+            </a:pPr>
+            <a:r>
+              <a:rPr lang="en-US" altLang="ko-KR" sz="900" b="1" i="0" dirty="0">
+                <a:solidFill>
+                  <a:srgbClr val="333333"/>
+                </a:solidFill>
+                <a:effectLst/>
+                <a:latin typeface="Noto Sans KR"/>
+              </a:rPr>
+              <a:t>/</a:t>
+            </a:r>
+            <a:r>
+              <a:rPr lang="en" altLang="ko-Kore-KR" sz="900" b="1" i="0" dirty="0" err="1">
+                <a:solidFill>
+                  <a:srgbClr val="333333"/>
+                </a:solidFill>
+                <a:effectLst/>
+                <a:latin typeface="Noto Sans KR"/>
+              </a:rPr>
+              <a:t>request-param-default?username</a:t>
+            </a:r>
+            <a:r>
+              <a:rPr lang="en" altLang="ko-Kore-KR" sz="900" b="1" i="0" dirty="0">
+                <a:solidFill>
+                  <a:srgbClr val="333333"/>
+                </a:solidFill>
+                <a:effectLst/>
+                <a:latin typeface="Noto Sans KR"/>
+              </a:rPr>
+              <a:t>=</a:t>
+            </a:r>
+            <a:r>
+              <a:rPr lang="ko-KR" altLang="en-US" sz="900" b="1" i="0" dirty="0" err="1">
+                <a:solidFill>
+                  <a:srgbClr val="333333"/>
+                </a:solidFill>
+                <a:effectLst/>
+                <a:latin typeface="Noto Sans KR"/>
+              </a:rPr>
+              <a:t>를</a:t>
+            </a:r>
+            <a:r>
+              <a:rPr lang="ko-KR" altLang="en-US" sz="900" b="1" i="0" dirty="0">
+                <a:solidFill>
+                  <a:srgbClr val="333333"/>
+                </a:solidFill>
+                <a:effectLst/>
+                <a:latin typeface="Noto Sans KR"/>
+              </a:rPr>
+              <a:t> 요청한 경우 </a:t>
+            </a:r>
+            <a:r>
+              <a:rPr lang="en" altLang="ko-Kore-KR" sz="900" b="1" i="0" dirty="0">
+                <a:solidFill>
+                  <a:srgbClr val="333333"/>
+                </a:solidFill>
+                <a:effectLst/>
+                <a:latin typeface="Noto Sans KR"/>
+              </a:rPr>
+              <a:t>username=guest, age=-1</a:t>
+            </a:r>
           </a:p>
         </p:txBody>
       </p:sp>
@@ -8282,7 +9793,7 @@
         </p:nvSpPr>
         <p:spPr>
           <a:xfrm>
-            <a:off x="284658" y="0"/>
+            <a:off x="240846" y="-451945"/>
             <a:ext cx="5981278" cy="1684638"/>
           </a:xfrm>
           <a:prstGeom prst="rect">
@@ -8307,7 +9818,7 @@
               </a:spcAft>
             </a:pPr>
             <a:r>
-              <a:rPr kumimoji="1" lang="en-US" altLang="ko-KR" sz="4000" b="1" dirty="0">
+              <a:rPr kumimoji="1" lang="en-US" altLang="ko-KR" sz="3500" b="1" dirty="0">
                 <a:latin typeface="+mj-ea"/>
                 <a:ea typeface="+mj-ea"/>
                 <a:cs typeface="+mj-cs"/>
@@ -8315,14 +9826,14 @@
               <a:t>@</a:t>
             </a:r>
             <a:r>
-              <a:rPr kumimoji="1" lang="en-US" altLang="ko-KR" sz="4000" b="1" dirty="0" err="1">
+              <a:rPr kumimoji="1" lang="en-US" altLang="ko-KR" sz="3500" b="1" dirty="0" err="1">
                 <a:latin typeface="+mj-ea"/>
                 <a:ea typeface="+mj-ea"/>
                 <a:cs typeface="+mj-cs"/>
               </a:rPr>
               <a:t>RequestBody</a:t>
             </a:r>
-            <a:endParaRPr kumimoji="1" lang="en-US" altLang="en-US" sz="4000" b="1" dirty="0">
+            <a:endParaRPr kumimoji="1" lang="en-US" altLang="en-US" sz="3500" b="1" dirty="0">
               <a:latin typeface="+mj-ea"/>
               <a:ea typeface="+mj-ea"/>
               <a:cs typeface="+mj-cs"/>
@@ -8330,6 +9841,170 @@
           </a:p>
         </p:txBody>
       </p:sp>
+      <p:pic>
+        <p:nvPicPr>
+          <p:cNvPr id="5" name="그림 4" descr="텍스트, 스크린샷, 폰트, 디자인이(가) 표시된 사진&#10;&#10;자동 생성된 설명">
+            <a:extLst>
+              <a:ext uri="{FF2B5EF4-FFF2-40B4-BE49-F238E27FC236}">
+                <a16:creationId xmlns:a16="http://schemas.microsoft.com/office/drawing/2014/main" id="{0CB9AC65-DEF7-3FA3-2129-B13FC5E03316}"/>
+              </a:ext>
+            </a:extLst>
+          </p:cNvPr>
+          <p:cNvPicPr>
+            <a:picLocks noChangeAspect="1"/>
+          </p:cNvPicPr>
+          <p:nvPr/>
+        </p:nvPicPr>
+        <p:blipFill>
+          <a:blip r:embed="rId3"/>
+          <a:stretch>
+            <a:fillRect/>
+          </a:stretch>
+        </p:blipFill>
+        <p:spPr>
+          <a:xfrm>
+            <a:off x="0" y="1031150"/>
+            <a:ext cx="6095999" cy="5233016"/>
+          </a:xfrm>
+          <a:prstGeom prst="rect">
+            <a:avLst/>
+          </a:prstGeom>
+          <a:ln>
+            <a:noFill/>
+          </a:ln>
+          <a:effectLst>
+            <a:outerShdw blurRad="292100" dist="139700" dir="2700000" algn="tl" rotWithShape="0">
+              <a:srgbClr val="333333">
+                <a:alpha val="65000"/>
+              </a:srgbClr>
+            </a:outerShdw>
+          </a:effectLst>
+        </p:spPr>
+      </p:pic>
+      <p:pic>
+        <p:nvPicPr>
+          <p:cNvPr id="7" name="그림 6" descr="텍스트, 영수증, 폰트, 대수학이(가) 표시된 사진&#10;&#10;자동 생성된 설명">
+            <a:extLst>
+              <a:ext uri="{FF2B5EF4-FFF2-40B4-BE49-F238E27FC236}">
+                <a16:creationId xmlns:a16="http://schemas.microsoft.com/office/drawing/2014/main" id="{BAB613F7-AAFB-3320-5DF4-CE44B864DF14}"/>
+              </a:ext>
+            </a:extLst>
+          </p:cNvPr>
+          <p:cNvPicPr>
+            <a:picLocks noChangeAspect="1"/>
+          </p:cNvPicPr>
+          <p:nvPr/>
+        </p:nvPicPr>
+        <p:blipFill>
+          <a:blip r:embed="rId4"/>
+          <a:stretch>
+            <a:fillRect/>
+          </a:stretch>
+        </p:blipFill>
+        <p:spPr>
+          <a:xfrm>
+            <a:off x="6210721" y="1031150"/>
+            <a:ext cx="5981278" cy="3690552"/>
+          </a:xfrm>
+          <a:prstGeom prst="rect">
+            <a:avLst/>
+          </a:prstGeom>
+          <a:ln>
+            <a:noFill/>
+          </a:ln>
+          <a:effectLst>
+            <a:outerShdw blurRad="292100" dist="139700" dir="2700000" algn="tl" rotWithShape="0">
+              <a:srgbClr val="333333">
+                <a:alpha val="65000"/>
+              </a:srgbClr>
+            </a:outerShdw>
+          </a:effectLst>
+        </p:spPr>
+      </p:pic>
+      <p:cxnSp>
+        <p:nvCxnSpPr>
+          <p:cNvPr id="9" name="직선 연결선[R] 8">
+            <a:extLst>
+              <a:ext uri="{FF2B5EF4-FFF2-40B4-BE49-F238E27FC236}">
+                <a16:creationId xmlns:a16="http://schemas.microsoft.com/office/drawing/2014/main" id="{ECC109F4-F4B5-63BE-441B-EFCB9910C2AB}"/>
+              </a:ext>
+            </a:extLst>
+          </p:cNvPr>
+          <p:cNvCxnSpPr>
+            <a:cxnSpLocks/>
+          </p:cNvCxnSpPr>
+          <p:nvPr/>
+        </p:nvCxnSpPr>
+        <p:spPr>
+          <a:xfrm>
+            <a:off x="167273" y="5085054"/>
+            <a:ext cx="4110437" cy="0"/>
+          </a:xfrm>
+          <a:prstGeom prst="line">
+            <a:avLst/>
+          </a:prstGeom>
+          <a:ln>
+            <a:solidFill>
+              <a:srgbClr val="FF0000"/>
+            </a:solidFill>
+          </a:ln>
+        </p:spPr>
+        <p:style>
+          <a:lnRef idx="1">
+            <a:schemeClr val="dk1"/>
+          </a:lnRef>
+          <a:fillRef idx="0">
+            <a:schemeClr val="dk1"/>
+          </a:fillRef>
+          <a:effectRef idx="0">
+            <a:schemeClr val="dk1"/>
+          </a:effectRef>
+          <a:fontRef idx="minor">
+            <a:schemeClr val="tx1"/>
+          </a:fontRef>
+        </p:style>
+      </p:cxnSp>
+      <p:cxnSp>
+        <p:nvCxnSpPr>
+          <p:cNvPr id="12" name="직선 연결선[R] 11">
+            <a:extLst>
+              <a:ext uri="{FF2B5EF4-FFF2-40B4-BE49-F238E27FC236}">
+                <a16:creationId xmlns:a16="http://schemas.microsoft.com/office/drawing/2014/main" id="{811789F9-6593-681B-A259-C56109789662}"/>
+              </a:ext>
+            </a:extLst>
+          </p:cNvPr>
+          <p:cNvCxnSpPr/>
+          <p:nvPr/>
+        </p:nvCxnSpPr>
+        <p:spPr>
+          <a:xfrm>
+            <a:off x="546538" y="5602014"/>
+            <a:ext cx="4792717" cy="0"/>
+          </a:xfrm>
+          <a:prstGeom prst="line">
+            <a:avLst/>
+          </a:prstGeom>
+          <a:ln>
+            <a:solidFill>
+              <a:srgbClr val="FF0000"/>
+            </a:solidFill>
+          </a:ln>
+        </p:spPr>
+        <p:style>
+          <a:lnRef idx="1">
+            <a:schemeClr val="accent1"/>
+          </a:lnRef>
+          <a:fillRef idx="0">
+            <a:schemeClr val="accent1"/>
+          </a:fillRef>
+          <a:effectRef idx="0">
+            <a:schemeClr val="accent1"/>
+          </a:effectRef>
+          <a:fontRef idx="minor">
+            <a:schemeClr val="tx1"/>
+          </a:fontRef>
+        </p:style>
+      </p:cxnSp>
     </p:spTree>
     <p:extLst>
       <p:ext uri="{BB962C8B-B14F-4D97-AF65-F5344CB8AC3E}">
@@ -8414,10 +10089,10 @@
       </p:sp>
       <p:sp>
         <p:nvSpPr>
-          <p:cNvPr id="2" name="TextBox 1">
+          <p:cNvPr id="4" name="TextBox 3">
             <a:extLst>
               <a:ext uri="{FF2B5EF4-FFF2-40B4-BE49-F238E27FC236}">
-                <a16:creationId xmlns:a16="http://schemas.microsoft.com/office/drawing/2014/main" id="{9E55D9DB-4102-9C4A-E21C-DEE97875A7A7}"/>
+                <a16:creationId xmlns:a16="http://schemas.microsoft.com/office/drawing/2014/main" id="{5A036AC7-A63A-A19A-A245-02253244E478}"/>
               </a:ext>
             </a:extLst>
           </p:cNvPr>
@@ -8426,7 +10101,7 @@
         </p:nvSpPr>
         <p:spPr>
           <a:xfrm>
-            <a:off x="284658" y="0"/>
+            <a:off x="240846" y="-451945"/>
             <a:ext cx="5981278" cy="1684638"/>
           </a:xfrm>
           <a:prstGeom prst="rect">
@@ -8451,30 +10126,38 @@
               </a:spcAft>
             </a:pPr>
             <a:r>
-              <a:rPr kumimoji="1" lang="en-US" altLang="en-US" sz="4000" b="1" dirty="0">
+              <a:rPr kumimoji="1" lang="en-US" altLang="ko-KR" sz="3500" b="1" dirty="0">
                 <a:latin typeface="+mj-ea"/>
                 <a:ea typeface="+mj-ea"/>
                 <a:cs typeface="+mj-cs"/>
               </a:rPr>
-              <a:t>Spring Security</a:t>
-            </a:r>
-            <a:r>
-              <a:rPr kumimoji="1" lang="ko-KR" altLang="en-US" sz="4000" b="1" dirty="0">
+              <a:t>@</a:t>
+            </a:r>
+            <a:r>
+              <a:rPr kumimoji="1" lang="en-US" altLang="ko-KR" sz="3500" b="1" dirty="0" err="1">
                 <a:latin typeface="+mj-ea"/>
                 <a:ea typeface="+mj-ea"/>
                 <a:cs typeface="+mj-cs"/>
               </a:rPr>
-              <a:t> 란</a:t>
-            </a:r>
-            <a:r>
-              <a:rPr kumimoji="1" lang="en-US" altLang="ko-KR" sz="4000" b="1" dirty="0">
+              <a:t>RequestBody</a:t>
+            </a:r>
+            <a:r>
+              <a:rPr kumimoji="1" lang="ko-KR" altLang="en-US" sz="3500" b="1" dirty="0">
                 <a:latin typeface="+mj-ea"/>
                 <a:ea typeface="+mj-ea"/>
                 <a:cs typeface="+mj-cs"/>
               </a:rPr>
-              <a:t>?</a:t>
-            </a:r>
-            <a:endParaRPr kumimoji="1" lang="en-US" altLang="en-US" sz="4000" b="1" dirty="0">
+              <a:t> </a:t>
+            </a:r>
+            <a:r>
+              <a:rPr kumimoji="1" lang="en-US" altLang="ko-KR" sz="3500" b="1" dirty="0">
+                <a:latin typeface="+mj-ea"/>
+                <a:ea typeface="+mj-ea"/>
+                <a:cs typeface="+mj-cs"/>
+              </a:rPr>
+              <a:t>-&gt;</a:t>
+            </a:r>
+            <a:endParaRPr kumimoji="1" lang="en-US" altLang="en-US" sz="3500" b="1" dirty="0">
               <a:latin typeface="+mj-ea"/>
               <a:ea typeface="+mj-ea"/>
               <a:cs typeface="+mj-cs"/>
@@ -8482,6 +10165,1031 @@
           </a:p>
         </p:txBody>
       </p:sp>
+      <p:sp>
+        <p:nvSpPr>
+          <p:cNvPr id="6" name="TextBox 5">
+            <a:extLst>
+              <a:ext uri="{FF2B5EF4-FFF2-40B4-BE49-F238E27FC236}">
+                <a16:creationId xmlns:a16="http://schemas.microsoft.com/office/drawing/2014/main" id="{A53A6276-66BA-0B1F-8FF1-04EFEC6F2F50}"/>
+              </a:ext>
+            </a:extLst>
+          </p:cNvPr>
+          <p:cNvSpPr txBox="1"/>
+          <p:nvPr/>
+        </p:nvSpPr>
+        <p:spPr>
+          <a:xfrm>
+            <a:off x="4256690" y="205708"/>
+            <a:ext cx="6096000" cy="369332"/>
+          </a:xfrm>
+          <a:prstGeom prst="rect">
+            <a:avLst/>
+          </a:prstGeom>
+          <a:noFill/>
+        </p:spPr>
+        <p:txBody>
+          <a:bodyPr wrap="square">
+            <a:spAutoFit/>
+          </a:bodyPr>
+          <a:lstStyle/>
+          <a:p>
+            <a:r>
+              <a:rPr lang="en" altLang="ko-Kore-KR" b="0" i="0" dirty="0" err="1">
+                <a:solidFill>
+                  <a:srgbClr val="212529"/>
+                </a:solidFill>
+                <a:effectLst/>
+                <a:highlight>
+                  <a:srgbClr val="FFFF00"/>
+                </a:highlight>
+                <a:latin typeface="-apple-system"/>
+              </a:rPr>
+              <a:t>json</a:t>
+            </a:r>
+            <a:r>
+              <a:rPr lang="en" altLang="ko-Kore-KR" b="0" i="0" dirty="0">
+                <a:solidFill>
+                  <a:srgbClr val="212529"/>
+                </a:solidFill>
+                <a:effectLst/>
+                <a:highlight>
+                  <a:srgbClr val="FFFF00"/>
+                </a:highlight>
+                <a:latin typeface="-apple-system"/>
+              </a:rPr>
+              <a:t> </a:t>
+            </a:r>
+            <a:r>
+              <a:rPr lang="ko-KR" altLang="en-US" b="0" i="0" dirty="0">
+                <a:solidFill>
+                  <a:srgbClr val="212529"/>
+                </a:solidFill>
+                <a:effectLst/>
+                <a:highlight>
+                  <a:srgbClr val="FFFF00"/>
+                </a:highlight>
+                <a:latin typeface="-apple-system"/>
+              </a:rPr>
+              <a:t>기반의 </a:t>
+            </a:r>
+            <a:r>
+              <a:rPr lang="en" altLang="ko-Kore-KR" b="0" i="0" dirty="0">
+                <a:solidFill>
+                  <a:srgbClr val="212529"/>
+                </a:solidFill>
+                <a:effectLst/>
+                <a:highlight>
+                  <a:srgbClr val="FFFF00"/>
+                </a:highlight>
+                <a:latin typeface="-apple-system"/>
+              </a:rPr>
+              <a:t>HTTP Body</a:t>
+            </a:r>
+            <a:r>
+              <a:rPr lang="ko-KR" altLang="en-US" b="0" i="0" dirty="0" err="1">
+                <a:solidFill>
+                  <a:srgbClr val="212529"/>
+                </a:solidFill>
+                <a:effectLst/>
+                <a:highlight>
+                  <a:srgbClr val="FFFF00"/>
+                </a:highlight>
+                <a:latin typeface="-apple-system"/>
+              </a:rPr>
+              <a:t>를</a:t>
+            </a:r>
+            <a:r>
+              <a:rPr lang="ko-KR" altLang="en-US" b="0" i="0" dirty="0">
+                <a:solidFill>
+                  <a:srgbClr val="212529"/>
+                </a:solidFill>
+                <a:effectLst/>
+                <a:highlight>
+                  <a:srgbClr val="FFFF00"/>
+                </a:highlight>
+                <a:latin typeface="-apple-system"/>
+              </a:rPr>
+              <a:t> 자바 객체로 변환</a:t>
+            </a:r>
+            <a:endParaRPr lang="ko-Kore-KR" altLang="en-US" dirty="0">
+              <a:highlight>
+                <a:srgbClr val="FFFF00"/>
+              </a:highlight>
+            </a:endParaRPr>
+          </a:p>
+        </p:txBody>
+      </p:sp>
+      <p:sp>
+        <p:nvSpPr>
+          <p:cNvPr id="8" name="TextBox 7">
+            <a:extLst>
+              <a:ext uri="{FF2B5EF4-FFF2-40B4-BE49-F238E27FC236}">
+                <a16:creationId xmlns:a16="http://schemas.microsoft.com/office/drawing/2014/main" id="{72D81353-804F-446B-B852-E35053DDDF3A}"/>
+              </a:ext>
+            </a:extLst>
+          </p:cNvPr>
+          <p:cNvSpPr txBox="1"/>
+          <p:nvPr/>
+        </p:nvSpPr>
+        <p:spPr>
+          <a:xfrm>
+            <a:off x="315309" y="1446575"/>
+            <a:ext cx="11719036" cy="3323987"/>
+          </a:xfrm>
+          <a:prstGeom prst="rect">
+            <a:avLst/>
+          </a:prstGeom>
+          <a:noFill/>
+        </p:spPr>
+        <p:txBody>
+          <a:bodyPr wrap="square">
+            <a:spAutoFit/>
+          </a:bodyPr>
+          <a:lstStyle/>
+          <a:p>
+            <a:r>
+              <a:rPr lang="en-US" altLang="ko-KR" sz="1500" b="1" dirty="0">
+                <a:effectLst/>
+              </a:rPr>
+              <a:t>// </a:t>
+            </a:r>
+            <a:r>
+              <a:rPr lang="ko-KR" altLang="en-US" sz="1500" b="1" dirty="0">
+                <a:effectLst/>
+              </a:rPr>
+              <a:t>객체</a:t>
+            </a:r>
+            <a:endParaRPr lang="en-US" altLang="ko-KR" sz="1500" b="1" dirty="0">
+              <a:effectLst/>
+            </a:endParaRPr>
+          </a:p>
+          <a:p>
+            <a:r>
+              <a:rPr lang="ko-KR" altLang="en-US" sz="1500" b="1" dirty="0"/>
+              <a:t> </a:t>
+            </a:r>
+            <a:r>
+              <a:rPr lang="en" altLang="ko-Kore-KR" sz="1500" b="1" dirty="0">
+                <a:effectLst/>
+              </a:rPr>
+              <a:t>public</a:t>
+            </a:r>
+            <a:r>
+              <a:rPr lang="en" altLang="ko-Kore-KR" sz="1500" b="1" dirty="0"/>
+              <a:t> </a:t>
+            </a:r>
+            <a:r>
+              <a:rPr lang="en" altLang="ko-Kore-KR" sz="1500" b="1" dirty="0">
+                <a:effectLst/>
+              </a:rPr>
+              <a:t>class</a:t>
+            </a:r>
+            <a:r>
+              <a:rPr lang="en" altLang="ko-Kore-KR" sz="1500" b="1" dirty="0"/>
+              <a:t> </a:t>
+            </a:r>
+            <a:r>
+              <a:rPr lang="en" altLang="ko-Kore-KR" sz="1500" b="1" dirty="0">
+                <a:effectLst/>
+              </a:rPr>
+              <a:t>Entity{</a:t>
+            </a:r>
+            <a:r>
+              <a:rPr lang="en" altLang="ko-Kore-KR" sz="1500" b="1" dirty="0"/>
+              <a:t> </a:t>
+            </a:r>
+          </a:p>
+          <a:p>
+            <a:r>
+              <a:rPr lang="en" altLang="ko-Kore-KR" sz="1500" b="1" dirty="0">
+                <a:effectLst/>
+              </a:rPr>
+              <a:t>	private</a:t>
+            </a:r>
+            <a:r>
+              <a:rPr lang="en" altLang="ko-Kore-KR" sz="1500" b="1" dirty="0"/>
+              <a:t> </a:t>
+            </a:r>
+            <a:r>
+              <a:rPr lang="en" altLang="ko-Kore-KR" sz="1500" b="1" dirty="0">
+                <a:effectLst/>
+              </a:rPr>
+              <a:t>Long</a:t>
+            </a:r>
+            <a:r>
+              <a:rPr lang="en" altLang="ko-Kore-KR" sz="1500" b="1" dirty="0"/>
+              <a:t> id</a:t>
+            </a:r>
+            <a:r>
+              <a:rPr lang="en" altLang="ko-Kore-KR" sz="1500" b="1" dirty="0">
+                <a:effectLst/>
+              </a:rPr>
+              <a:t>;</a:t>
+            </a:r>
+            <a:r>
+              <a:rPr lang="en" altLang="ko-Kore-KR" sz="1500" b="1" dirty="0"/>
+              <a:t> </a:t>
+            </a:r>
+          </a:p>
+          <a:p>
+            <a:r>
+              <a:rPr lang="en" altLang="ko-Kore-KR" sz="1500" b="1" dirty="0">
+                <a:effectLst/>
+              </a:rPr>
+              <a:t>	private</a:t>
+            </a:r>
+            <a:r>
+              <a:rPr lang="en" altLang="ko-Kore-KR" sz="1500" b="1" dirty="0"/>
+              <a:t> </a:t>
+            </a:r>
+            <a:r>
+              <a:rPr lang="en" altLang="ko-Kore-KR" sz="1500" b="1" dirty="0">
+                <a:effectLst/>
+              </a:rPr>
+              <a:t>String</a:t>
+            </a:r>
+            <a:r>
+              <a:rPr lang="en" altLang="ko-Kore-KR" sz="1500" b="1" dirty="0"/>
+              <a:t> name</a:t>
+            </a:r>
+            <a:r>
+              <a:rPr lang="en" altLang="ko-Kore-KR" sz="1500" b="1" dirty="0">
+                <a:effectLst/>
+              </a:rPr>
+              <a:t>;</a:t>
+            </a:r>
+            <a:r>
+              <a:rPr lang="en" altLang="ko-Kore-KR" sz="1500" b="1" dirty="0"/>
+              <a:t> </a:t>
+            </a:r>
+          </a:p>
+          <a:p>
+            <a:r>
+              <a:rPr lang="en" altLang="ko-Kore-KR" sz="1500" b="1" dirty="0">
+                <a:effectLst/>
+              </a:rPr>
+              <a:t>	private</a:t>
+            </a:r>
+            <a:r>
+              <a:rPr lang="en" altLang="ko-Kore-KR" sz="1500" b="1" dirty="0"/>
+              <a:t> </a:t>
+            </a:r>
+            <a:r>
+              <a:rPr lang="en" altLang="ko-Kore-KR" sz="1500" b="1" dirty="0">
+                <a:effectLst/>
+              </a:rPr>
+              <a:t>String</a:t>
+            </a:r>
+            <a:r>
+              <a:rPr lang="en" altLang="ko-Kore-KR" sz="1500" b="1" dirty="0"/>
+              <a:t> address</a:t>
+            </a:r>
+            <a:r>
+              <a:rPr lang="en" altLang="ko-Kore-KR" sz="1500" b="1" dirty="0">
+                <a:effectLst/>
+              </a:rPr>
+              <a:t>;</a:t>
+            </a:r>
+            <a:r>
+              <a:rPr lang="en" altLang="ko-Kore-KR" sz="1500" b="1" dirty="0"/>
+              <a:t> </a:t>
+            </a:r>
+          </a:p>
+          <a:p>
+            <a:r>
+              <a:rPr lang="en" altLang="ko-Kore-KR" sz="1500" b="1" dirty="0">
+                <a:effectLst/>
+              </a:rPr>
+              <a:t>}</a:t>
+            </a:r>
+            <a:r>
+              <a:rPr lang="en" altLang="ko-Kore-KR" sz="1500" b="1" dirty="0"/>
+              <a:t> </a:t>
+            </a:r>
+          </a:p>
+          <a:p>
+            <a:r>
+              <a:rPr lang="en" altLang="ko-Kore-KR" sz="1500" b="1" dirty="0">
+                <a:effectLst/>
+              </a:rPr>
+              <a:t>// API Controller</a:t>
+            </a:r>
+            <a:r>
+              <a:rPr lang="en" altLang="ko-Kore-KR" sz="1500" b="1" dirty="0"/>
+              <a:t> </a:t>
+            </a:r>
+          </a:p>
+          <a:p>
+            <a:r>
+              <a:rPr lang="en" altLang="ko-Kore-KR" sz="1500" b="1" dirty="0">
+                <a:effectLst/>
+              </a:rPr>
+              <a:t>@</a:t>
+            </a:r>
+            <a:r>
+              <a:rPr lang="en" altLang="ko-Kore-KR" sz="1500" b="1" dirty="0" err="1">
+                <a:effectLst/>
+              </a:rPr>
+              <a:t>PostMapping</a:t>
+            </a:r>
+            <a:r>
+              <a:rPr lang="en" altLang="ko-Kore-KR" sz="1500" b="1" dirty="0">
+                <a:effectLst/>
+              </a:rPr>
+              <a:t>("/</a:t>
+            </a:r>
+            <a:r>
+              <a:rPr lang="en" altLang="ko-Kore-KR" sz="1500" b="1" dirty="0" err="1">
+                <a:effectLst/>
+              </a:rPr>
+              <a:t>api</a:t>
+            </a:r>
+            <a:r>
+              <a:rPr lang="en" altLang="ko-Kore-KR" sz="1500" b="1" dirty="0">
+                <a:effectLst/>
+              </a:rPr>
+              <a:t>/post")</a:t>
+            </a:r>
+            <a:r>
+              <a:rPr lang="en" altLang="ko-Kore-KR" sz="1500" b="1" dirty="0"/>
+              <a:t> </a:t>
+            </a:r>
+          </a:p>
+          <a:p>
+            <a:r>
+              <a:rPr lang="en" altLang="ko-Kore-KR" sz="1500" b="1" dirty="0">
+                <a:effectLst/>
+              </a:rPr>
+              <a:t>public</a:t>
+            </a:r>
+            <a:r>
+              <a:rPr lang="en" altLang="ko-Kore-KR" sz="1500" b="1" dirty="0"/>
+              <a:t> </a:t>
+            </a:r>
+            <a:r>
+              <a:rPr lang="en" altLang="ko-Kore-KR" sz="1500" b="1" dirty="0">
+                <a:effectLst/>
+              </a:rPr>
+              <a:t>void</a:t>
+            </a:r>
+            <a:r>
+              <a:rPr lang="en" altLang="ko-Kore-KR" sz="1500" b="1" dirty="0"/>
+              <a:t> </a:t>
+            </a:r>
+            <a:r>
+              <a:rPr lang="en" altLang="ko-Kore-KR" sz="1500" b="1" dirty="0" err="1">
+                <a:effectLst/>
+              </a:rPr>
+              <a:t>requestTest</a:t>
+            </a:r>
+            <a:r>
+              <a:rPr lang="en" altLang="ko-Kore-KR" sz="1500" b="1" dirty="0">
+                <a:solidFill>
+                  <a:srgbClr val="FF0000"/>
+                </a:solidFill>
+                <a:effectLst/>
+              </a:rPr>
+              <a:t>(@</a:t>
+            </a:r>
+            <a:r>
+              <a:rPr lang="en" altLang="ko-Kore-KR" sz="1500" b="1" dirty="0" err="1">
+                <a:solidFill>
+                  <a:srgbClr val="FF0000"/>
+                </a:solidFill>
+                <a:effectLst/>
+              </a:rPr>
+              <a:t>RequestBody</a:t>
+            </a:r>
+            <a:r>
+              <a:rPr lang="en" altLang="ko-Kore-KR" sz="1500" b="1" dirty="0">
+                <a:solidFill>
+                  <a:srgbClr val="FF0000"/>
+                </a:solidFill>
+              </a:rPr>
+              <a:t> </a:t>
+            </a:r>
+            <a:r>
+              <a:rPr lang="en" altLang="ko-Kore-KR" sz="1500" b="1" dirty="0">
+                <a:solidFill>
+                  <a:srgbClr val="FF0000"/>
+                </a:solidFill>
+                <a:effectLst/>
+              </a:rPr>
+              <a:t>Entity</a:t>
+            </a:r>
+            <a:r>
+              <a:rPr lang="en" altLang="ko-Kore-KR" sz="1500" b="1" dirty="0">
+                <a:solidFill>
+                  <a:srgbClr val="FF0000"/>
+                </a:solidFill>
+              </a:rPr>
+              <a:t> entity</a:t>
+            </a:r>
+            <a:r>
+              <a:rPr lang="en" altLang="ko-Kore-KR" sz="1500" b="1" dirty="0">
+                <a:effectLst/>
+              </a:rPr>
+              <a:t>)</a:t>
+            </a:r>
+            <a:r>
+              <a:rPr lang="en" altLang="ko-Kore-KR" sz="1500" b="1" dirty="0"/>
+              <a:t> </a:t>
+            </a:r>
+            <a:r>
+              <a:rPr lang="en" altLang="ko-Kore-KR" sz="1500" b="1" dirty="0">
+                <a:effectLst/>
+              </a:rPr>
+              <a:t>{</a:t>
+            </a:r>
+          </a:p>
+          <a:p>
+            <a:r>
+              <a:rPr lang="en" altLang="ko-Kore-KR" sz="1500" b="1" dirty="0"/>
+              <a:t>	 </a:t>
+            </a:r>
+            <a:r>
+              <a:rPr lang="en" altLang="ko-Kore-KR" sz="1500" b="1" dirty="0" err="1">
+                <a:effectLst/>
+              </a:rPr>
+              <a:t>System.</a:t>
+            </a:r>
+            <a:r>
+              <a:rPr lang="en" altLang="ko-Kore-KR" sz="1500" b="1" dirty="0" err="1"/>
+              <a:t>out</a:t>
+            </a:r>
+            <a:r>
+              <a:rPr lang="en" altLang="ko-Kore-KR" sz="1500" b="1" dirty="0" err="1">
+                <a:effectLst/>
+              </a:rPr>
+              <a:t>.println</a:t>
+            </a:r>
+            <a:r>
+              <a:rPr lang="en" altLang="ko-Kore-KR" sz="1500" b="1" dirty="0">
+                <a:effectLst/>
+              </a:rPr>
+              <a:t>("id = "</a:t>
+            </a:r>
+            <a:r>
+              <a:rPr lang="en" altLang="ko-Kore-KR" sz="1500" b="1" dirty="0"/>
+              <a:t> </a:t>
+            </a:r>
+            <a:r>
+              <a:rPr lang="en" altLang="ko-Kore-KR" sz="1500" b="1" dirty="0">
+                <a:effectLst/>
+              </a:rPr>
+              <a:t>+</a:t>
+            </a:r>
+            <a:r>
+              <a:rPr lang="en" altLang="ko-Kore-KR" sz="1500" b="1" dirty="0"/>
+              <a:t> </a:t>
+            </a:r>
+            <a:r>
+              <a:rPr lang="en" altLang="ko-Kore-KR" sz="1500" b="1" dirty="0" err="1"/>
+              <a:t>entity</a:t>
+            </a:r>
+            <a:r>
+              <a:rPr lang="en" altLang="ko-Kore-KR" sz="1500" b="1" dirty="0" err="1">
+                <a:effectLst/>
+              </a:rPr>
+              <a:t>.</a:t>
+            </a:r>
+            <a:r>
+              <a:rPr lang="en" altLang="ko-Kore-KR" sz="1500" b="1" dirty="0" err="1"/>
+              <a:t>id</a:t>
+            </a:r>
+            <a:r>
+              <a:rPr lang="en" altLang="ko-Kore-KR" sz="1500" b="1" dirty="0">
+                <a:effectLst/>
+              </a:rPr>
+              <a:t>);</a:t>
+            </a:r>
+            <a:r>
+              <a:rPr lang="en" altLang="ko-Kore-KR" sz="1500" b="1" dirty="0"/>
+              <a:t> </a:t>
+            </a:r>
+          </a:p>
+          <a:p>
+            <a:r>
+              <a:rPr lang="en" altLang="ko-Kore-KR" sz="1500" b="1" dirty="0">
+                <a:effectLst/>
+              </a:rPr>
+              <a:t>	</a:t>
+            </a:r>
+            <a:r>
+              <a:rPr lang="en" altLang="ko-Kore-KR" sz="1500" b="1" dirty="0" err="1">
+                <a:effectLst/>
+              </a:rPr>
+              <a:t>System.</a:t>
+            </a:r>
+            <a:r>
+              <a:rPr lang="en" altLang="ko-Kore-KR" sz="1500" b="1" dirty="0" err="1"/>
+              <a:t>out</a:t>
+            </a:r>
+            <a:r>
+              <a:rPr lang="en" altLang="ko-Kore-KR" sz="1500" b="1" dirty="0" err="1">
+                <a:effectLst/>
+              </a:rPr>
+              <a:t>.println</a:t>
+            </a:r>
+            <a:r>
+              <a:rPr lang="en" altLang="ko-Kore-KR" sz="1500" b="1" dirty="0">
+                <a:effectLst/>
+              </a:rPr>
+              <a:t>("name = "</a:t>
+            </a:r>
+            <a:r>
+              <a:rPr lang="en" altLang="ko-Kore-KR" sz="1500" b="1" dirty="0"/>
+              <a:t> </a:t>
+            </a:r>
+            <a:r>
+              <a:rPr lang="en" altLang="ko-Kore-KR" sz="1500" b="1" dirty="0">
+                <a:effectLst/>
+              </a:rPr>
+              <a:t>+</a:t>
+            </a:r>
+            <a:r>
+              <a:rPr lang="en" altLang="ko-Kore-KR" sz="1500" b="1" dirty="0"/>
+              <a:t> </a:t>
+            </a:r>
+            <a:r>
+              <a:rPr lang="en" altLang="ko-Kore-KR" sz="1500" b="1" dirty="0" err="1"/>
+              <a:t>entity</a:t>
+            </a:r>
+            <a:r>
+              <a:rPr lang="en" altLang="ko-Kore-KR" sz="1500" b="1" dirty="0" err="1">
+                <a:effectLst/>
+              </a:rPr>
+              <a:t>.</a:t>
+            </a:r>
+            <a:r>
+              <a:rPr lang="en" altLang="ko-Kore-KR" sz="1500" b="1" dirty="0" err="1"/>
+              <a:t>name</a:t>
+            </a:r>
+            <a:r>
+              <a:rPr lang="en" altLang="ko-Kore-KR" sz="1500" b="1" dirty="0">
+                <a:effectLst/>
+              </a:rPr>
+              <a:t>);</a:t>
+            </a:r>
+            <a:r>
+              <a:rPr lang="en" altLang="ko-Kore-KR" sz="1500" b="1" dirty="0"/>
+              <a:t> </a:t>
+            </a:r>
+          </a:p>
+          <a:p>
+            <a:r>
+              <a:rPr lang="en" altLang="ko-Kore-KR" sz="1500" b="1" dirty="0">
+                <a:effectLst/>
+              </a:rPr>
+              <a:t>	</a:t>
+            </a:r>
+            <a:r>
+              <a:rPr lang="en" altLang="ko-Kore-KR" sz="1500" b="1" dirty="0" err="1">
+                <a:effectLst/>
+              </a:rPr>
+              <a:t>System.</a:t>
+            </a:r>
+            <a:r>
+              <a:rPr lang="en" altLang="ko-Kore-KR" sz="1500" b="1" dirty="0" err="1"/>
+              <a:t>out</a:t>
+            </a:r>
+            <a:r>
+              <a:rPr lang="en" altLang="ko-Kore-KR" sz="1500" b="1" dirty="0" err="1">
+                <a:effectLst/>
+              </a:rPr>
+              <a:t>.println</a:t>
+            </a:r>
+            <a:r>
+              <a:rPr lang="en" altLang="ko-Kore-KR" sz="1500" b="1" dirty="0">
+                <a:effectLst/>
+              </a:rPr>
+              <a:t>("address = "</a:t>
+            </a:r>
+            <a:r>
+              <a:rPr lang="en" altLang="ko-Kore-KR" sz="1500" b="1" dirty="0"/>
+              <a:t> </a:t>
+            </a:r>
+            <a:r>
+              <a:rPr lang="en" altLang="ko-Kore-KR" sz="1500" b="1" dirty="0">
+                <a:effectLst/>
+              </a:rPr>
+              <a:t>+</a:t>
+            </a:r>
+            <a:r>
+              <a:rPr lang="en" altLang="ko-Kore-KR" sz="1500" b="1" dirty="0"/>
+              <a:t> </a:t>
+            </a:r>
+            <a:r>
+              <a:rPr lang="en" altLang="ko-Kore-KR" sz="1500" b="1" dirty="0" err="1"/>
+              <a:t>entity</a:t>
+            </a:r>
+            <a:r>
+              <a:rPr lang="en" altLang="ko-Kore-KR" sz="1500" b="1" dirty="0" err="1">
+                <a:effectLst/>
+              </a:rPr>
+              <a:t>.</a:t>
+            </a:r>
+            <a:r>
+              <a:rPr lang="en" altLang="ko-Kore-KR" sz="1500" b="1" dirty="0" err="1"/>
+              <a:t>address</a:t>
+            </a:r>
+            <a:r>
+              <a:rPr lang="en" altLang="ko-Kore-KR" sz="1500" b="1" dirty="0">
+                <a:effectLst/>
+              </a:rPr>
+              <a:t>);</a:t>
+            </a:r>
+            <a:r>
+              <a:rPr lang="en" altLang="ko-Kore-KR" sz="1500" b="1" dirty="0"/>
+              <a:t> </a:t>
+            </a:r>
+          </a:p>
+          <a:p>
+            <a:endParaRPr lang="en" altLang="ko-Kore-KR" sz="1500" b="1" dirty="0">
+              <a:effectLst/>
+            </a:endParaRPr>
+          </a:p>
+          <a:p>
+            <a:r>
+              <a:rPr lang="en" altLang="ko-Kore-KR" sz="1500" b="1" dirty="0">
+                <a:effectLst/>
+              </a:rPr>
+              <a:t>}</a:t>
+            </a:r>
+            <a:endParaRPr lang="ko-Kore-KR" altLang="en-US" sz="1500" b="1" dirty="0"/>
+          </a:p>
+        </p:txBody>
+      </p:sp>
+      <p:sp>
+        <p:nvSpPr>
+          <p:cNvPr id="10" name="TextBox 9">
+            <a:extLst>
+              <a:ext uri="{FF2B5EF4-FFF2-40B4-BE49-F238E27FC236}">
+                <a16:creationId xmlns:a16="http://schemas.microsoft.com/office/drawing/2014/main" id="{37FE0D44-1085-2D0B-7300-267C003FE7C5}"/>
+              </a:ext>
+            </a:extLst>
+          </p:cNvPr>
+          <p:cNvSpPr txBox="1"/>
+          <p:nvPr/>
+        </p:nvSpPr>
+        <p:spPr>
+          <a:xfrm>
+            <a:off x="189186" y="5176344"/>
+            <a:ext cx="12160470" cy="323165"/>
+          </a:xfrm>
+          <a:prstGeom prst="rect">
+            <a:avLst/>
+          </a:prstGeom>
+          <a:noFill/>
+        </p:spPr>
+        <p:txBody>
+          <a:bodyPr wrap="square">
+            <a:spAutoFit/>
+          </a:bodyPr>
+          <a:lstStyle/>
+          <a:p>
+            <a:r>
+              <a:rPr lang="ko-KR" altLang="en-US" sz="1500" b="0" i="0" dirty="0">
+                <a:solidFill>
+                  <a:srgbClr val="212529"/>
+                </a:solidFill>
+                <a:effectLst/>
+                <a:highlight>
+                  <a:srgbClr val="FFFF00"/>
+                </a:highlight>
+                <a:latin typeface="-apple-system"/>
+              </a:rPr>
+              <a:t>다음과 같은 내용을 </a:t>
+            </a:r>
+            <a:r>
+              <a:rPr lang="en" altLang="ko-Kore-KR" sz="1500" b="0" i="0" dirty="0">
+                <a:solidFill>
+                  <a:srgbClr val="212529"/>
+                </a:solidFill>
+                <a:effectLst/>
+                <a:highlight>
+                  <a:srgbClr val="FFFF00"/>
+                </a:highlight>
+                <a:latin typeface="-apple-system"/>
+              </a:rPr>
+              <a:t>HTTP Body</a:t>
+            </a:r>
+            <a:r>
+              <a:rPr lang="ko-KR" altLang="en-US" sz="1500" b="0" i="0" dirty="0">
+                <a:solidFill>
+                  <a:srgbClr val="212529"/>
+                </a:solidFill>
+                <a:effectLst/>
+                <a:highlight>
+                  <a:srgbClr val="FFFF00"/>
+                </a:highlight>
+                <a:latin typeface="-apple-system"/>
+              </a:rPr>
+              <a:t>에 담아서 </a:t>
+            </a:r>
+            <a:r>
+              <a:rPr lang="en" altLang="ko-Kore-KR" sz="1500" b="0" i="0" dirty="0">
+                <a:solidFill>
+                  <a:srgbClr val="212529"/>
+                </a:solidFill>
+                <a:effectLst/>
+                <a:highlight>
+                  <a:srgbClr val="FFFF00"/>
+                </a:highlight>
+                <a:latin typeface="-apple-system"/>
+              </a:rPr>
+              <a:t>POST </a:t>
+            </a:r>
+            <a:r>
+              <a:rPr lang="ko-KR" altLang="en-US" sz="1500" b="0" i="0" dirty="0">
+                <a:solidFill>
+                  <a:srgbClr val="212529"/>
+                </a:solidFill>
+                <a:effectLst/>
+                <a:highlight>
+                  <a:srgbClr val="FFFF00"/>
+                </a:highlight>
+                <a:latin typeface="-apple-system"/>
+              </a:rPr>
+              <a:t>요청을 보내게 될 경우</a:t>
+            </a:r>
+            <a:endParaRPr lang="ko-Kore-KR" altLang="en-US" sz="1500" dirty="0">
+              <a:highlight>
+                <a:srgbClr val="FFFF00"/>
+              </a:highlight>
+            </a:endParaRPr>
+          </a:p>
+        </p:txBody>
+      </p:sp>
+      <p:sp>
+        <p:nvSpPr>
+          <p:cNvPr id="12" name="TextBox 11">
+            <a:extLst>
+              <a:ext uri="{FF2B5EF4-FFF2-40B4-BE49-F238E27FC236}">
+                <a16:creationId xmlns:a16="http://schemas.microsoft.com/office/drawing/2014/main" id="{A0E9DE6B-D12D-F889-BDB6-C8EDA082C6D6}"/>
+              </a:ext>
+            </a:extLst>
+          </p:cNvPr>
+          <p:cNvSpPr txBox="1"/>
+          <p:nvPr/>
+        </p:nvSpPr>
+        <p:spPr>
+          <a:xfrm>
+            <a:off x="6490139" y="1031150"/>
+            <a:ext cx="11719035" cy="2400657"/>
+          </a:xfrm>
+          <a:prstGeom prst="rect">
+            <a:avLst/>
+          </a:prstGeom>
+          <a:noFill/>
+        </p:spPr>
+        <p:txBody>
+          <a:bodyPr wrap="square">
+            <a:spAutoFit/>
+          </a:bodyPr>
+          <a:lstStyle/>
+          <a:p>
+            <a:pPr algn="l"/>
+            <a:r>
+              <a:rPr lang="en" altLang="ko-Kore-KR" sz="1500" b="1" dirty="0"/>
+              <a:t>POST /</a:t>
+            </a:r>
+            <a:r>
+              <a:rPr lang="en" altLang="ko-Kore-KR" sz="1500" b="1" dirty="0" err="1"/>
+              <a:t>api</a:t>
+            </a:r>
+            <a:r>
+              <a:rPr lang="en" altLang="ko-Kore-KR" sz="1500" b="1" dirty="0"/>
+              <a:t>/post HTTP/1.1 </a:t>
+            </a:r>
+          </a:p>
+          <a:p>
+            <a:pPr algn="l"/>
+            <a:r>
+              <a:rPr lang="en" altLang="ko-Kore-KR" sz="1500" b="1" dirty="0"/>
+              <a:t>{ </a:t>
+            </a:r>
+          </a:p>
+          <a:p>
+            <a:pPr algn="l"/>
+            <a:r>
+              <a:rPr lang="en" altLang="ko-Kore-KR" sz="1500" b="1" dirty="0"/>
+              <a:t>	"id": 1, </a:t>
+            </a:r>
+          </a:p>
+          <a:p>
+            <a:pPr algn="l"/>
+            <a:r>
+              <a:rPr lang="en" altLang="ko-Kore-KR" sz="1500" b="1" dirty="0"/>
+              <a:t>	"name": "user1" </a:t>
+            </a:r>
+          </a:p>
+          <a:p>
+            <a:pPr algn="l"/>
+            <a:r>
+              <a:rPr lang="en" altLang="ko-Kore-KR" sz="1500" b="1" dirty="0"/>
+              <a:t>}</a:t>
+            </a:r>
+          </a:p>
+          <a:p>
+            <a:pPr algn="l"/>
+            <a:endParaRPr lang="en" altLang="ko-Kore-KR" sz="1500" b="1" dirty="0"/>
+          </a:p>
+          <a:p>
+            <a:pPr algn="l"/>
+            <a:r>
+              <a:rPr lang="en" altLang="ko-Kore-KR" sz="1500" b="1" i="0" dirty="0">
+                <a:solidFill>
+                  <a:srgbClr val="FF0000"/>
+                </a:solidFill>
+                <a:effectLst/>
+                <a:latin typeface="-apple-system"/>
+              </a:rPr>
+              <a:t>@</a:t>
+            </a:r>
+            <a:r>
+              <a:rPr lang="en" altLang="ko-Kore-KR" sz="1500" b="1" i="0" dirty="0" err="1">
+                <a:solidFill>
+                  <a:srgbClr val="FF0000"/>
+                </a:solidFill>
+                <a:effectLst/>
+                <a:latin typeface="-apple-system"/>
+              </a:rPr>
+              <a:t>RequestBody</a:t>
+            </a:r>
+            <a:r>
+              <a:rPr lang="en" altLang="ko-Kore-KR" sz="1500" b="1" i="0" dirty="0">
+                <a:solidFill>
+                  <a:srgbClr val="FF0000"/>
+                </a:solidFill>
+                <a:effectLst/>
+                <a:latin typeface="-apple-system"/>
+              </a:rPr>
+              <a:t> </a:t>
+            </a:r>
+            <a:r>
+              <a:rPr lang="ko-KR" altLang="en-US" sz="1500" b="1" i="0" dirty="0">
+                <a:solidFill>
+                  <a:srgbClr val="FF0000"/>
+                </a:solidFill>
+                <a:effectLst/>
+                <a:latin typeface="-apple-system"/>
+              </a:rPr>
+              <a:t>는 본문의 내용을 매핑해서 </a:t>
+            </a:r>
+            <a:r>
+              <a:rPr lang="en" altLang="ko-Kore-KR" sz="1500" b="1" i="0" dirty="0">
+                <a:solidFill>
+                  <a:srgbClr val="FF0000"/>
+                </a:solidFill>
+                <a:effectLst/>
+                <a:latin typeface="-apple-system"/>
+              </a:rPr>
+              <a:t>Entity </a:t>
+            </a:r>
+            <a:r>
+              <a:rPr lang="ko-KR" altLang="en-US" sz="1500" b="1" i="0" dirty="0">
+                <a:solidFill>
+                  <a:srgbClr val="FF0000"/>
+                </a:solidFill>
+                <a:effectLst/>
+                <a:latin typeface="-apple-system"/>
+              </a:rPr>
+              <a:t>객체를 생성한다</a:t>
+            </a:r>
+            <a:r>
+              <a:rPr lang="en-US" altLang="ko-KR" sz="1500" b="1" i="0" dirty="0">
+                <a:solidFill>
+                  <a:srgbClr val="FF0000"/>
+                </a:solidFill>
+                <a:effectLst/>
+                <a:latin typeface="-apple-system"/>
+              </a:rPr>
+              <a:t>.</a:t>
+            </a:r>
+          </a:p>
+          <a:p>
+            <a:pPr algn="l">
+              <a:buFont typeface="Arial" panose="020B0604020202020204" pitchFamily="34" charset="0"/>
+              <a:buChar char="•"/>
+            </a:pPr>
+            <a:r>
+              <a:rPr lang="en" altLang="ko-Kore-KR" sz="1500" b="1" i="0" dirty="0" err="1">
+                <a:solidFill>
+                  <a:srgbClr val="212529"/>
+                </a:solidFill>
+                <a:effectLst/>
+                <a:latin typeface="-apple-system"/>
+              </a:rPr>
+              <a:t>entity.id</a:t>
+            </a:r>
+            <a:r>
+              <a:rPr lang="en" altLang="ko-Kore-KR" sz="1500" b="1" i="0" dirty="0">
+                <a:solidFill>
+                  <a:srgbClr val="212529"/>
+                </a:solidFill>
+                <a:effectLst/>
+                <a:latin typeface="-apple-system"/>
+              </a:rPr>
+              <a:t> == 1</a:t>
+            </a:r>
+          </a:p>
+          <a:p>
+            <a:pPr algn="l">
+              <a:buFont typeface="Arial" panose="020B0604020202020204" pitchFamily="34" charset="0"/>
+              <a:buChar char="•"/>
+            </a:pPr>
+            <a:r>
+              <a:rPr lang="en" altLang="ko-Kore-KR" sz="1500" b="1" i="0" dirty="0" err="1">
+                <a:solidFill>
+                  <a:srgbClr val="212529"/>
+                </a:solidFill>
+                <a:effectLst/>
+                <a:latin typeface="-apple-system"/>
+              </a:rPr>
+              <a:t>entity.name</a:t>
+            </a:r>
+            <a:r>
+              <a:rPr lang="en" altLang="ko-Kore-KR" sz="1500" b="1" i="0" dirty="0">
+                <a:solidFill>
+                  <a:srgbClr val="212529"/>
+                </a:solidFill>
+                <a:effectLst/>
+                <a:latin typeface="-apple-system"/>
+              </a:rPr>
+              <a:t> == "user1"</a:t>
+            </a:r>
+          </a:p>
+          <a:p>
+            <a:pPr algn="l">
+              <a:buFont typeface="Arial" panose="020B0604020202020204" pitchFamily="34" charset="0"/>
+              <a:buChar char="•"/>
+            </a:pPr>
+            <a:r>
+              <a:rPr lang="en" altLang="ko-Kore-KR" sz="1500" b="1" i="0" dirty="0" err="1">
+                <a:solidFill>
+                  <a:srgbClr val="212529"/>
+                </a:solidFill>
+                <a:effectLst/>
+                <a:latin typeface="-apple-system"/>
+              </a:rPr>
+              <a:t>entity.address</a:t>
+            </a:r>
+            <a:r>
+              <a:rPr lang="en" altLang="ko-Kore-KR" sz="1500" b="1" i="0" dirty="0">
+                <a:solidFill>
+                  <a:srgbClr val="212529"/>
+                </a:solidFill>
+                <a:effectLst/>
+                <a:latin typeface="-apple-system"/>
+              </a:rPr>
+              <a:t> == null</a:t>
+            </a:r>
+          </a:p>
+        </p:txBody>
+      </p:sp>
+      <p:cxnSp>
+        <p:nvCxnSpPr>
+          <p:cNvPr id="14" name="직선 화살표 연결선 13">
+            <a:extLst>
+              <a:ext uri="{FF2B5EF4-FFF2-40B4-BE49-F238E27FC236}">
+                <a16:creationId xmlns:a16="http://schemas.microsoft.com/office/drawing/2014/main" id="{654D55CB-25FD-3E1F-8960-E836624470E7}"/>
+              </a:ext>
+            </a:extLst>
+          </p:cNvPr>
+          <p:cNvCxnSpPr/>
+          <p:nvPr/>
+        </p:nvCxnSpPr>
+        <p:spPr>
+          <a:xfrm flipV="1">
+            <a:off x="5433848" y="1545021"/>
+            <a:ext cx="961696" cy="3615558"/>
+          </a:xfrm>
+          <a:prstGeom prst="straightConnector1">
+            <a:avLst/>
+          </a:prstGeom>
+          <a:ln>
+            <a:solidFill>
+              <a:srgbClr val="FF0000"/>
+            </a:solidFill>
+            <a:tailEnd type="triangle"/>
+          </a:ln>
+        </p:spPr>
+        <p:style>
+          <a:lnRef idx="1">
+            <a:schemeClr val="accent1"/>
+          </a:lnRef>
+          <a:fillRef idx="0">
+            <a:schemeClr val="accent1"/>
+          </a:fillRef>
+          <a:effectRef idx="0">
+            <a:schemeClr val="accent1"/>
+          </a:effectRef>
+          <a:fontRef idx="minor">
+            <a:schemeClr val="tx1"/>
+          </a:fontRef>
+        </p:style>
+      </p:cxnSp>
     </p:spTree>
     <p:extLst>
       <p:ext uri="{BB962C8B-B14F-4D97-AF65-F5344CB8AC3E}">
@@ -8564,12 +11272,42 @@
           </a:p>
         </p:txBody>
       </p:sp>
-      <p:sp>
-        <p:nvSpPr>
-          <p:cNvPr id="4" name="TextBox 3">
+      <p:pic>
+        <p:nvPicPr>
+          <p:cNvPr id="5" name="그림 4" descr="텍스트, 폰트, 스크린샷이(가) 표시된 사진&#10;&#10;자동 생성된 설명">
             <a:extLst>
               <a:ext uri="{FF2B5EF4-FFF2-40B4-BE49-F238E27FC236}">
-                <a16:creationId xmlns:a16="http://schemas.microsoft.com/office/drawing/2014/main" id="{8351BDA3-5227-F35B-9EEE-5B5238422C01}"/>
+                <a16:creationId xmlns:a16="http://schemas.microsoft.com/office/drawing/2014/main" id="{199DBE49-B884-B189-E84F-8AE50F813BA7}"/>
+              </a:ext>
+            </a:extLst>
+          </p:cNvPr>
+          <p:cNvPicPr>
+            <a:picLocks noChangeAspect="1"/>
+          </p:cNvPicPr>
+          <p:nvPr/>
+        </p:nvPicPr>
+        <p:blipFill>
+          <a:blip r:embed="rId3"/>
+          <a:stretch>
+            <a:fillRect/>
+          </a:stretch>
+        </p:blipFill>
+        <p:spPr>
+          <a:xfrm>
+            <a:off x="375745" y="1404040"/>
+            <a:ext cx="10803889" cy="2916283"/>
+          </a:xfrm>
+          <a:prstGeom prst="rect">
+            <a:avLst/>
+          </a:prstGeom>
+        </p:spPr>
+      </p:pic>
+      <p:sp>
+        <p:nvSpPr>
+          <p:cNvPr id="7" name="TextBox 6">
+            <a:extLst>
+              <a:ext uri="{FF2B5EF4-FFF2-40B4-BE49-F238E27FC236}">
+                <a16:creationId xmlns:a16="http://schemas.microsoft.com/office/drawing/2014/main" id="{7D7C7286-AE17-4DB6-932B-4DED6C21EB3D}"/>
               </a:ext>
             </a:extLst>
           </p:cNvPr>
@@ -8578,8 +11316,255 @@
         </p:nvSpPr>
         <p:spPr>
           <a:xfrm>
-            <a:off x="284658" y="0"/>
-            <a:ext cx="5981278" cy="1684638"/>
+            <a:off x="1086987" y="5503684"/>
+            <a:ext cx="11105013" cy="646331"/>
+          </a:xfrm>
+          <a:prstGeom prst="rect">
+            <a:avLst/>
+          </a:prstGeom>
+          <a:noFill/>
+        </p:spPr>
+        <p:txBody>
+          <a:bodyPr wrap="square">
+            <a:spAutoFit/>
+          </a:bodyPr>
+          <a:lstStyle/>
+          <a:p>
+            <a:pPr algn="l"/>
+            <a:r>
+              <a:rPr lang="en" altLang="ko-Kore-KR" b="1" i="0" dirty="0" err="1">
+                <a:solidFill>
+                  <a:srgbClr val="333333"/>
+                </a:solidFill>
+                <a:effectLst/>
+                <a:latin typeface="Noto Sans KR"/>
+              </a:rPr>
+              <a:t>url</a:t>
+            </a:r>
+            <a:r>
+              <a:rPr lang="ko-KR" altLang="en-US" b="1" i="0" dirty="0">
+                <a:solidFill>
+                  <a:srgbClr val="333333"/>
+                </a:solidFill>
+                <a:effectLst/>
+                <a:latin typeface="Noto Sans KR"/>
+              </a:rPr>
+              <a:t>상에서 데이터를 전달하는 경우</a:t>
+            </a:r>
+            <a:r>
+              <a:rPr lang="en-US" altLang="ko-KR" b="1" i="0" dirty="0">
+                <a:solidFill>
+                  <a:srgbClr val="333333"/>
+                </a:solidFill>
+                <a:effectLst/>
+                <a:latin typeface="Noto Sans KR"/>
+              </a:rPr>
+              <a:t>(</a:t>
+            </a:r>
+            <a:r>
+              <a:rPr lang="en" altLang="ko-Kore-KR" b="1" i="0" dirty="0">
+                <a:solidFill>
+                  <a:srgbClr val="333333"/>
+                </a:solidFill>
+                <a:effectLst/>
+                <a:latin typeface="Noto Sans KR"/>
+              </a:rPr>
+              <a:t>form </a:t>
+            </a:r>
+            <a:r>
+              <a:rPr lang="ko-KR" altLang="en-US" b="1" i="0" dirty="0">
+                <a:solidFill>
+                  <a:srgbClr val="333333"/>
+                </a:solidFill>
+                <a:effectLst/>
+                <a:latin typeface="Noto Sans KR"/>
+              </a:rPr>
+              <a:t>태그 등</a:t>
+            </a:r>
+            <a:r>
+              <a:rPr lang="en-US" altLang="ko-KR" b="1" i="0" dirty="0">
+                <a:solidFill>
+                  <a:srgbClr val="333333"/>
+                </a:solidFill>
+                <a:effectLst/>
+                <a:latin typeface="Noto Sans KR"/>
+              </a:rPr>
+              <a:t>) @</a:t>
+            </a:r>
+            <a:r>
+              <a:rPr lang="en" altLang="ko-Kore-KR" b="1" i="0" dirty="0" err="1">
+                <a:solidFill>
+                  <a:srgbClr val="333333"/>
+                </a:solidFill>
+                <a:effectLst/>
+                <a:latin typeface="Noto Sans KR"/>
+              </a:rPr>
+              <a:t>RequestParam</a:t>
+            </a:r>
+            <a:r>
+              <a:rPr lang="en" altLang="ko-Kore-KR" b="1" i="0" dirty="0">
+                <a:solidFill>
+                  <a:srgbClr val="333333"/>
+                </a:solidFill>
+                <a:effectLst/>
+                <a:latin typeface="Noto Sans KR"/>
+              </a:rPr>
+              <a:t> </a:t>
+            </a:r>
+            <a:r>
+              <a:rPr lang="ko-KR" altLang="en-US" b="1" i="0" dirty="0">
+                <a:solidFill>
+                  <a:srgbClr val="333333"/>
+                </a:solidFill>
+                <a:effectLst/>
+                <a:latin typeface="Noto Sans KR"/>
+              </a:rPr>
+              <a:t>을 이용하고</a:t>
+            </a:r>
+            <a:r>
+              <a:rPr lang="en-US" altLang="ko-KR" b="1" i="0" dirty="0">
+                <a:solidFill>
+                  <a:srgbClr val="333333"/>
+                </a:solidFill>
+                <a:effectLst/>
+                <a:latin typeface="Noto Sans KR"/>
+              </a:rPr>
+              <a:t>,</a:t>
+            </a:r>
+          </a:p>
+          <a:p>
+            <a:pPr algn="l"/>
+            <a:r>
+              <a:rPr lang="ko-KR" altLang="en-US" b="1" i="0" dirty="0">
+                <a:solidFill>
+                  <a:srgbClr val="333333"/>
+                </a:solidFill>
+                <a:effectLst/>
+                <a:latin typeface="Noto Sans KR"/>
+              </a:rPr>
+              <a:t>그 외의 경우 </a:t>
+            </a:r>
+            <a:r>
+              <a:rPr lang="en-US" altLang="ko-KR" b="1" i="0" dirty="0">
+                <a:solidFill>
+                  <a:srgbClr val="333333"/>
+                </a:solidFill>
+                <a:effectLst/>
+                <a:latin typeface="Noto Sans KR"/>
+              </a:rPr>
+              <a:t>@</a:t>
+            </a:r>
+            <a:r>
+              <a:rPr lang="en" altLang="ko-Kore-KR" b="1" i="0" dirty="0" err="1">
+                <a:solidFill>
+                  <a:srgbClr val="333333"/>
+                </a:solidFill>
+                <a:effectLst/>
+                <a:latin typeface="Noto Sans KR"/>
+              </a:rPr>
+              <a:t>RequestBody</a:t>
+            </a:r>
+            <a:r>
+              <a:rPr lang="en" altLang="ko-Kore-KR" b="1" i="0" dirty="0">
+                <a:solidFill>
+                  <a:srgbClr val="333333"/>
+                </a:solidFill>
+                <a:effectLst/>
+                <a:latin typeface="Noto Sans KR"/>
+              </a:rPr>
+              <a:t> </a:t>
+            </a:r>
+            <a:r>
+              <a:rPr lang="ko-KR" altLang="en-US" b="1" i="0" dirty="0" err="1">
+                <a:solidFill>
+                  <a:srgbClr val="333333"/>
+                </a:solidFill>
+                <a:effectLst/>
+                <a:latin typeface="Noto Sans KR"/>
+              </a:rPr>
+              <a:t>를</a:t>
+            </a:r>
+            <a:r>
+              <a:rPr lang="ko-KR" altLang="en-US" b="1" i="0" dirty="0">
+                <a:solidFill>
+                  <a:srgbClr val="333333"/>
+                </a:solidFill>
+                <a:effectLst/>
+                <a:latin typeface="Noto Sans KR"/>
+              </a:rPr>
+              <a:t> 이용하도록 해야 합니다</a:t>
+            </a:r>
+            <a:r>
+              <a:rPr lang="en-US" altLang="ko-KR" b="1" i="0" dirty="0">
+                <a:solidFill>
+                  <a:srgbClr val="333333"/>
+                </a:solidFill>
+                <a:effectLst/>
+                <a:latin typeface="Noto Sans KR"/>
+              </a:rPr>
+              <a:t>.</a:t>
+            </a:r>
+          </a:p>
+        </p:txBody>
+      </p:sp>
+      <p:cxnSp>
+        <p:nvCxnSpPr>
+          <p:cNvPr id="9" name="직선 화살표 연결선 8">
+            <a:extLst>
+              <a:ext uri="{FF2B5EF4-FFF2-40B4-BE49-F238E27FC236}">
+                <a16:creationId xmlns:a16="http://schemas.microsoft.com/office/drawing/2014/main" id="{F690FE07-B4C3-ACFA-F821-8F2485E2AE1C}"/>
+              </a:ext>
+            </a:extLst>
+          </p:cNvPr>
+          <p:cNvCxnSpPr/>
+          <p:nvPr/>
+        </p:nvCxnSpPr>
+        <p:spPr>
+          <a:xfrm>
+            <a:off x="4075611" y="4545874"/>
+            <a:ext cx="0" cy="826226"/>
+          </a:xfrm>
+          <a:prstGeom prst="straightConnector1">
+            <a:avLst/>
+          </a:prstGeom>
+          <a:ln>
+            <a:solidFill>
+              <a:srgbClr val="FF0000"/>
+            </a:solidFill>
+            <a:tailEnd type="triangle"/>
+          </a:ln>
+        </p:spPr>
+        <p:style>
+          <a:lnRef idx="1">
+            <a:schemeClr val="accent1"/>
+          </a:lnRef>
+          <a:fillRef idx="0">
+            <a:schemeClr val="accent1"/>
+          </a:fillRef>
+          <a:effectRef idx="0">
+            <a:schemeClr val="accent1"/>
+          </a:effectRef>
+          <a:fontRef idx="minor">
+            <a:schemeClr val="tx1"/>
+          </a:fontRef>
+        </p:style>
+      </p:cxnSp>
+      <p:sp>
+        <p:nvSpPr>
+          <p:cNvPr id="10" name="TextBox 9">
+            <a:extLst>
+              <a:ext uri="{FF2B5EF4-FFF2-40B4-BE49-F238E27FC236}">
+                <a16:creationId xmlns:a16="http://schemas.microsoft.com/office/drawing/2014/main" id="{4F75F8C4-9A01-4C92-DC90-2996E196DC45}"/>
+              </a:ext>
+            </a:extLst>
+          </p:cNvPr>
+          <p:cNvSpPr txBox="1"/>
+          <p:nvPr/>
+        </p:nvSpPr>
+        <p:spPr>
+          <a:xfrm>
+            <a:off x="375745" y="-198738"/>
+            <a:ext cx="9535509" cy="1684638"/>
           </a:xfrm>
           <a:prstGeom prst="rect">
             <a:avLst/>
@@ -8604,7 +11589,7 @@
             </a:pPr>
             <a:r>
               <a:rPr kumimoji="1" lang="en-US" altLang="ko-KR" sz="4000" b="1" dirty="0">
-                <a:latin typeface="+mj-ea"/>
+                <a:latin typeface="+mj-lt"/>
                 <a:ea typeface="+mj-ea"/>
                 <a:cs typeface="+mj-cs"/>
               </a:rPr>
@@ -8612,14 +11597,46 @@
             </a:r>
             <a:r>
               <a:rPr kumimoji="1" lang="en-US" altLang="ko-KR" sz="4000" b="1" dirty="0" err="1">
-                <a:latin typeface="+mj-ea"/>
+                <a:latin typeface="+mj-lt"/>
                 <a:ea typeface="+mj-ea"/>
                 <a:cs typeface="+mj-cs"/>
               </a:rPr>
-              <a:t>ModelAttribute</a:t>
+              <a:t>RequestParam</a:t>
+            </a:r>
+            <a:r>
+              <a:rPr kumimoji="1" lang="en-US" altLang="ko-KR" sz="4000" b="1" dirty="0">
+                <a:latin typeface="+mj-lt"/>
+                <a:ea typeface="+mj-ea"/>
+                <a:cs typeface="+mj-cs"/>
+              </a:rPr>
+              <a:t> &amp; @</a:t>
+            </a:r>
+            <a:r>
+              <a:rPr kumimoji="1" lang="en-US" altLang="ko-KR" sz="4000" b="1" dirty="0" err="1">
+                <a:latin typeface="+mj-lt"/>
+                <a:ea typeface="+mj-ea"/>
+                <a:cs typeface="+mj-cs"/>
+              </a:rPr>
+              <a:t>RequestBody</a:t>
+            </a:r>
+            <a:r>
+              <a:rPr kumimoji="1" lang="en-US" altLang="ko-KR" sz="4000" b="1" dirty="0">
+                <a:latin typeface="+mj-lt"/>
+                <a:ea typeface="+mj-ea"/>
+                <a:cs typeface="+mj-cs"/>
+              </a:rPr>
+              <a:t> </a:t>
+            </a:r>
+            <a:r>
+              <a:rPr kumimoji="1" lang="ko-KR" altLang="en-US" sz="4000" b="1" dirty="0">
+                <a:latin typeface="+mj-lt"/>
+                <a:ea typeface="+mj-ea"/>
+                <a:cs typeface="+mj-cs"/>
+              </a:rPr>
+              <a:t>차이</a:t>
             </a:r>
             <a:endParaRPr kumimoji="1" lang="en-US" altLang="en-US" sz="4000" b="1" dirty="0">
-              <a:latin typeface="+mj-ea"/>
+              <a:latin typeface="+mj-lt"/>
               <a:ea typeface="+mj-ea"/>
               <a:cs typeface="+mj-cs"/>
             </a:endParaRPr>

--- a/복습정리자료/spring 6주차 정리(kyungmin) .pptx
+++ b/복습정리자료/spring 6주차 정리(kyungmin) .pptx
@@ -5,7 +5,7 @@
     <p:sldMasterId id="2147483648" r:id="rId1"/>
   </p:sldMasterIdLst>
   <p:notesMasterIdLst>
-    <p:notesMasterId r:id="rId12"/>
+    <p:notesMasterId r:id="rId11"/>
   </p:notesMasterIdLst>
   <p:sldIdLst>
     <p:sldId id="260" r:id="rId2"/>
@@ -17,7 +17,6 @@
     <p:sldId id="266" r:id="rId8"/>
     <p:sldId id="267" r:id="rId9"/>
     <p:sldId id="268" r:id="rId10"/>
-    <p:sldId id="269" r:id="rId11"/>
   </p:sldIdLst>
   <p:sldSz cx="12192000" cy="6858000"/>
   <p:notesSz cx="6858000" cy="9144000"/>
@@ -206,7 +205,7 @@
           <a:p>
             <a:fld id="{17EA57B6-7FF5-204A-979C-A2A968CA92A0}" type="datetimeFigureOut">
               <a:rPr kumimoji="1" lang="ko-Kore-KR" altLang="en-US" smtClean="0"/>
-              <a:t>2023. 10. 27.</a:t>
+              <a:t>2023. 10. 28.</a:t>
             </a:fld>
             <a:endParaRPr kumimoji="1" lang="ko-Kore-KR" altLang="en-US"/>
           </a:p>
@@ -1146,90 +1145,6 @@
 </p:notes>
 </file>
 
-<file path=ppt/notesSlides/notesSlide9.xml><?xml version="1.0" encoding="utf-8"?>
-<p:notes xmlns:a="http://schemas.openxmlformats.org/drawingml/2006/main" xmlns:r="http://schemas.openxmlformats.org/officeDocument/2006/relationships" xmlns:p="http://schemas.openxmlformats.org/presentationml/2006/main">
-  <p:cSld>
-    <p:spTree>
-      <p:nvGrpSpPr>
-        <p:cNvPr id="1" name=""/>
-        <p:cNvGrpSpPr/>
-        <p:nvPr/>
-      </p:nvGrpSpPr>
-      <p:grpSpPr>
-        <a:xfrm>
-          <a:off x="0" y="0"/>
-          <a:ext cx="0" cy="0"/>
-          <a:chOff x="0" y="0"/>
-          <a:chExt cx="0" cy="0"/>
-        </a:xfrm>
-      </p:grpSpPr>
-      <p:sp>
-        <p:nvSpPr>
-          <p:cNvPr id="2" name="슬라이드 이미지 개체 틀 1"/>
-          <p:cNvSpPr>
-            <a:spLocks noGrp="1" noRot="1" noChangeAspect="1"/>
-          </p:cNvSpPr>
-          <p:nvPr>
-            <p:ph type="sldImg"/>
-          </p:nvPr>
-        </p:nvSpPr>
-        <p:spPr/>
-      </p:sp>
-      <p:sp>
-        <p:nvSpPr>
-          <p:cNvPr id="3" name="슬라이드 노트 개체 틀 2"/>
-          <p:cNvSpPr>
-            <a:spLocks noGrp="1"/>
-          </p:cNvSpPr>
-          <p:nvPr>
-            <p:ph type="body" idx="1"/>
-          </p:nvPr>
-        </p:nvSpPr>
-        <p:spPr/>
-        <p:txBody>
-          <a:bodyPr/>
-          <a:lstStyle/>
-          <a:p>
-            <a:endParaRPr kumimoji="1" lang="ko-Kore-KR" altLang="en-US" dirty="0"/>
-          </a:p>
-        </p:txBody>
-      </p:sp>
-      <p:sp>
-        <p:nvSpPr>
-          <p:cNvPr id="4" name="슬라이드 번호 개체 틀 3"/>
-          <p:cNvSpPr>
-            <a:spLocks noGrp="1"/>
-          </p:cNvSpPr>
-          <p:nvPr>
-            <p:ph type="sldNum" sz="quarter" idx="5"/>
-          </p:nvPr>
-        </p:nvSpPr>
-        <p:spPr/>
-        <p:txBody>
-          <a:bodyPr/>
-          <a:lstStyle/>
-          <a:p>
-            <a:fld id="{CAC402C4-917E-A146-AE27-5FCC575E3565}" type="slidenum">
-              <a:rPr kumimoji="1" lang="ko-Kore-KR" altLang="en-US" smtClean="0"/>
-              <a:t>10</a:t>
-            </a:fld>
-            <a:endParaRPr kumimoji="1" lang="ko-Kore-KR" altLang="en-US"/>
-          </a:p>
-        </p:txBody>
-      </p:sp>
-    </p:spTree>
-    <p:extLst>
-      <p:ext uri="{BB962C8B-B14F-4D97-AF65-F5344CB8AC3E}">
-        <p14:creationId xmlns:p14="http://schemas.microsoft.com/office/powerpoint/2010/main" val="1255343646"/>
-      </p:ext>
-    </p:extLst>
-  </p:cSld>
-  <p:clrMapOvr>
-    <a:masterClrMapping/>
-  </p:clrMapOvr>
-</p:notes>
-</file>
-
 <file path=ppt/slideLayouts/slideLayout1.xml><?xml version="1.0" encoding="utf-8"?>
 <p:sldLayout xmlns:a="http://schemas.openxmlformats.org/drawingml/2006/main" xmlns:r="http://schemas.openxmlformats.org/officeDocument/2006/relationships" xmlns:p="http://schemas.openxmlformats.org/presentationml/2006/main" type="title" preserve="1">
   <p:cSld name="제목 슬라이드">
@@ -1379,7 +1294,7 @@
           <a:p>
             <a:fld id="{B03F5BC9-40C4-4D45-A3D7-45D8D4CEBC32}" type="datetimeFigureOut">
               <a:rPr kumimoji="1" lang="ko-Kore-KR" altLang="en-US" smtClean="0"/>
-              <a:t>2023. 10. 27.</a:t>
+              <a:t>2023. 10. 28.</a:t>
             </a:fld>
             <a:endParaRPr kumimoji="1" lang="ko-Kore-KR" altLang="en-US"/>
           </a:p>
@@ -1579,7 +1494,7 @@
           <a:p>
             <a:fld id="{B03F5BC9-40C4-4D45-A3D7-45D8D4CEBC32}" type="datetimeFigureOut">
               <a:rPr kumimoji="1" lang="ko-Kore-KR" altLang="en-US" smtClean="0"/>
-              <a:t>2023. 10. 27.</a:t>
+              <a:t>2023. 10. 28.</a:t>
             </a:fld>
             <a:endParaRPr kumimoji="1" lang="ko-Kore-KR" altLang="en-US"/>
           </a:p>
@@ -1789,7 +1704,7 @@
           <a:p>
             <a:fld id="{B03F5BC9-40C4-4D45-A3D7-45D8D4CEBC32}" type="datetimeFigureOut">
               <a:rPr kumimoji="1" lang="ko-Kore-KR" altLang="en-US" smtClean="0"/>
-              <a:t>2023. 10. 27.</a:t>
+              <a:t>2023. 10. 28.</a:t>
             </a:fld>
             <a:endParaRPr kumimoji="1" lang="ko-Kore-KR" altLang="en-US"/>
           </a:p>
@@ -1989,7 +1904,7 @@
           <a:p>
             <a:fld id="{B03F5BC9-40C4-4D45-A3D7-45D8D4CEBC32}" type="datetimeFigureOut">
               <a:rPr kumimoji="1" lang="ko-Kore-KR" altLang="en-US" smtClean="0"/>
-              <a:t>2023. 10. 27.</a:t>
+              <a:t>2023. 10. 28.</a:t>
             </a:fld>
             <a:endParaRPr kumimoji="1" lang="ko-Kore-KR" altLang="en-US"/>
           </a:p>
@@ -2265,7 +2180,7 @@
           <a:p>
             <a:fld id="{B03F5BC9-40C4-4D45-A3D7-45D8D4CEBC32}" type="datetimeFigureOut">
               <a:rPr kumimoji="1" lang="ko-Kore-KR" altLang="en-US" smtClean="0"/>
-              <a:t>2023. 10. 27.</a:t>
+              <a:t>2023. 10. 28.</a:t>
             </a:fld>
             <a:endParaRPr kumimoji="1" lang="ko-Kore-KR" altLang="en-US"/>
           </a:p>
@@ -2533,7 +2448,7 @@
           <a:p>
             <a:fld id="{B03F5BC9-40C4-4D45-A3D7-45D8D4CEBC32}" type="datetimeFigureOut">
               <a:rPr kumimoji="1" lang="ko-Kore-KR" altLang="en-US" smtClean="0"/>
-              <a:t>2023. 10. 27.</a:t>
+              <a:t>2023. 10. 28.</a:t>
             </a:fld>
             <a:endParaRPr kumimoji="1" lang="ko-Kore-KR" altLang="en-US"/>
           </a:p>
@@ -2948,7 +2863,7 @@
           <a:p>
             <a:fld id="{B03F5BC9-40C4-4D45-A3D7-45D8D4CEBC32}" type="datetimeFigureOut">
               <a:rPr kumimoji="1" lang="ko-Kore-KR" altLang="en-US" smtClean="0"/>
-              <a:t>2023. 10. 27.</a:t>
+              <a:t>2023. 10. 28.</a:t>
             </a:fld>
             <a:endParaRPr kumimoji="1" lang="ko-Kore-KR" altLang="en-US"/>
           </a:p>
@@ -3090,7 +3005,7 @@
           <a:p>
             <a:fld id="{B03F5BC9-40C4-4D45-A3D7-45D8D4CEBC32}" type="datetimeFigureOut">
               <a:rPr kumimoji="1" lang="ko-Kore-KR" altLang="en-US" smtClean="0"/>
-              <a:t>2023. 10. 27.</a:t>
+              <a:t>2023. 10. 28.</a:t>
             </a:fld>
             <a:endParaRPr kumimoji="1" lang="ko-Kore-KR" altLang="en-US"/>
           </a:p>
@@ -3203,7 +3118,7 @@
           <a:p>
             <a:fld id="{B03F5BC9-40C4-4D45-A3D7-45D8D4CEBC32}" type="datetimeFigureOut">
               <a:rPr kumimoji="1" lang="ko-Kore-KR" altLang="en-US" smtClean="0"/>
-              <a:t>2023. 10. 27.</a:t>
+              <a:t>2023. 10. 28.</a:t>
             </a:fld>
             <a:endParaRPr kumimoji="1" lang="ko-Kore-KR" altLang="en-US"/>
           </a:p>
@@ -3516,7 +3431,7 @@
           <a:p>
             <a:fld id="{B03F5BC9-40C4-4D45-A3D7-45D8D4CEBC32}" type="datetimeFigureOut">
               <a:rPr kumimoji="1" lang="ko-Kore-KR" altLang="en-US" smtClean="0"/>
-              <a:t>2023. 10. 27.</a:t>
+              <a:t>2023. 10. 28.</a:t>
             </a:fld>
             <a:endParaRPr kumimoji="1" lang="ko-Kore-KR" altLang="en-US"/>
           </a:p>
@@ -3805,7 +3720,7 @@
           <a:p>
             <a:fld id="{B03F5BC9-40C4-4D45-A3D7-45D8D4CEBC32}" type="datetimeFigureOut">
               <a:rPr kumimoji="1" lang="ko-Kore-KR" altLang="en-US" smtClean="0"/>
-              <a:t>2023. 10. 27.</a:t>
+              <a:t>2023. 10. 28.</a:t>
             </a:fld>
             <a:endParaRPr kumimoji="1" lang="ko-Kore-KR" altLang="en-US"/>
           </a:p>
@@ -4048,7 +3963,7 @@
           <a:p>
             <a:fld id="{B03F5BC9-40C4-4D45-A3D7-45D8D4CEBC32}" type="datetimeFigureOut">
               <a:rPr kumimoji="1" lang="ko-Kore-KR" altLang="en-US" smtClean="0"/>
-              <a:t>2023. 10. 27.</a:t>
+              <a:t>2023. 10. 28.</a:t>
             </a:fld>
             <a:endParaRPr kumimoji="1" lang="ko-Kore-KR" altLang="en-US"/>
           </a:p>
@@ -4607,150 +4522,6 @@
 </p:sld>
 </file>
 
-<file path=ppt/slides/slide10.xml><?xml version="1.0" encoding="utf-8"?>
-<p:sld xmlns:a="http://schemas.openxmlformats.org/drawingml/2006/main" xmlns:r="http://schemas.openxmlformats.org/officeDocument/2006/relationships" xmlns:p="http://schemas.openxmlformats.org/presentationml/2006/main">
-  <p:cSld>
-    <p:spTree>
-      <p:nvGrpSpPr>
-        <p:cNvPr id="1" name=""/>
-        <p:cNvGrpSpPr/>
-        <p:nvPr/>
-      </p:nvGrpSpPr>
-      <p:grpSpPr>
-        <a:xfrm>
-          <a:off x="0" y="0"/>
-          <a:ext cx="0" cy="0"/>
-          <a:chOff x="0" y="0"/>
-          <a:chExt cx="0" cy="0"/>
-        </a:xfrm>
-      </p:grpSpPr>
-      <p:sp>
-        <p:nvSpPr>
-          <p:cNvPr id="3" name="TextBox 2">
-            <a:extLst>
-              <a:ext uri="{FF2B5EF4-FFF2-40B4-BE49-F238E27FC236}">
-                <a16:creationId xmlns:a16="http://schemas.microsoft.com/office/drawing/2014/main" id="{7728754F-E2CC-A974-B8BB-E659813036CC}"/>
-              </a:ext>
-            </a:extLst>
-          </p:cNvPr>
-          <p:cNvSpPr txBox="1"/>
-          <p:nvPr/>
-        </p:nvSpPr>
-        <p:spPr>
-          <a:xfrm>
-            <a:off x="838201" y="2136299"/>
-            <a:ext cx="5981278" cy="3690551"/>
-          </a:xfrm>
-          <a:prstGeom prst="rect">
-            <a:avLst/>
-          </a:prstGeom>
-        </p:spPr>
-        <p:txBody>
-          <a:bodyPr vert="horz" lIns="91440" tIns="45720" rIns="91440" bIns="45720" rtlCol="0">
-            <a:normAutofit/>
-          </a:bodyPr>
-          <a:lstStyle/>
-          <a:p>
-            <a:pPr>
-              <a:lnSpc>
-                <a:spcPct val="90000"/>
-              </a:lnSpc>
-              <a:spcAft>
-                <a:spcPts val="600"/>
-              </a:spcAft>
-            </a:pPr>
-            <a:endParaRPr kumimoji="1" lang="en-US" altLang="ko-KR" sz="2000" dirty="0"/>
-          </a:p>
-          <a:p>
-            <a:pPr marL="342900" indent="-342900">
-              <a:lnSpc>
-                <a:spcPct val="90000"/>
-              </a:lnSpc>
-              <a:spcAft>
-                <a:spcPts val="600"/>
-              </a:spcAft>
-              <a:buFontTx/>
-              <a:buChar char="-"/>
-            </a:pPr>
-            <a:endParaRPr kumimoji="1" lang="en-US" altLang="en-US" sz="2000" dirty="0"/>
-          </a:p>
-        </p:txBody>
-      </p:sp>
-      <p:sp>
-        <p:nvSpPr>
-          <p:cNvPr id="2" name="TextBox 1">
-            <a:extLst>
-              <a:ext uri="{FF2B5EF4-FFF2-40B4-BE49-F238E27FC236}">
-                <a16:creationId xmlns:a16="http://schemas.microsoft.com/office/drawing/2014/main" id="{9E55D9DB-4102-9C4A-E21C-DEE97875A7A7}"/>
-              </a:ext>
-            </a:extLst>
-          </p:cNvPr>
-          <p:cNvSpPr txBox="1"/>
-          <p:nvPr/>
-        </p:nvSpPr>
-        <p:spPr>
-          <a:xfrm>
-            <a:off x="284658" y="-168166"/>
-            <a:ext cx="5981278" cy="1684638"/>
-          </a:xfrm>
-          <a:prstGeom prst="rect">
-            <a:avLst/>
-          </a:prstGeom>
-        </p:spPr>
-        <p:txBody>
-          <a:bodyPr vert="horz" lIns="91440" tIns="45720" rIns="91440" bIns="45720" rtlCol="0" anchor="ctr">
-            <a:normAutofit/>
-          </a:bodyPr>
-          <a:lstStyle/>
-          <a:p>
-            <a:pPr>
-              <a:lnSpc>
-                <a:spcPct val="90000"/>
-              </a:lnSpc>
-              <a:spcBef>
-                <a:spcPct val="0"/>
-              </a:spcBef>
-              <a:spcAft>
-                <a:spcPts val="600"/>
-              </a:spcAft>
-            </a:pPr>
-            <a:r>
-              <a:rPr kumimoji="1" lang="en-US" altLang="ko-KR" sz="4000" b="1" dirty="0">
-                <a:latin typeface="+mj-ea"/>
-                <a:ea typeface="+mj-ea"/>
-                <a:cs typeface="+mj-cs"/>
-              </a:rPr>
-              <a:t>@</a:t>
-            </a:r>
-            <a:r>
-              <a:rPr kumimoji="1" lang="en-US" altLang="ko-KR" sz="4000" b="1" dirty="0" err="1">
-                <a:latin typeface="+mj-ea"/>
-                <a:ea typeface="+mj-ea"/>
-                <a:cs typeface="+mj-cs"/>
-              </a:rPr>
-              <a:t>ModelAttribute</a:t>
-            </a:r>
-            <a:endParaRPr kumimoji="1" lang="en-US" altLang="en-US" sz="4000" b="1" dirty="0">
-              <a:latin typeface="+mj-ea"/>
-              <a:ea typeface="+mj-ea"/>
-              <a:cs typeface="+mj-cs"/>
-            </a:endParaRPr>
-          </a:p>
-        </p:txBody>
-      </p:sp>
-    </p:spTree>
-    <p:extLst>
-      <p:ext uri="{BB962C8B-B14F-4D97-AF65-F5344CB8AC3E}">
-        <p14:creationId xmlns:p14="http://schemas.microsoft.com/office/powerpoint/2010/main" val="1734018814"/>
-      </p:ext>
-    </p:extLst>
-  </p:cSld>
-  <p:clrMapOvr>
-    <a:masterClrMapping/>
-  </p:clrMapOvr>
-</p:sld>
-</file>
-
 <file path=ppt/slides/slide2.xml><?xml version="1.0" encoding="utf-8"?>
 <p:sld xmlns:a="http://schemas.openxmlformats.org/drawingml/2006/main" xmlns:r="http://schemas.openxmlformats.org/officeDocument/2006/relationships" xmlns:p="http://schemas.openxmlformats.org/presentationml/2006/main">
   <p:cSld>
@@ -5171,6 +4942,9 @@
                   <a:srgbClr val="EE2323"/>
                 </a:solidFill>
                 <a:effectLst/>
+                <a:highlight>
+                  <a:srgbClr val="FFFF00"/>
+                </a:highlight>
                 <a:latin typeface="NanumBarunGothic"/>
               </a:rPr>
               <a:t>1</a:t>
@@ -5181,6 +4955,9 @@
                   <a:srgbClr val="EE2323"/>
                 </a:solidFill>
                 <a:effectLst/>
+                <a:highlight>
+                  <a:srgbClr val="FFFF00"/>
+                </a:highlight>
                 <a:latin typeface="NanumBarunGothic"/>
               </a:rPr>
               <a:t>개의 </a:t>
@@ -5191,6 +4968,9 @@
                   <a:srgbClr val="EE2323"/>
                 </a:solidFill>
                 <a:effectLst/>
+                <a:highlight>
+                  <a:srgbClr val="FFFF00"/>
+                </a:highlight>
                 <a:latin typeface="NanumBarunGothic"/>
               </a:rPr>
               <a:t>HTTP </a:t>
@@ -5201,6 +4981,9 @@
                   <a:srgbClr val="EE2323"/>
                 </a:solidFill>
                 <a:effectLst/>
+                <a:highlight>
+                  <a:srgbClr val="FFFF00"/>
+                </a:highlight>
                 <a:latin typeface="NanumBarunGothic"/>
               </a:rPr>
               <a:t>요청 파라미터를 받기 위해서 사용</a:t>
@@ -5537,6 +5320,9 @@
                   <a:srgbClr val="EE2323"/>
                 </a:solidFill>
                 <a:effectLst/>
+                <a:highlight>
+                  <a:srgbClr val="FFFF00"/>
+                </a:highlight>
                 <a:latin typeface="NanumBarunGothic"/>
               </a:rPr>
               <a:t>Json</a:t>
@@ -5547,6 +5333,9 @@
                   <a:srgbClr val="EE2323"/>
                 </a:solidFill>
                 <a:effectLst/>
+                <a:highlight>
+                  <a:srgbClr val="FFFF00"/>
+                </a:highlight>
                 <a:latin typeface="NanumBarunGothic"/>
               </a:rPr>
               <a:t>(application/</a:t>
@@ -5557,6 +5346,9 @@
                   <a:srgbClr val="EE2323"/>
                 </a:solidFill>
                 <a:effectLst/>
+                <a:highlight>
+                  <a:srgbClr val="FFFF00"/>
+                </a:highlight>
                 <a:latin typeface="NanumBarunGothic"/>
               </a:rPr>
               <a:t>json</a:t>
@@ -5567,6 +5359,9 @@
                   <a:srgbClr val="EE2323"/>
                 </a:solidFill>
                 <a:effectLst/>
+                <a:highlight>
+                  <a:srgbClr val="FFFF00"/>
+                </a:highlight>
                 <a:latin typeface="NanumBarunGothic"/>
               </a:rPr>
               <a:t>) </a:t>
@@ -5577,6 +5372,9 @@
                   <a:srgbClr val="EE2323"/>
                 </a:solidFill>
                 <a:effectLst/>
+                <a:highlight>
+                  <a:srgbClr val="FFFF00"/>
+                </a:highlight>
                 <a:latin typeface="NanumBarunGothic"/>
               </a:rPr>
               <a:t>형태의 </a:t>
@@ -5587,6 +5385,9 @@
                   <a:srgbClr val="EE2323"/>
                 </a:solidFill>
                 <a:effectLst/>
+                <a:highlight>
+                  <a:srgbClr val="FFFF00"/>
+                </a:highlight>
                 <a:latin typeface="NanumBarunGothic"/>
               </a:rPr>
               <a:t>HTTP Body</a:t>
@@ -5597,6 +5398,9 @@
                   <a:srgbClr val="EE2323"/>
                 </a:solidFill>
                 <a:effectLst/>
+                <a:highlight>
+                  <a:srgbClr val="FFFF00"/>
+                </a:highlight>
                 <a:latin typeface="NanumBarunGothic"/>
               </a:rPr>
               <a:t>를</a:t>
@@ -5607,6 +5411,9 @@
                   <a:srgbClr val="EE2323"/>
                 </a:solidFill>
                 <a:effectLst/>
+                <a:highlight>
+                  <a:srgbClr val="FFFF00"/>
+                </a:highlight>
                 <a:latin typeface="NanumBarunGothic"/>
               </a:rPr>
               <a:t> </a:t>
@@ -5617,6 +5424,9 @@
                   <a:srgbClr val="EE2323"/>
                 </a:solidFill>
                 <a:effectLst/>
+                <a:highlight>
+                  <a:srgbClr val="FFFF00"/>
+                </a:highlight>
                 <a:latin typeface="NanumBarunGothic"/>
               </a:rPr>
               <a:t>Java </a:t>
@@ -5627,6 +5437,9 @@
                   <a:srgbClr val="EE2323"/>
                 </a:solidFill>
                 <a:effectLst/>
+                <a:highlight>
+                  <a:srgbClr val="FFFF00"/>
+                </a:highlight>
                 <a:latin typeface="NanumBarunGothic"/>
               </a:rPr>
               <a:t>객체로 변환</a:t>
@@ -5925,6 +5738,9 @@
                   <a:srgbClr val="EE2323"/>
                 </a:solidFill>
                 <a:effectLst/>
+                <a:highlight>
+                  <a:srgbClr val="FFFF00"/>
+                </a:highlight>
                 <a:latin typeface="NanumBarunGothic"/>
               </a:rPr>
               <a:t>폼</a:t>
@@ -5935,6 +5751,9 @@
                   <a:srgbClr val="EE2323"/>
                 </a:solidFill>
                 <a:effectLst/>
+                <a:highlight>
+                  <a:srgbClr val="FFFF00"/>
+                </a:highlight>
                 <a:latin typeface="NanumBarunGothic"/>
               </a:rPr>
               <a:t>(</a:t>
@@ -5945,6 +5764,9 @@
                   <a:srgbClr val="EE2323"/>
                 </a:solidFill>
                 <a:effectLst/>
+                <a:highlight>
+                  <a:srgbClr val="FFFF00"/>
+                </a:highlight>
                 <a:latin typeface="NanumBarunGothic"/>
               </a:rPr>
               <a:t>form) </a:t>
@@ -5955,6 +5777,9 @@
                   <a:srgbClr val="EE2323"/>
                 </a:solidFill>
                 <a:effectLst/>
+                <a:highlight>
+                  <a:srgbClr val="FFFF00"/>
+                </a:highlight>
                 <a:latin typeface="NanumBarunGothic"/>
               </a:rPr>
               <a:t>형태의 </a:t>
@@ -5965,6 +5790,9 @@
                   <a:srgbClr val="EE2323"/>
                 </a:solidFill>
                 <a:effectLst/>
+                <a:highlight>
+                  <a:srgbClr val="FFFF00"/>
+                </a:highlight>
                 <a:latin typeface="NanumBarunGothic"/>
               </a:rPr>
               <a:t>HTTP Body</a:t>
@@ -5975,6 +5803,9 @@
                   <a:srgbClr val="EE2323"/>
                 </a:solidFill>
                 <a:effectLst/>
+                <a:highlight>
+                  <a:srgbClr val="FFFF00"/>
+                </a:highlight>
                 <a:latin typeface="NanumBarunGothic"/>
               </a:rPr>
               <a:t>와 요청 파라미터들을 생성자나 </a:t>
@@ -5985,6 +5816,9 @@
                   <a:srgbClr val="EE2323"/>
                 </a:solidFill>
                 <a:effectLst/>
+                <a:highlight>
+                  <a:srgbClr val="FFFF00"/>
+                </a:highlight>
                 <a:latin typeface="NanumBarunGothic"/>
               </a:rPr>
               <a:t>Setter</a:t>
@@ -5995,6 +5829,9 @@
                   <a:srgbClr val="EE2323"/>
                 </a:solidFill>
                 <a:effectLst/>
+                <a:highlight>
+                  <a:srgbClr val="FFFF00"/>
+                </a:highlight>
                 <a:latin typeface="NanumBarunGothic"/>
               </a:rPr>
               <a:t>로 바인딩</a:t>
@@ -6494,6 +6331,9 @@
             <a:r>
               <a:rPr lang="ko-KR" altLang="en-US" b="0" i="0" dirty="0">
                 <a:effectLst/>
+                <a:highlight>
+                  <a:srgbClr val="FFFF00"/>
+                </a:highlight>
                 <a:latin typeface="NanumBarunGothic"/>
               </a:rPr>
               <a:t>필수 여부가 </a:t>
@@ -6501,6 +6341,9 @@
             <a:r>
               <a:rPr lang="en" altLang="ko-Kore-KR" b="0" i="0" dirty="0">
                 <a:effectLst/>
+                <a:highlight>
+                  <a:srgbClr val="FFFF00"/>
+                </a:highlight>
                 <a:latin typeface="NanumBarunGothic"/>
               </a:rPr>
               <a:t>true</a:t>
@@ -6510,14 +6353,34 @@
                 <a:effectLst/>
                 <a:latin typeface="NanumBarunGothic"/>
               </a:rPr>
-              <a:t>이기 때문에 반드시 필요한 경우가 아니라면 </a:t>
+              <a:t>이기 때문에 반드시 </a:t>
+            </a:r>
+            <a:r>
+              <a:rPr lang="ko-KR" altLang="en-US" b="0" i="0" dirty="0">
+                <a:effectLst/>
+                <a:highlight>
+                  <a:srgbClr val="FFFF00"/>
+                </a:highlight>
+                <a:latin typeface="NanumBarunGothic"/>
+              </a:rPr>
+              <a:t>필요한 경우가 아니라면 </a:t>
             </a:r>
             <a:r>
               <a:rPr lang="en" altLang="ko-Kore-KR" b="0" i="0" dirty="0">
                 <a:effectLst/>
-                <a:latin typeface="NanumBarunGothic"/>
-              </a:rPr>
-              <a:t>required=false </a:t>
+                <a:highlight>
+                  <a:srgbClr val="FFFF00"/>
+                </a:highlight>
+                <a:latin typeface="NanumBarunGothic"/>
+              </a:rPr>
+              <a:t>required=false</a:t>
+            </a:r>
+            <a:r>
+              <a:rPr lang="en" altLang="ko-Kore-KR" b="0" i="0" dirty="0">
+                <a:effectLst/>
+                <a:latin typeface="NanumBarunGothic"/>
+              </a:rPr>
+              <a:t> </a:t>
             </a:r>
             <a:r>
               <a:rPr lang="ko-KR" altLang="en-US" b="0" i="0" dirty="0">
@@ -6582,6 +6445,9 @@
             <a:r>
               <a:rPr lang="en" altLang="ko-Kore-KR" b="0" i="0" dirty="0" err="1">
                 <a:effectLst/>
+                <a:highlight>
+                  <a:srgbClr val="FFFF00"/>
+                </a:highlight>
                 <a:latin typeface="NanumBarunGothic"/>
               </a:rPr>
               <a:t>Json</a:t>
@@ -6589,6 +6455,9 @@
             <a:r>
               <a:rPr lang="en" altLang="ko-Kore-KR" b="0" i="0" dirty="0">
                 <a:effectLst/>
+                <a:highlight>
+                  <a:srgbClr val="FFFF00"/>
+                </a:highlight>
                 <a:latin typeface="NanumBarunGothic"/>
               </a:rPr>
               <a:t>(application/</a:t>
@@ -6596,6 +6465,9 @@
             <a:r>
               <a:rPr lang="en" altLang="ko-Kore-KR" b="0" i="0" dirty="0" err="1">
                 <a:effectLst/>
+                <a:highlight>
+                  <a:srgbClr val="FFFF00"/>
+                </a:highlight>
                 <a:latin typeface="NanumBarunGothic"/>
               </a:rPr>
               <a:t>json</a:t>
@@ -6603,6 +6475,9 @@
             <a:r>
               <a:rPr lang="en" altLang="ko-Kore-KR" b="0" i="0" dirty="0">
                 <a:effectLst/>
+                <a:highlight>
+                  <a:srgbClr val="FFFF00"/>
+                </a:highlight>
                 <a:latin typeface="NanumBarunGothic"/>
               </a:rPr>
               <a:t>) </a:t>
@@ -6610,6 +6485,9 @@
             <a:r>
               <a:rPr lang="ko-KR" altLang="en-US" b="0" i="0" dirty="0">
                 <a:effectLst/>
+                <a:highlight>
+                  <a:srgbClr val="FFFF00"/>
+                </a:highlight>
                 <a:latin typeface="NanumBarunGothic"/>
               </a:rPr>
               <a:t>형태의 </a:t>
@@ -6617,6 +6495,9 @@
             <a:r>
               <a:rPr lang="en" altLang="ko-Kore-KR" b="0" i="0" dirty="0">
                 <a:effectLst/>
+                <a:highlight>
+                  <a:srgbClr val="FFFF00"/>
+                </a:highlight>
                 <a:latin typeface="NanumBarunGothic"/>
               </a:rPr>
               <a:t>HTTP Body </a:t>
@@ -6624,9 +6505,19 @@
             <a:r>
               <a:rPr lang="ko-KR" altLang="en-US" b="0" i="0" dirty="0">
                 <a:effectLst/>
-                <a:latin typeface="NanumBarunGothic"/>
-              </a:rPr>
-              <a:t>데이터를 </a:t>
+                <a:highlight>
+                  <a:srgbClr val="FFFF00"/>
+                </a:highlight>
+                <a:latin typeface="NanumBarunGothic"/>
+              </a:rPr>
+              <a:t>데이터</a:t>
+            </a:r>
+            <a:r>
+              <a:rPr lang="ko-KR" altLang="en-US" b="0" i="0" dirty="0">
+                <a:effectLst/>
+                <a:latin typeface="NanumBarunGothic"/>
+              </a:rPr>
+              <a:t>를 </a:t>
             </a:r>
             <a:r>
               <a:rPr lang="en" altLang="ko-Kore-KR" b="0" i="0" dirty="0" err="1">
@@ -6652,6 +6543,9 @@
             <a:r>
               <a:rPr lang="en" altLang="ko-Kore-KR" b="0" i="0" dirty="0">
                 <a:effectLst/>
+                <a:highlight>
+                  <a:srgbClr val="FFFF00"/>
+                </a:highlight>
                 <a:latin typeface="NanumBarunGothic"/>
               </a:rPr>
               <a:t>Java </a:t>
@@ -6659,9 +6553,19 @@
             <a:r>
               <a:rPr lang="ko-KR" altLang="en-US" b="0" i="0" dirty="0">
                 <a:effectLst/>
-                <a:latin typeface="NanumBarunGothic"/>
-              </a:rPr>
-              <a:t>객체로 변환시킴</a:t>
+                <a:highlight>
+                  <a:srgbClr val="FFFF00"/>
+                </a:highlight>
+                <a:latin typeface="NanumBarunGothic"/>
+              </a:rPr>
+              <a:t>객체로 변환</a:t>
+            </a:r>
+            <a:r>
+              <a:rPr lang="ko-KR" altLang="en-US" b="0" i="0" dirty="0">
+                <a:effectLst/>
+                <a:latin typeface="NanumBarunGothic"/>
+              </a:rPr>
+              <a:t>시킴</a:t>
             </a:r>
           </a:p>
           <a:p>
@@ -6788,6 +6692,9 @@
             <a:r>
               <a:rPr lang="ko-KR" altLang="en-US" b="0" i="0" dirty="0">
                 <a:effectLst/>
+                <a:highlight>
+                  <a:srgbClr val="FFFF00"/>
+                </a:highlight>
                 <a:latin typeface="NanumBarunGothic"/>
               </a:rPr>
               <a:t>폼 형태</a:t>
@@ -6795,6 +6702,9 @@
             <a:r>
               <a:rPr lang="en-US" altLang="ko-KR" b="0" i="0" dirty="0">
                 <a:effectLst/>
+                <a:highlight>
+                  <a:srgbClr val="FFFF00"/>
+                </a:highlight>
                 <a:latin typeface="NanumBarunGothic"/>
               </a:rPr>
               <a:t>(</a:t>
@@ -6802,6 +6712,9 @@
             <a:r>
               <a:rPr lang="en" altLang="ko-Kore-KR" b="0" i="0" dirty="0">
                 <a:effectLst/>
+                <a:highlight>
+                  <a:srgbClr val="FFFF00"/>
+                </a:highlight>
                 <a:latin typeface="NanumBarunGothic"/>
               </a:rPr>
               <a:t>form)</a:t>
@@ -6809,6 +6722,9 @@
             <a:r>
               <a:rPr lang="ko-KR" altLang="en-US" b="0" i="0" dirty="0">
                 <a:effectLst/>
+                <a:highlight>
+                  <a:srgbClr val="FFFF00"/>
+                </a:highlight>
                 <a:latin typeface="NanumBarunGothic"/>
               </a:rPr>
               <a:t>의 </a:t>
@@ -6816,6 +6732,9 @@
             <a:r>
               <a:rPr lang="en" altLang="ko-Kore-KR" b="0" i="0" dirty="0">
                 <a:effectLst/>
+                <a:highlight>
+                  <a:srgbClr val="FFFF00"/>
+                </a:highlight>
                 <a:latin typeface="NanumBarunGothic"/>
               </a:rPr>
               <a:t>HTTP Body</a:t>
@@ -6823,6 +6742,9 @@
             <a:r>
               <a:rPr lang="ko-KR" altLang="en-US" b="0" i="0" dirty="0">
                 <a:effectLst/>
+                <a:highlight>
+                  <a:srgbClr val="FFFF00"/>
+                </a:highlight>
                 <a:latin typeface="NanumBarunGothic"/>
               </a:rPr>
               <a:t>와 요청 파라미터들을 객체에 </a:t>
@@ -6830,9 +6752,19 @@
             <a:r>
               <a:rPr lang="ko-KR" altLang="en-US" b="0" i="0" dirty="0" err="1">
                 <a:effectLst/>
-                <a:latin typeface="NanumBarunGothic"/>
-              </a:rPr>
-              <a:t>바인딩시킴</a:t>
+                <a:highlight>
+                  <a:srgbClr val="FFFF00"/>
+                </a:highlight>
+                <a:latin typeface="NanumBarunGothic"/>
+              </a:rPr>
+              <a:t>바인딩</a:t>
+            </a:r>
+            <a:r>
+              <a:rPr lang="ko-KR" altLang="en-US" b="0" i="0" dirty="0" err="1">
+                <a:effectLst/>
+                <a:latin typeface="NanumBarunGothic"/>
+              </a:rPr>
+              <a:t>시킴</a:t>
             </a:r>
             <a:endParaRPr lang="ko-KR" altLang="en-US" b="0" i="0" dirty="0">
               <a:effectLst/>
@@ -7043,7 +6975,7 @@
           <a:lstStyle/>
           <a:p>
             <a:r>
-              <a:rPr kumimoji="1" lang="en-US" altLang="ko-Kore-KR" sz="1500" dirty="0">
+              <a:rPr kumimoji="1" lang="en-US" altLang="ko-Kore-KR" sz="1500" b="1" dirty="0">
                 <a:solidFill>
                   <a:srgbClr val="FF0000"/>
                 </a:solidFill>
@@ -7051,23 +6983,23 @@
               <a:t>name</a:t>
             </a:r>
             <a:r>
-              <a:rPr kumimoji="1" lang="en-US" altLang="ko-Kore-KR" sz="1500" dirty="0"/>
+              <a:rPr kumimoji="1" lang="en-US" altLang="ko-Kore-KR" sz="1500" b="1" dirty="0"/>
               <a:t> – </a:t>
             </a:r>
             <a:r>
-              <a:rPr kumimoji="1" lang="ko-KR" altLang="en-US" sz="1500" dirty="0"/>
+              <a:rPr kumimoji="1" lang="ko-KR" altLang="en-US" sz="1500" b="1" dirty="0"/>
               <a:t>파라미터의 이름을 지정하는 것으로 다른 속성이 없을 경우 </a:t>
             </a:r>
             <a:r>
-              <a:rPr kumimoji="1" lang="en-US" altLang="ko-KR" sz="1500" dirty="0"/>
+              <a:rPr kumimoji="1" lang="en-US" altLang="ko-KR" sz="1500" b="1" dirty="0"/>
               <a:t>”name = “</a:t>
             </a:r>
             <a:r>
-              <a:rPr kumimoji="1" lang="ko-KR" altLang="en-US" sz="1500" dirty="0"/>
+              <a:rPr kumimoji="1" lang="ko-KR" altLang="en-US" sz="1500" b="1" dirty="0"/>
               <a:t> 은 생략이 가능하다</a:t>
             </a:r>
             <a:r>
-              <a:rPr kumimoji="1" lang="en-US" altLang="ko-KR" sz="1500" dirty="0"/>
+              <a:rPr kumimoji="1" lang="en-US" altLang="ko-KR" sz="1500" b="1" dirty="0"/>
               <a:t>.</a:t>
             </a:r>
           </a:p>
@@ -7161,7 +7093,7 @@
           </a:p>
           <a:p>
             <a:r>
-              <a:rPr kumimoji="1" lang="en-US" altLang="ko-Kore-KR" sz="1500" dirty="0">
+              <a:rPr kumimoji="1" lang="en-US" altLang="ko-Kore-KR" sz="1500" b="1" dirty="0">
                 <a:solidFill>
                   <a:srgbClr val="FF0000"/>
                 </a:solidFill>
@@ -7169,89 +7101,89 @@
               <a:t>required</a:t>
             </a:r>
             <a:r>
-              <a:rPr kumimoji="1" lang="en-US" altLang="ko-Kore-KR" sz="1500" dirty="0"/>
+              <a:rPr kumimoji="1" lang="en-US" altLang="ko-Kore-KR" sz="1500" b="1" dirty="0"/>
               <a:t> – </a:t>
             </a:r>
             <a:r>
-              <a:rPr kumimoji="1" lang="ko-KR" altLang="en-US" sz="1500" dirty="0"/>
+              <a:rPr kumimoji="1" lang="ko-KR" altLang="en-US" sz="1500" b="1" dirty="0"/>
               <a:t>파라미터의 필수 여부를 결정</a:t>
             </a:r>
             <a:r>
-              <a:rPr kumimoji="1" lang="en-US" altLang="ko-KR" sz="1500" dirty="0"/>
+              <a:rPr kumimoji="1" lang="en-US" altLang="ko-KR" sz="1500" b="1" dirty="0"/>
               <a:t>.</a:t>
             </a:r>
             <a:r>
-              <a:rPr kumimoji="1" lang="ko-KR" altLang="en-US" sz="1500" dirty="0"/>
+              <a:rPr kumimoji="1" lang="ko-KR" altLang="en-US" sz="1500" b="1" dirty="0"/>
               <a:t> 기본값으로 필수</a:t>
             </a:r>
             <a:r>
-              <a:rPr kumimoji="1" lang="en-US" altLang="ko-KR" sz="1500" dirty="0"/>
+              <a:rPr kumimoji="1" lang="en-US" altLang="ko-KR" sz="1500" b="1" dirty="0"/>
               <a:t>(true)</a:t>
             </a:r>
             <a:r>
-              <a:rPr kumimoji="1" lang="ko-KR" altLang="en-US" sz="1500" dirty="0"/>
+              <a:rPr kumimoji="1" lang="ko-KR" altLang="en-US" sz="1500" b="1" dirty="0"/>
               <a:t>이다</a:t>
             </a:r>
             <a:r>
-              <a:rPr kumimoji="1" lang="en-US" altLang="ko-KR" sz="1500" dirty="0"/>
+              <a:rPr kumimoji="1" lang="en-US" altLang="ko-KR" sz="1500" b="1" dirty="0"/>
               <a:t>.</a:t>
             </a:r>
             <a:r>
-              <a:rPr kumimoji="1" lang="ko-KR" altLang="en-US" sz="1500" dirty="0"/>
+              <a:rPr kumimoji="1" lang="ko-KR" altLang="en-US" sz="1500" b="1" dirty="0"/>
               <a:t> </a:t>
             </a:r>
-            <a:endParaRPr kumimoji="1" lang="en-US" altLang="ko-KR" sz="1500" dirty="0"/>
-          </a:p>
-          <a:p>
-            <a:r>
-              <a:rPr kumimoji="1" lang="en-US" altLang="ko-Kore-KR" sz="1500" dirty="0"/>
+            <a:endParaRPr kumimoji="1" lang="en-US" altLang="ko-KR" sz="1500" b="1" dirty="0"/>
+          </a:p>
+          <a:p>
+            <a:r>
+              <a:rPr kumimoji="1" lang="en-US" altLang="ko-Kore-KR" sz="1500" b="1" dirty="0"/>
               <a:t>Required</a:t>
             </a:r>
             <a:r>
-              <a:rPr kumimoji="1" lang="ko-KR" altLang="en-US" sz="1500" dirty="0"/>
+              <a:rPr kumimoji="1" lang="ko-KR" altLang="en-US" sz="1500" b="1" dirty="0"/>
               <a:t>가 </a:t>
             </a:r>
             <a:r>
-              <a:rPr kumimoji="1" lang="en-US" altLang="ko-KR" sz="1500" dirty="0"/>
+              <a:rPr kumimoji="1" lang="en-US" altLang="ko-KR" sz="1500" b="1" dirty="0"/>
               <a:t>true</a:t>
             </a:r>
             <a:r>
-              <a:rPr kumimoji="1" lang="ko-KR" altLang="en-US" sz="1500" dirty="0"/>
+              <a:rPr kumimoji="1" lang="ko-KR" altLang="en-US" sz="1500" b="1" dirty="0"/>
               <a:t>일 때 해당 파라미터가 없으면 </a:t>
             </a:r>
             <a:r>
-              <a:rPr kumimoji="1" lang="en-US" altLang="ko-KR" sz="1500" dirty="0"/>
+              <a:rPr kumimoji="1" lang="en-US" altLang="ko-KR" sz="1500" b="1" dirty="0"/>
               <a:t>HTTP</a:t>
             </a:r>
             <a:r>
-              <a:rPr kumimoji="1" lang="ko-KR" altLang="en-US" sz="1500" dirty="0"/>
+              <a:rPr kumimoji="1" lang="ko-KR" altLang="en-US" sz="1500" b="1" dirty="0"/>
               <a:t> 상태코드 </a:t>
             </a:r>
             <a:r>
-              <a:rPr kumimoji="1" lang="en-US" altLang="ko-KR" sz="1500" dirty="0"/>
+              <a:rPr kumimoji="1" lang="en-US" altLang="ko-KR" sz="1500" b="1" dirty="0"/>
               <a:t>400</a:t>
             </a:r>
             <a:r>
-              <a:rPr kumimoji="1" lang="ko-KR" altLang="en-US" sz="1500" dirty="0"/>
+              <a:rPr kumimoji="1" lang="ko-KR" altLang="en-US" sz="1500" b="1" dirty="0"/>
               <a:t>을 반환하며 </a:t>
             </a:r>
             <a:r>
-              <a:rPr kumimoji="1" lang="en-US" altLang="ko-KR" sz="1500" dirty="0"/>
+              <a:rPr kumimoji="1" lang="en-US" altLang="ko-KR" sz="1500" b="1" dirty="0"/>
               <a:t>false</a:t>
             </a:r>
             <a:r>
-              <a:rPr kumimoji="1" lang="ko-KR" altLang="en-US" sz="1500" dirty="0"/>
+              <a:rPr kumimoji="1" lang="ko-KR" altLang="en-US" sz="1500" b="1" dirty="0"/>
               <a:t>인 경우 해당 파라미터가 없어도 예외가 발생하지 않는다</a:t>
             </a:r>
             <a:r>
-              <a:rPr kumimoji="1" lang="en-US" altLang="ko-KR" sz="1500" dirty="0"/>
+              <a:rPr kumimoji="1" lang="en-US" altLang="ko-KR" sz="1500" b="1" dirty="0"/>
               <a:t>.</a:t>
             </a:r>
             <a:r>
-              <a:rPr kumimoji="1" lang="ko-KR" altLang="en-US" sz="1500" dirty="0"/>
+              <a:rPr kumimoji="1" lang="ko-KR" altLang="en-US" sz="1500" b="1" dirty="0"/>
               <a:t> </a:t>
             </a:r>
-            <a:endParaRPr kumimoji="1" lang="en-US" altLang="ko-KR" sz="1500" dirty="0"/>
+            <a:endParaRPr kumimoji="1" lang="en-US" altLang="ko-KR" sz="1500" b="1" dirty="0"/>
           </a:p>
           <a:p>
             <a:r>
@@ -7742,22 +7674,32 @@
             <a:r>
               <a:rPr lang="en-US" altLang="ko-KR" b="0" i="0" dirty="0">
                 <a:solidFill>
+                  <a:srgbClr val="FF0000"/>
+                </a:solidFill>
+                <a:effectLst/>
+                <a:latin typeface="Noto Sans KR"/>
+              </a:rPr>
+              <a:t>400 </a:t>
+            </a:r>
+            <a:r>
+              <a:rPr lang="ko-KR" altLang="en-US" b="0" i="0" dirty="0">
+                <a:solidFill>
+                  <a:srgbClr val="FF0000"/>
+                </a:solidFill>
+                <a:effectLst/>
+                <a:latin typeface="Noto Sans KR"/>
+              </a:rPr>
+              <a:t>예외</a:t>
+            </a:r>
+            <a:r>
+              <a:rPr lang="ko-KR" altLang="en-US" b="0" i="0" dirty="0">
+                <a:solidFill>
                   <a:srgbClr val="333333"/>
                 </a:solidFill>
                 <a:effectLst/>
                 <a:latin typeface="Noto Sans KR"/>
               </a:rPr>
-              <a:t>400 </a:t>
-            </a:r>
-            <a:r>
-              <a:rPr lang="ko-KR" altLang="en-US" b="0" i="0" dirty="0">
-                <a:solidFill>
-                  <a:srgbClr val="333333"/>
-                </a:solidFill>
-                <a:effectLst/>
-                <a:latin typeface="Noto Sans KR"/>
-              </a:rPr>
-              <a:t>예외가 발생한다</a:t>
+              <a:t>가 발생한다</a:t>
             </a:r>
             <a:r>
               <a:rPr lang="en-US" altLang="ko-KR" b="0" i="0" dirty="0">
@@ -7788,9 +7730,12 @@
             <a:r>
               <a:rPr lang="en" altLang="ko-Kore-KR" b="0" i="0" dirty="0">
                 <a:solidFill>
-                  <a:srgbClr val="333333"/>
-                </a:solidFill>
-                <a:effectLst/>
+                  <a:srgbClr val="FF0000"/>
+                </a:solidFill>
+                <a:effectLst/>
+                <a:highlight>
+                  <a:srgbClr val="FFFF00"/>
+                </a:highlight>
                 <a:latin typeface="Noto Sans KR"/>
               </a:rPr>
               <a:t>age</a:t>
@@ -7798,9 +7743,12 @@
             <a:r>
               <a:rPr lang="ko-KR" altLang="en-US" b="0" i="0" dirty="0">
                 <a:solidFill>
-                  <a:srgbClr val="333333"/>
-                </a:solidFill>
-                <a:effectLst/>
+                  <a:srgbClr val="FF0000"/>
+                </a:solidFill>
+                <a:effectLst/>
+                <a:highlight>
+                  <a:srgbClr val="FFFF00"/>
+                </a:highlight>
                 <a:latin typeface="Noto Sans KR"/>
               </a:rPr>
               <a:t>의 타입은 </a:t>
@@ -7808,9 +7756,12 @@
             <a:r>
               <a:rPr lang="en" altLang="ko-Kore-KR" b="0" i="0" dirty="0">
                 <a:solidFill>
-                  <a:srgbClr val="333333"/>
-                </a:solidFill>
-                <a:effectLst/>
+                  <a:srgbClr val="FF0000"/>
+                </a:solidFill>
+                <a:effectLst/>
+                <a:highlight>
+                  <a:srgbClr val="FFFF00"/>
+                </a:highlight>
                 <a:latin typeface="Noto Sans KR"/>
               </a:rPr>
               <a:t>int </a:t>
@@ -7818,9 +7769,12 @@
             <a:r>
               <a:rPr lang="ko-KR" altLang="en-US" b="0" i="0" dirty="0">
                 <a:solidFill>
-                  <a:srgbClr val="333333"/>
-                </a:solidFill>
-                <a:effectLst/>
+                  <a:srgbClr val="FF0000"/>
+                </a:solidFill>
+                <a:effectLst/>
+                <a:highlight>
+                  <a:srgbClr val="FFFF00"/>
+                </a:highlight>
                 <a:latin typeface="Noto Sans KR"/>
               </a:rPr>
               <a:t>타입이며</a:t>
@@ -7828,9 +7782,12 @@
             <a:r>
               <a:rPr lang="en-US" altLang="ko-KR" b="0" i="0" dirty="0">
                 <a:solidFill>
-                  <a:srgbClr val="333333"/>
-                </a:solidFill>
-                <a:effectLst/>
+                  <a:srgbClr val="FF0000"/>
+                </a:solidFill>
+                <a:effectLst/>
+                <a:highlight>
+                  <a:srgbClr val="FFFF00"/>
+                </a:highlight>
                 <a:latin typeface="Noto Sans KR"/>
               </a:rPr>
               <a:t>, </a:t>
@@ -7838,9 +7795,12 @@
             <a:r>
               <a:rPr lang="en" altLang="ko-Kore-KR" b="0" i="0" dirty="0">
                 <a:solidFill>
-                  <a:srgbClr val="333333"/>
-                </a:solidFill>
-                <a:effectLst/>
+                  <a:srgbClr val="FF0000"/>
+                </a:solidFill>
+                <a:effectLst/>
+                <a:highlight>
+                  <a:srgbClr val="FFFF00"/>
+                </a:highlight>
                 <a:latin typeface="Noto Sans KR"/>
               </a:rPr>
               <a:t>int</a:t>
@@ -7848,9 +7808,12 @@
             <a:r>
               <a:rPr lang="ko-KR" altLang="en-US" b="0" i="0" dirty="0">
                 <a:solidFill>
-                  <a:srgbClr val="333333"/>
-                </a:solidFill>
-                <a:effectLst/>
+                  <a:srgbClr val="FF0000"/>
+                </a:solidFill>
+                <a:effectLst/>
+                <a:highlight>
+                  <a:srgbClr val="FFFF00"/>
+                </a:highlight>
                 <a:latin typeface="Noto Sans KR"/>
               </a:rPr>
               <a:t>는 </a:t>
@@ -7858,9 +7821,12 @@
             <a:r>
               <a:rPr lang="en" altLang="ko-Kore-KR" b="0" i="0" dirty="0">
                 <a:solidFill>
-                  <a:srgbClr val="333333"/>
-                </a:solidFill>
-                <a:effectLst/>
+                  <a:srgbClr val="FF0000"/>
+                </a:solidFill>
+                <a:effectLst/>
+                <a:highlight>
+                  <a:srgbClr val="FFFF00"/>
+                </a:highlight>
                 <a:latin typeface="Noto Sans KR"/>
               </a:rPr>
               <a:t>null </a:t>
@@ -7868,9 +7834,12 @@
             <a:r>
               <a:rPr lang="ko-KR" altLang="en-US" b="0" i="0" dirty="0">
                 <a:solidFill>
-                  <a:srgbClr val="333333"/>
-                </a:solidFill>
-                <a:effectLst/>
+                  <a:srgbClr val="FF0000"/>
+                </a:solidFill>
+                <a:effectLst/>
+                <a:highlight>
+                  <a:srgbClr val="FFFF00"/>
+                </a:highlight>
                 <a:latin typeface="Noto Sans KR"/>
               </a:rPr>
               <a:t>값을 허용하지 않는다</a:t>
@@ -7878,9 +7847,12 @@
             <a:r>
               <a:rPr lang="en-US" altLang="ko-KR" b="0" i="0" dirty="0">
                 <a:solidFill>
-                  <a:srgbClr val="333333"/>
-                </a:solidFill>
-                <a:effectLst/>
+                  <a:srgbClr val="FF0000"/>
+                </a:solidFill>
+                <a:effectLst/>
+                <a:highlight>
+                  <a:srgbClr val="FFFF00"/>
+                </a:highlight>
                 <a:latin typeface="Noto Sans KR"/>
               </a:rPr>
               <a:t>.</a:t>
@@ -7944,22 +7916,32 @@
             <a:r>
               <a:rPr lang="en-US" altLang="ko-KR" b="0" i="0" dirty="0">
                 <a:solidFill>
+                  <a:srgbClr val="FF0000"/>
+                </a:solidFill>
+                <a:effectLst/>
+                <a:latin typeface="Noto Sans KR"/>
+              </a:rPr>
+              <a:t>500 </a:t>
+            </a:r>
+            <a:r>
+              <a:rPr lang="ko-KR" altLang="en-US" b="0" i="0" dirty="0">
+                <a:solidFill>
+                  <a:srgbClr val="FF0000"/>
+                </a:solidFill>
+                <a:effectLst/>
+                <a:latin typeface="Noto Sans KR"/>
+              </a:rPr>
+              <a:t>예외</a:t>
+            </a:r>
+            <a:r>
+              <a:rPr lang="ko-KR" altLang="en-US" b="0" i="0" dirty="0">
+                <a:solidFill>
                   <a:srgbClr val="333333"/>
                 </a:solidFill>
                 <a:effectLst/>
                 <a:latin typeface="Noto Sans KR"/>
               </a:rPr>
-              <a:t>500 </a:t>
-            </a:r>
-            <a:r>
-              <a:rPr lang="ko-KR" altLang="en-US" b="0" i="0" dirty="0">
-                <a:solidFill>
-                  <a:srgbClr val="333333"/>
-                </a:solidFill>
-                <a:effectLst/>
-                <a:latin typeface="Noto Sans KR"/>
-              </a:rPr>
-              <a:t>예외가 발생한다</a:t>
+              <a:t>가 발생한다</a:t>
             </a:r>
             <a:r>
               <a:rPr lang="en-US" altLang="ko-KR" b="0" i="0" dirty="0">
@@ -8188,6 +8170,8 @@
               </a:rPr>
               <a:t>(</a:t>
             </a:r>
+          </a:p>
+          <a:p>
             <a:r>
               <a:rPr lang="en" altLang="ko-Kore-KR" sz="1500" b="1" i="0" dirty="0">
                 <a:solidFill>
@@ -8266,7 +8250,27 @@
                 <a:effectLst/>
                 <a:latin typeface="Courier New" panose="02070309020205020404" pitchFamily="49" charset="0"/>
               </a:rPr>
-              <a:t> Integer age) { </a:t>
+              <a:t> </a:t>
+            </a:r>
+            <a:r>
+              <a:rPr lang="en" altLang="ko-Kore-KR" sz="1500" b="1" i="0" dirty="0">
+                <a:solidFill>
+                  <a:srgbClr val="FF0000"/>
+                </a:solidFill>
+                <a:effectLst/>
+                <a:latin typeface="Courier New" panose="02070309020205020404" pitchFamily="49" charset="0"/>
+              </a:rPr>
+              <a:t>Integer age</a:t>
+            </a:r>
+            <a:r>
+              <a:rPr lang="en" altLang="ko-Kore-KR" sz="1500" b="1" i="0" dirty="0">
+                <a:solidFill>
+                  <a:srgbClr val="A9B7C6"/>
+                </a:solidFill>
+                <a:effectLst/>
+                <a:latin typeface="Courier New" panose="02070309020205020404" pitchFamily="49" charset="0"/>
+              </a:rPr>
+              <a:t>) { </a:t>
             </a:r>
           </a:p>
           <a:p>
@@ -8478,6 +8482,9 @@
                   <a:srgbClr val="333333"/>
                 </a:solidFill>
                 <a:effectLst/>
+                <a:highlight>
+                  <a:srgbClr val="FFFF00"/>
+                </a:highlight>
                 <a:latin typeface="Noto Sans KR"/>
               </a:rPr>
               <a:t>age</a:t>
@@ -8488,6 +8495,9 @@
                   <a:srgbClr val="333333"/>
                 </a:solidFill>
                 <a:effectLst/>
+                <a:highlight>
+                  <a:srgbClr val="FFFF00"/>
+                </a:highlight>
                 <a:latin typeface="Noto Sans KR"/>
               </a:rPr>
               <a:t>의 타입을 </a:t>
@@ -8498,6 +8508,9 @@
                   <a:srgbClr val="333333"/>
                 </a:solidFill>
                 <a:effectLst/>
+                <a:highlight>
+                  <a:srgbClr val="FFFF00"/>
+                </a:highlight>
                 <a:latin typeface="Noto Sans KR"/>
               </a:rPr>
               <a:t>Integer</a:t>
@@ -8508,6 +8521,9 @@
                   <a:srgbClr val="333333"/>
                 </a:solidFill>
                 <a:effectLst/>
+                <a:highlight>
+                  <a:srgbClr val="FFFF00"/>
+                </a:highlight>
                 <a:latin typeface="Noto Sans KR"/>
               </a:rPr>
               <a:t>로 바꿔야 </a:t>
@@ -8518,6 +8534,9 @@
                   <a:srgbClr val="333333"/>
                 </a:solidFill>
                 <a:effectLst/>
+                <a:highlight>
+                  <a:srgbClr val="FFFF00"/>
+                </a:highlight>
                 <a:latin typeface="Noto Sans KR"/>
               </a:rPr>
               <a:t>null</a:t>
@@ -8528,9 +8547,22 @@
                   <a:srgbClr val="333333"/>
                 </a:solidFill>
                 <a:effectLst/>
+                <a:highlight>
+                  <a:srgbClr val="FFFF00"/>
+                </a:highlight>
                 <a:latin typeface="Noto Sans KR"/>
               </a:rPr>
-              <a:t>값을 허용하게 된다</a:t>
+              <a:t>값을 허용</a:t>
+            </a:r>
+            <a:r>
+              <a:rPr lang="ko-KR" altLang="en-US" sz="1400" b="0" i="0" dirty="0">
+                <a:solidFill>
+                  <a:srgbClr val="333333"/>
+                </a:solidFill>
+                <a:effectLst/>
+                <a:latin typeface="Noto Sans KR"/>
+              </a:rPr>
+              <a:t>하게 된다</a:t>
             </a:r>
             <a:r>
               <a:rPr lang="en-US" altLang="ko-KR" sz="1400" b="0" i="0" dirty="0">
@@ -8628,7 +8660,7 @@
               <a:buChar char="•"/>
             </a:pPr>
             <a:r>
-              <a:rPr lang="ko-KR" altLang="en-US" sz="1400" b="0" i="0" dirty="0">
+              <a:rPr lang="ko-KR" altLang="en-US" sz="1400" b="1" i="0" dirty="0">
                 <a:solidFill>
                   <a:srgbClr val="333333"/>
                 </a:solidFill>
@@ -8638,7 +8670,7 @@
               <a:t> “</a:t>
             </a:r>
             <a:r>
-              <a:rPr lang="en-US" altLang="ko-KR" sz="1400" b="0" i="0" dirty="0">
+              <a:rPr lang="en-US" altLang="ko-KR" sz="1400" b="1" i="0" dirty="0">
                 <a:solidFill>
                   <a:srgbClr val="333333"/>
                 </a:solidFill>
@@ -8648,7 +8680,7 @@
               <a:t>/</a:t>
             </a:r>
             <a:r>
-              <a:rPr lang="en" altLang="ko-Kore-KR" sz="1400" b="0" i="0" dirty="0" err="1">
+              <a:rPr lang="en" altLang="ko-Kore-KR" sz="1400" b="1" i="0" dirty="0" err="1">
                 <a:solidFill>
                   <a:srgbClr val="333333"/>
                 </a:solidFill>
@@ -8658,7 +8690,7 @@
               <a:t>request-param?username</a:t>
             </a:r>
             <a:r>
-              <a:rPr lang="en" altLang="ko-Kore-KR" sz="1400" b="0" i="0" dirty="0">
+              <a:rPr lang="en" altLang="ko-Kore-KR" sz="1400" b="1" i="0" dirty="0">
                 <a:solidFill>
                   <a:srgbClr val="333333"/>
                 </a:solidFill>
@@ -8668,7 +8700,7 @@
               <a:t>=” </a:t>
             </a:r>
             <a:r>
-              <a:rPr lang="ko-KR" altLang="en-US" sz="1400" b="0" i="0" dirty="0">
+              <a:rPr lang="ko-KR" altLang="en-US" sz="1400" b="1" i="0" dirty="0">
                 <a:solidFill>
                   <a:srgbClr val="333333"/>
                 </a:solidFill>
@@ -8684,7 +8716,7 @@
               <a:buChar char="•"/>
             </a:pPr>
             <a:r>
-              <a:rPr lang="ko-KR" altLang="en-US" sz="1400" b="0" i="0" dirty="0">
+              <a:rPr lang="ko-KR" altLang="en-US" sz="1400" b="1" i="0" dirty="0">
                 <a:solidFill>
                   <a:srgbClr val="333333"/>
                 </a:solidFill>
@@ -8700,7 +8732,7 @@
               <a:buChar char="•"/>
             </a:pPr>
             <a:r>
-              <a:rPr lang="ko-KR" altLang="en-US" sz="1400" b="0" i="0" dirty="0">
+              <a:rPr lang="ko-KR" altLang="en-US" sz="1400" b="1" i="0" dirty="0">
                 <a:solidFill>
                   <a:srgbClr val="333333"/>
                 </a:solidFill>
@@ -8710,7 +8742,7 @@
               <a:t> 값이 없는 </a:t>
             </a:r>
             <a:r>
-              <a:rPr lang="en" altLang="ko-Kore-KR" sz="1400" b="0" i="0" dirty="0">
+              <a:rPr lang="en" altLang="ko-Kore-KR" sz="1400" b="1" i="0" dirty="0">
                 <a:solidFill>
                   <a:srgbClr val="333333"/>
                 </a:solidFill>
@@ -8720,7 +8752,7 @@
               <a:t>null</a:t>
             </a:r>
             <a:r>
-              <a:rPr lang="ko-KR" altLang="en-US" sz="1400" b="0" i="0" dirty="0">
+              <a:rPr lang="ko-KR" altLang="en-US" sz="1400" b="1" i="0" dirty="0">
                 <a:solidFill>
                   <a:srgbClr val="333333"/>
                 </a:solidFill>
@@ -8730,7 +8762,7 @@
               <a:t>과 </a:t>
             </a:r>
             <a:r>
-              <a:rPr lang="ko-KR" altLang="en-US" sz="1400" b="0" i="0" dirty="0" err="1">
+              <a:rPr lang="ko-KR" altLang="en-US" sz="1400" b="1" i="0" dirty="0" err="1">
                 <a:solidFill>
                   <a:srgbClr val="333333"/>
                 </a:solidFill>
@@ -8740,7 +8772,7 @@
               <a:t>빈문자</a:t>
             </a:r>
             <a:r>
-              <a:rPr lang="ko-KR" altLang="en-US" sz="1400" b="0" i="0" dirty="0">
+              <a:rPr lang="ko-KR" altLang="en-US" sz="1400" b="1" i="0" dirty="0">
                 <a:solidFill>
                   <a:srgbClr val="333333"/>
                 </a:solidFill>
@@ -8781,7 +8813,11 @@
           <a:lstStyle/>
           <a:p>
             <a:r>
-              <a:rPr kumimoji="1" lang="en-US" altLang="ko-Kore-KR" sz="1400" dirty="0" err="1"/>
+              <a:rPr kumimoji="1" lang="en-US" altLang="ko-Kore-KR" sz="1400" b="1" dirty="0" err="1">
+                <a:solidFill>
+                  <a:srgbClr val="FF0000"/>
+                </a:solidFill>
+              </a:rPr>
               <a:t>defaultValue</a:t>
             </a:r>
             <a:r>
@@ -11190,6 +11226,412 @@
           </a:fontRef>
         </p:style>
       </p:cxnSp>
+      <p:sp>
+        <p:nvSpPr>
+          <p:cNvPr id="5" name="TextBox 4">
+            <a:extLst>
+              <a:ext uri="{FF2B5EF4-FFF2-40B4-BE49-F238E27FC236}">
+                <a16:creationId xmlns:a16="http://schemas.microsoft.com/office/drawing/2014/main" id="{350DFEDB-ECB6-B0E3-EA3C-59873BF88C6A}"/>
+              </a:ext>
+            </a:extLst>
+          </p:cNvPr>
+          <p:cNvSpPr txBox="1"/>
+          <p:nvPr/>
+        </p:nvSpPr>
+        <p:spPr>
+          <a:xfrm>
+            <a:off x="6490139" y="4023085"/>
+            <a:ext cx="5427700" cy="1708160"/>
+          </a:xfrm>
+          <a:prstGeom prst="rect">
+            <a:avLst/>
+          </a:prstGeom>
+          <a:noFill/>
+        </p:spPr>
+        <p:txBody>
+          <a:bodyPr wrap="square">
+            <a:spAutoFit/>
+          </a:bodyPr>
+          <a:lstStyle/>
+          <a:p>
+            <a:pPr algn="l"/>
+            <a:r>
+              <a:rPr lang="en" altLang="ko-Kore-KR" sz="1500" b="1" i="0" dirty="0">
+                <a:solidFill>
+                  <a:srgbClr val="FF0000"/>
+                </a:solidFill>
+                <a:effectLst/>
+                <a:latin typeface="Noto Sans Demilight"/>
+              </a:rPr>
+              <a:t>@</a:t>
+            </a:r>
+            <a:r>
+              <a:rPr lang="en" altLang="ko-Kore-KR" sz="1500" b="1" i="0" dirty="0" err="1">
+                <a:solidFill>
+                  <a:srgbClr val="FF0000"/>
+                </a:solidFill>
+                <a:effectLst/>
+                <a:latin typeface="Noto Sans Demilight"/>
+              </a:rPr>
+              <a:t>RequestBody</a:t>
+            </a:r>
+            <a:r>
+              <a:rPr lang="en" altLang="ko-Kore-KR" sz="1500" b="1" i="0" dirty="0">
+                <a:solidFill>
+                  <a:srgbClr val="FF0000"/>
+                </a:solidFill>
+                <a:effectLst/>
+                <a:latin typeface="Noto Sans Demilight"/>
+              </a:rPr>
+              <a:t> </a:t>
+            </a:r>
+            <a:r>
+              <a:rPr lang="ko-KR" altLang="en-US" sz="1500" b="1" i="0" dirty="0">
+                <a:solidFill>
+                  <a:srgbClr val="FF0000"/>
+                </a:solidFill>
+                <a:effectLst/>
+                <a:latin typeface="Noto Sans Demilight"/>
+              </a:rPr>
+              <a:t>정리</a:t>
+            </a:r>
+            <a:r>
+              <a:rPr lang="en-US" altLang="ko-KR" sz="1500" b="1" i="0" dirty="0">
+                <a:solidFill>
+                  <a:srgbClr val="FF0000"/>
+                </a:solidFill>
+                <a:effectLst/>
+                <a:latin typeface="Noto Sans Demilight"/>
+              </a:rPr>
+              <a:t> </a:t>
+            </a:r>
+          </a:p>
+          <a:p>
+            <a:pPr algn="l"/>
+            <a:endParaRPr lang="ko-KR" altLang="en-US" sz="1500" b="0" i="0" dirty="0">
+              <a:effectLst/>
+              <a:latin typeface="Noto Sans KR"/>
+            </a:endParaRPr>
+          </a:p>
+          <a:p>
+            <a:pPr algn="l"/>
+            <a:r>
+              <a:rPr lang="ko-KR" altLang="en-US" sz="1500" b="1" i="0" dirty="0">
+                <a:solidFill>
+                  <a:srgbClr val="555555"/>
+                </a:solidFill>
+                <a:effectLst/>
+                <a:latin typeface="+mj-ea"/>
+                <a:ea typeface="+mj-ea"/>
+              </a:rPr>
+              <a:t>클라이언트에서 서버로 필요한 데이터를 요청</a:t>
+            </a:r>
+            <a:r>
+              <a:rPr lang="ko-KR" altLang="en-US" sz="1500" i="0" dirty="0">
+                <a:solidFill>
+                  <a:srgbClr val="555555"/>
+                </a:solidFill>
+                <a:effectLst/>
+                <a:latin typeface="+mj-ea"/>
+                <a:ea typeface="+mj-ea"/>
+              </a:rPr>
+              <a:t>하기 위해 </a:t>
+            </a:r>
+            <a:r>
+              <a:rPr lang="en" altLang="ko-Kore-KR" sz="1500" b="1" i="0" dirty="0">
+                <a:solidFill>
+                  <a:srgbClr val="555555"/>
+                </a:solidFill>
+                <a:effectLst/>
+                <a:latin typeface="+mj-ea"/>
+                <a:ea typeface="+mj-ea"/>
+              </a:rPr>
+              <a:t>JSON </a:t>
+            </a:r>
+            <a:r>
+              <a:rPr lang="ko-KR" altLang="en-US" sz="1500" b="1" i="0" dirty="0">
+                <a:solidFill>
+                  <a:srgbClr val="555555"/>
+                </a:solidFill>
+                <a:effectLst/>
+                <a:latin typeface="+mj-ea"/>
+                <a:ea typeface="+mj-ea"/>
+              </a:rPr>
+              <a:t>데이터</a:t>
+            </a:r>
+            <a:r>
+              <a:rPr lang="ko-KR" altLang="en-US" sz="1500" i="0" dirty="0">
+                <a:solidFill>
+                  <a:srgbClr val="555555"/>
+                </a:solidFill>
+                <a:effectLst/>
+                <a:latin typeface="+mj-ea"/>
+                <a:ea typeface="+mj-ea"/>
+              </a:rPr>
+              <a:t>를 요청 본문에 담아서 </a:t>
+            </a:r>
+            <a:r>
+              <a:rPr lang="ko-KR" altLang="en-US" sz="1500" b="1" i="0" dirty="0">
+                <a:solidFill>
+                  <a:srgbClr val="555555"/>
+                </a:solidFill>
+                <a:effectLst/>
+                <a:latin typeface="+mj-ea"/>
+                <a:ea typeface="+mj-ea"/>
+              </a:rPr>
+              <a:t>서버</a:t>
+            </a:r>
+            <a:r>
+              <a:rPr lang="ko-KR" altLang="en-US" sz="1500" i="0" dirty="0">
+                <a:solidFill>
+                  <a:srgbClr val="555555"/>
+                </a:solidFill>
+                <a:effectLst/>
+                <a:latin typeface="+mj-ea"/>
+                <a:ea typeface="+mj-ea"/>
+              </a:rPr>
+              <a:t>로 보내면</a:t>
+            </a:r>
+            <a:r>
+              <a:rPr lang="en-US" altLang="ko-KR" sz="1500" i="0" dirty="0">
+                <a:solidFill>
+                  <a:srgbClr val="555555"/>
+                </a:solidFill>
+                <a:effectLst/>
+                <a:latin typeface="+mj-ea"/>
+                <a:ea typeface="+mj-ea"/>
+              </a:rPr>
+              <a:t>, </a:t>
+            </a:r>
+            <a:r>
+              <a:rPr lang="ko-KR" altLang="en-US" sz="1500" i="0" dirty="0">
+                <a:solidFill>
+                  <a:srgbClr val="555555"/>
+                </a:solidFill>
+                <a:effectLst/>
+                <a:latin typeface="+mj-ea"/>
+                <a:ea typeface="+mj-ea"/>
+              </a:rPr>
+              <a:t>서버에서는 </a:t>
+            </a:r>
+            <a:r>
+              <a:rPr lang="en-US" altLang="ko-KR" sz="1500" b="1" i="0" dirty="0">
+                <a:solidFill>
+                  <a:srgbClr val="FF0000"/>
+                </a:solidFill>
+                <a:effectLst/>
+                <a:latin typeface="+mj-ea"/>
+                <a:ea typeface="+mj-ea"/>
+              </a:rPr>
+              <a:t>@</a:t>
+            </a:r>
+            <a:r>
+              <a:rPr lang="en" altLang="ko-Kore-KR" sz="1500" b="1" i="0" dirty="0" err="1">
+                <a:solidFill>
+                  <a:srgbClr val="FF0000"/>
+                </a:solidFill>
+                <a:effectLst/>
+                <a:latin typeface="+mj-ea"/>
+                <a:ea typeface="+mj-ea"/>
+              </a:rPr>
+              <a:t>RequestBody</a:t>
+            </a:r>
+            <a:r>
+              <a:rPr lang="en" altLang="ko-Kore-KR" sz="1500" b="1" i="0" dirty="0">
+                <a:solidFill>
+                  <a:srgbClr val="FF0000"/>
+                </a:solidFill>
+                <a:effectLst/>
+                <a:latin typeface="+mj-ea"/>
+                <a:ea typeface="+mj-ea"/>
+              </a:rPr>
+              <a:t> </a:t>
+            </a:r>
+            <a:r>
+              <a:rPr lang="ko-KR" altLang="en-US" sz="1500" b="1" i="0" dirty="0" err="1">
+                <a:solidFill>
+                  <a:srgbClr val="FF0000"/>
+                </a:solidFill>
+                <a:effectLst/>
+                <a:latin typeface="+mj-ea"/>
+                <a:ea typeface="+mj-ea"/>
+              </a:rPr>
+              <a:t>어노테이션을</a:t>
+            </a:r>
+            <a:r>
+              <a:rPr lang="ko-KR" altLang="en-US" sz="1500" b="1" i="0" dirty="0">
+                <a:solidFill>
+                  <a:srgbClr val="FF0000"/>
+                </a:solidFill>
+                <a:effectLst/>
+                <a:latin typeface="+mj-ea"/>
+                <a:ea typeface="+mj-ea"/>
+              </a:rPr>
+              <a:t> 사용</a:t>
+            </a:r>
+            <a:r>
+              <a:rPr lang="ko-KR" altLang="en-US" sz="1500" i="0" dirty="0">
+                <a:solidFill>
+                  <a:srgbClr val="333333"/>
+                </a:solidFill>
+                <a:effectLst/>
+                <a:latin typeface="+mj-ea"/>
+                <a:ea typeface="+mj-ea"/>
+              </a:rPr>
+              <a:t>하여 </a:t>
+            </a:r>
+            <a:r>
+              <a:rPr lang="en" altLang="ko-Kore-KR" sz="1500" i="0" dirty="0">
+                <a:solidFill>
+                  <a:srgbClr val="333333"/>
+                </a:solidFill>
+                <a:effectLst/>
+                <a:latin typeface="+mj-ea"/>
+                <a:ea typeface="+mj-ea"/>
+              </a:rPr>
+              <a:t>HTTP </a:t>
+            </a:r>
+            <a:r>
+              <a:rPr lang="ko-KR" altLang="en-US" sz="1500" i="0" dirty="0">
+                <a:solidFill>
+                  <a:srgbClr val="333333"/>
+                </a:solidFill>
+                <a:effectLst/>
+                <a:latin typeface="+mj-ea"/>
+                <a:ea typeface="+mj-ea"/>
+              </a:rPr>
+              <a:t>요청 본문에 담긴 값들을 </a:t>
+            </a:r>
+            <a:r>
+              <a:rPr lang="ko-KR" altLang="en-US" sz="1500" b="1" i="0" dirty="0">
+                <a:solidFill>
+                  <a:srgbClr val="333333"/>
+                </a:solidFill>
+                <a:effectLst/>
+                <a:latin typeface="+mj-ea"/>
+                <a:ea typeface="+mj-ea"/>
+              </a:rPr>
+              <a:t>자바객체로 변환</a:t>
+            </a:r>
+            <a:r>
+              <a:rPr lang="ko-KR" altLang="en-US" sz="1500" i="0" dirty="0">
+                <a:solidFill>
+                  <a:srgbClr val="333333"/>
+                </a:solidFill>
+                <a:effectLst/>
+                <a:latin typeface="+mj-ea"/>
+                <a:ea typeface="+mj-ea"/>
+              </a:rPr>
+              <a:t>시켜</a:t>
+            </a:r>
+            <a:r>
+              <a:rPr lang="en-US" altLang="ko-KR" sz="1500" i="0" dirty="0">
+                <a:solidFill>
+                  <a:srgbClr val="333333"/>
+                </a:solidFill>
+                <a:effectLst/>
+                <a:latin typeface="+mj-ea"/>
+                <a:ea typeface="+mj-ea"/>
+              </a:rPr>
+              <a:t>, </a:t>
+            </a:r>
+            <a:r>
+              <a:rPr lang="ko-KR" altLang="en-US" sz="1500" b="1" i="0" dirty="0">
+                <a:solidFill>
+                  <a:srgbClr val="333333"/>
+                </a:solidFill>
+                <a:effectLst/>
+                <a:latin typeface="+mj-ea"/>
+                <a:ea typeface="+mj-ea"/>
+              </a:rPr>
+              <a:t>객체에 저장</a:t>
+            </a:r>
+            <a:r>
+              <a:rPr lang="ko-KR" altLang="en-US" sz="1500" i="0" dirty="0">
+                <a:solidFill>
+                  <a:srgbClr val="333333"/>
+                </a:solidFill>
+                <a:effectLst/>
+                <a:latin typeface="+mj-ea"/>
+                <a:ea typeface="+mj-ea"/>
+              </a:rPr>
+              <a:t>한다</a:t>
+            </a:r>
+            <a:r>
+              <a:rPr lang="en-US" altLang="ko-KR" sz="1500" i="0" dirty="0">
+                <a:solidFill>
+                  <a:srgbClr val="333333"/>
+                </a:solidFill>
+                <a:effectLst/>
+                <a:latin typeface="+mj-ea"/>
+                <a:ea typeface="+mj-ea"/>
+              </a:rPr>
+              <a:t>.</a:t>
+            </a:r>
+            <a:endParaRPr lang="ko-KR" altLang="en-US" sz="1500" i="0" dirty="0">
+              <a:solidFill>
+                <a:srgbClr val="555555"/>
+              </a:solidFill>
+              <a:effectLst/>
+              <a:latin typeface="+mj-ea"/>
+              <a:ea typeface="+mj-ea"/>
+            </a:endParaRPr>
+          </a:p>
+        </p:txBody>
+      </p:sp>
+      <p:sp>
+        <p:nvSpPr>
+          <p:cNvPr id="11" name="액자 10">
+            <a:extLst>
+              <a:ext uri="{FF2B5EF4-FFF2-40B4-BE49-F238E27FC236}">
+                <a16:creationId xmlns:a16="http://schemas.microsoft.com/office/drawing/2014/main" id="{1F6474D3-7CAC-9A4F-8D10-8F2BAA938B0C}"/>
+              </a:ext>
+            </a:extLst>
+          </p:cNvPr>
+          <p:cNvSpPr/>
+          <p:nvPr/>
+        </p:nvSpPr>
+        <p:spPr>
+          <a:xfrm>
+            <a:off x="6174827" y="3676837"/>
+            <a:ext cx="5796456" cy="2400656"/>
+          </a:xfrm>
+          <a:prstGeom prst="frame">
+            <a:avLst/>
+          </a:prstGeom>
+          <a:solidFill>
+            <a:schemeClr val="accent6"/>
+          </a:solidFill>
+        </p:spPr>
+        <p:style>
+          <a:lnRef idx="2">
+            <a:schemeClr val="accent1">
+              <a:shade val="50000"/>
+            </a:schemeClr>
+          </a:lnRef>
+          <a:fillRef idx="1">
+            <a:schemeClr val="accent1"/>
+          </a:fillRef>
+          <a:effectRef idx="0">
+            <a:schemeClr val="accent1"/>
+          </a:effectRef>
+          <a:fontRef idx="minor">
+            <a:schemeClr val="lt1"/>
+          </a:fontRef>
+        </p:style>
+        <p:txBody>
+          <a:bodyPr rtlCol="0" anchor="ctr"/>
+          <a:lstStyle/>
+          <a:p>
+            <a:pPr algn="ctr"/>
+            <a:endParaRPr kumimoji="1" lang="ko-Kore-KR" altLang="en-US">
+              <a:solidFill>
+                <a:schemeClr val="tx1"/>
+              </a:solidFill>
+            </a:endParaRPr>
+          </a:p>
+        </p:txBody>
+      </p:sp>
     </p:spTree>
     <p:extLst>
       <p:ext uri="{BB962C8B-B14F-4D97-AF65-F5344CB8AC3E}">
@@ -11563,8 +12005,8 @@
         </p:nvSpPr>
         <p:spPr>
           <a:xfrm>
-            <a:off x="375745" y="-198738"/>
-            <a:ext cx="9535509" cy="1684638"/>
+            <a:off x="260131" y="-70209"/>
+            <a:ext cx="10670627" cy="1361473"/>
           </a:xfrm>
           <a:prstGeom prst="rect">
             <a:avLst/>
@@ -11588,54 +12030,54 @@
               </a:spcAft>
             </a:pPr>
             <a:r>
-              <a:rPr kumimoji="1" lang="en-US" altLang="ko-KR" sz="4000" b="1" dirty="0">
+              <a:rPr kumimoji="1" lang="en-US" altLang="ko-KR" sz="3700" b="1" dirty="0">
+                <a:latin typeface="+mj-ea"/>
+                <a:ea typeface="+mj-ea"/>
+                <a:cs typeface="+mj-cs"/>
+              </a:rPr>
+              <a:t>@</a:t>
+            </a:r>
+            <a:r>
+              <a:rPr kumimoji="1" lang="en-US" altLang="ko-KR" sz="3700" b="1" dirty="0" err="1">
+                <a:latin typeface="+mj-ea"/>
+                <a:ea typeface="+mj-ea"/>
+                <a:cs typeface="+mj-cs"/>
+              </a:rPr>
+              <a:t>RequestParam</a:t>
+            </a:r>
+            <a:r>
+              <a:rPr kumimoji="1" lang="en-US" altLang="ko-KR" sz="3700" b="1" dirty="0">
+                <a:latin typeface="+mj-ea"/>
+                <a:ea typeface="+mj-ea"/>
+                <a:cs typeface="+mj-cs"/>
+              </a:rPr>
+              <a:t> &amp; @</a:t>
+            </a:r>
+            <a:r>
+              <a:rPr kumimoji="1" lang="en-US" altLang="ko-KR" sz="3700" b="1" dirty="0" err="1">
+                <a:latin typeface="+mj-ea"/>
+                <a:ea typeface="+mj-ea"/>
+                <a:cs typeface="+mj-cs"/>
+              </a:rPr>
+              <a:t>RequestBody</a:t>
+            </a:r>
+            <a:r>
+              <a:rPr kumimoji="1" lang="en-US" altLang="ko-KR" sz="3700" b="1" dirty="0">
                 <a:latin typeface="+mj-lt"/>
                 <a:ea typeface="+mj-ea"/>
                 <a:cs typeface="+mj-cs"/>
               </a:rPr>
-              <a:t>@</a:t>
-            </a:r>
-            <a:r>
-              <a:rPr kumimoji="1" lang="en-US" altLang="ko-KR" sz="4000" b="1" dirty="0" err="1">
+              <a:t> </a:t>
+            </a:r>
+            <a:r>
+              <a:rPr kumimoji="1" lang="ko-KR" altLang="en-US" sz="3700" b="1" dirty="0">
                 <a:latin typeface="+mj-lt"/>
                 <a:ea typeface="+mj-ea"/>
                 <a:cs typeface="+mj-cs"/>
               </a:rPr>
-              <a:t>RequestParam</a:t>
-            </a:r>
-            <a:r>
-              <a:rPr kumimoji="1" lang="en-US" altLang="ko-KR" sz="4000" b="1" dirty="0">
-                <a:latin typeface="+mj-lt"/>
-                <a:ea typeface="+mj-ea"/>
-                <a:cs typeface="+mj-cs"/>
-              </a:rPr>
-              <a:t> &amp; @</a:t>
-            </a:r>
-            <a:r>
-              <a:rPr kumimoji="1" lang="en-US" altLang="ko-KR" sz="4000" b="1" dirty="0" err="1">
-                <a:latin typeface="+mj-lt"/>
-                <a:ea typeface="+mj-ea"/>
-                <a:cs typeface="+mj-cs"/>
-              </a:rPr>
-              <a:t>RequestBody</a:t>
-            </a:r>
-            <a:r>
-              <a:rPr kumimoji="1" lang="en-US" altLang="ko-KR" sz="4000" b="1" dirty="0">
-                <a:latin typeface="+mj-lt"/>
-                <a:ea typeface="+mj-ea"/>
-                <a:cs typeface="+mj-cs"/>
-              </a:rPr>
-              <a:t> </a:t>
-            </a:r>
-            <a:r>
-              <a:rPr kumimoji="1" lang="ko-KR" altLang="en-US" sz="4000" b="1" dirty="0">
-                <a:latin typeface="+mj-lt"/>
-                <a:ea typeface="+mj-ea"/>
-                <a:cs typeface="+mj-cs"/>
-              </a:rPr>
               <a:t>차이</a:t>
             </a:r>
-            <a:endParaRPr kumimoji="1" lang="en-US" altLang="en-US" sz="4000" b="1" dirty="0">
+            <a:endParaRPr kumimoji="1" lang="en-US" altLang="en-US" sz="3700" b="1" dirty="0">
               <a:latin typeface="+mj-lt"/>
               <a:ea typeface="+mj-ea"/>
               <a:cs typeface="+mj-cs"/>
